--- a/SchulungenKGParl/Folien/XPath.pptx
+++ b/SchulungenKGParl/Folien/XPath.pptx
@@ -5357,7 +5357,7 @@
         <p:spPr/>
         <p:txBody>
           <a:bodyPr>
-            <a:normAutofit lnSpcReduction="10000"/>
+            <a:normAutofit/>
           </a:bodyPr>
           <a:lstStyle/>
           <a:p>
@@ -5466,7 +5466,7 @@
             </a:r>
             <a:r>
               <a:rPr lang="en-US" dirty="0"/>
-              <a:t> </a:t>
+              <a:t> 	</a:t>
             </a:r>
             <a:r>
               <a:rPr lang="en-US" dirty="0" err="1"/>
@@ -5480,7 +5480,7 @@
           <a:p>
             <a:r>
               <a:rPr lang="de-DE" dirty="0"/>
-              <a:t>Gib mir alle Personen zurück</a:t>
+              <a:t>Gib mir alle (?) Personen zurück</a:t>
             </a:r>
           </a:p>
           <a:p>
@@ -5489,43 +5489,41 @@
             </a:pPr>
             <a:r>
               <a:rPr lang="en-US" dirty="0"/>
-              <a:t>	/TEI/text/body/div/</a:t>
-            </a:r>
-            <a:r>
-              <a:rPr lang="en-US" dirty="0" err="1"/>
-              <a:t>listPerson</a:t>
+              <a:t>	 /</a:t>
+            </a:r>
+            <a:r>
+              <a:rPr lang="en-US" b="1" dirty="0"/>
+              <a:t>TEI/text/body/div/p/name</a:t>
             </a:r>
             <a:r>
               <a:rPr lang="en-US" dirty="0"/>
-              <a:t>/person</a:t>
-            </a:r>
-          </a:p>
-          <a:p>
-            <a:r>
-              <a:rPr lang="de-DE" dirty="0"/>
-              <a:t>oder //</a:t>
-            </a:r>
-            <a:r>
-              <a:rPr lang="de-DE" dirty="0" err="1"/>
-              <a:t>person</a:t>
-            </a:r>
-            <a:r>
-              <a:rPr lang="de-DE" dirty="0"/>
-              <a:t>(?) oder //</a:t>
-            </a:r>
-            <a:r>
-              <a:rPr lang="de-DE" dirty="0" err="1"/>
-              <a:t>listPerson</a:t>
-            </a:r>
-            <a:r>
-              <a:rPr lang="de-DE" dirty="0"/>
-              <a:t>/</a:t>
-            </a:r>
-            <a:r>
-              <a:rPr lang="de-DE" dirty="0" err="1"/>
-              <a:t>person</a:t>
-            </a:r>
-            <a:endParaRPr lang="de-DE" dirty="0"/>
+              <a:t> </a:t>
+            </a:r>
+            <a:r>
+              <a:rPr lang="de-DE" dirty="0"/>
+              <a:t>oder </a:t>
+            </a:r>
+            <a:r>
+              <a:rPr lang="de-DE" b="1" dirty="0"/>
+              <a:t>//</a:t>
+            </a:r>
+            <a:r>
+              <a:rPr lang="de-DE" b="1" dirty="0" err="1"/>
+              <a:t>name</a:t>
+            </a:r>
+            <a:r>
+              <a:rPr lang="de-DE" dirty="0"/>
+              <a:t> oder </a:t>
+            </a:r>
+            <a:r>
+              <a:rPr lang="de-DE" b="1" dirty="0"/>
+              <a:t>//div/p/</a:t>
+            </a:r>
+            <a:r>
+              <a:rPr lang="de-DE" b="1" dirty="0" err="1"/>
+              <a:t>name</a:t>
+            </a:r>
+            <a:endParaRPr lang="de-DE" b="1" dirty="0"/>
           </a:p>
         </p:txBody>
       </p:sp>
@@ -5612,13 +5610,71 @@
           <a:p>
             <a:r>
               <a:rPr lang="de-DE" dirty="0"/>
-              <a:t>Welche ist die dritte Person in der Liste?</a:t>
-            </a:r>
-          </a:p>
-          <a:p>
-            <a:r>
-              <a:rPr lang="de-DE" dirty="0"/>
-              <a:t>//</a:t>
+              <a:t>Welche ist die dritte Person im Absatz?</a:t>
+            </a:r>
+          </a:p>
+          <a:p>
+            <a:pPr marL="0" indent="0">
+              <a:buNone/>
+            </a:pPr>
+            <a:r>
+              <a:rPr lang="de-DE" dirty="0"/>
+              <a:t>	</a:t>
+            </a:r>
+            <a:r>
+              <a:rPr lang="de-DE" b="1" dirty="0"/>
+              <a:t>//div/p/</a:t>
+            </a:r>
+            <a:r>
+              <a:rPr lang="de-DE" b="1" dirty="0" err="1"/>
+              <a:t>name</a:t>
+            </a:r>
+            <a:r>
+              <a:rPr lang="de-DE" b="1" dirty="0"/>
+              <a:t>[</a:t>
+            </a:r>
+            <a:r>
+              <a:rPr lang="de-DE" b="1" dirty="0" err="1"/>
+              <a:t>position</a:t>
+            </a:r>
+            <a:r>
+              <a:rPr lang="de-DE" b="1" dirty="0"/>
+              <a:t>()=3] </a:t>
+            </a:r>
+            <a:r>
+              <a:rPr lang="de-DE" i="1" dirty="0"/>
+              <a:t>oder</a:t>
+            </a:r>
+            <a:r>
+              <a:rPr lang="de-DE" b="1" i="1" dirty="0"/>
+              <a:t> </a:t>
+            </a:r>
+            <a:r>
+              <a:rPr lang="de-DE" b="1" dirty="0"/>
+              <a:t>//div/p/</a:t>
+            </a:r>
+            <a:r>
+              <a:rPr lang="de-DE" b="1" dirty="0" err="1"/>
+              <a:t>name</a:t>
+            </a:r>
+            <a:r>
+              <a:rPr lang="de-DE" b="1" dirty="0"/>
+              <a:t>[3]</a:t>
+            </a:r>
+          </a:p>
+          <a:p>
+            <a:r>
+              <a:rPr lang="de-DE" dirty="0"/>
+              <a:t>Gib mir alle Frauen zurück</a:t>
+            </a:r>
+          </a:p>
+          <a:p>
+            <a:pPr marL="0" indent="0">
+              <a:buNone/>
+            </a:pPr>
+            <a:r>
+              <a:rPr lang="de-DE" dirty="0"/>
+              <a:t>	//</a:t>
             </a:r>
             <a:r>
               <a:rPr lang="de-DE" dirty="0" err="1"/>
@@ -5634,23 +5690,30 @@
             </a:r>
             <a:r>
               <a:rPr lang="de-DE" dirty="0"/>
-              <a:t>[</a:t>
+              <a:t>[sex/@</a:t>
             </a:r>
             <a:r>
               <a:rPr lang="de-DE" dirty="0" err="1"/>
-              <a:t>position</a:t>
-            </a:r>
-            <a:r>
-              <a:rPr lang="de-DE" dirty="0"/>
-              <a:t>()=3] </a:t>
-            </a:r>
-            <a:r>
-              <a:rPr lang="de-DE" i="1" dirty="0"/>
-              <a:t>oder</a:t>
-            </a:r>
-            <a:r>
-              <a:rPr lang="de-DE" dirty="0"/>
-              <a:t>//</a:t>
+              <a:t>value</a:t>
+            </a:r>
+            <a:r>
+              <a:rPr lang="de-DE" dirty="0"/>
+              <a:t>='F']</a:t>
+            </a:r>
+          </a:p>
+          <a:p>
+            <a:r>
+              <a:rPr lang="de-DE" dirty="0"/>
+              <a:t>Gib mir alle Vornamen aller Frauen zurück</a:t>
+            </a:r>
+          </a:p>
+          <a:p>
+            <a:pPr marL="0" indent="0">
+              <a:buNone/>
+            </a:pPr>
+            <a:r>
+              <a:rPr lang="de-DE" dirty="0"/>
+              <a:t>	//</a:t>
             </a:r>
             <a:r>
               <a:rPr lang="de-DE" dirty="0" err="1"/>
@@ -5666,19 +5729,43 @@
             </a:r>
             <a:r>
               <a:rPr lang="de-DE" dirty="0"/>
-              <a:t>[3]</a:t>
-            </a:r>
-          </a:p>
-          <a:p>
-            <a:r>
-              <a:rPr lang="de-DE" dirty="0"/>
-              <a:t>Gib mir alle Frauen zurück</a:t>
-            </a:r>
-          </a:p>
-          <a:p>
-            <a:r>
-              <a:rPr lang="de-DE" dirty="0"/>
-              <a:t>//</a:t>
+              <a:t>[sex/@</a:t>
+            </a:r>
+            <a:r>
+              <a:rPr lang="de-DE" dirty="0" err="1"/>
+              <a:t>value</a:t>
+            </a:r>
+            <a:r>
+              <a:rPr lang="de-DE" dirty="0"/>
+              <a:t>='F']/</a:t>
+            </a:r>
+            <a:r>
+              <a:rPr lang="de-DE" dirty="0" err="1"/>
+              <a:t>persName</a:t>
+            </a:r>
+            <a:r>
+              <a:rPr lang="de-DE" dirty="0"/>
+              <a:t>/</a:t>
+            </a:r>
+            <a:r>
+              <a:rPr lang="de-DE" dirty="0" err="1"/>
+              <a:t>forename</a:t>
+            </a:r>
+            <a:endParaRPr lang="de-DE" dirty="0"/>
+          </a:p>
+          <a:p>
+            <a:r>
+              <a:rPr lang="de-DE" dirty="0"/>
+              <a:t>Gib mir alle Frauen, die mit C anfangen</a:t>
+            </a:r>
+          </a:p>
+          <a:p>
+            <a:pPr marL="0" indent="0">
+              <a:buNone/>
+            </a:pPr>
+            <a:r>
+              <a:rPr lang="de-DE" dirty="0"/>
+              <a:t>	//</a:t>
             </a:r>
             <a:r>
               <a:rPr lang="de-DE" dirty="0" err="1"/>
@@ -5702,42 +5789,6 @@
             </a:r>
             <a:r>
               <a:rPr lang="de-DE" dirty="0"/>
-              <a:t>='F']</a:t>
-            </a:r>
-          </a:p>
-          <a:p>
-            <a:r>
-              <a:rPr lang="de-DE" dirty="0"/>
-              <a:t>Gib mir alle Vornamen aller Frauen zurück</a:t>
-            </a:r>
-          </a:p>
-          <a:p>
-            <a:r>
-              <a:rPr lang="de-DE" dirty="0"/>
-              <a:t>//</a:t>
-            </a:r>
-            <a:r>
-              <a:rPr lang="de-DE" dirty="0" err="1"/>
-              <a:t>listPerson</a:t>
-            </a:r>
-            <a:r>
-              <a:rPr lang="de-DE" dirty="0"/>
-              <a:t>/</a:t>
-            </a:r>
-            <a:r>
-              <a:rPr lang="de-DE" dirty="0" err="1"/>
-              <a:t>person</a:t>
-            </a:r>
-            <a:r>
-              <a:rPr lang="de-DE" dirty="0"/>
-              <a:t>[sex/@</a:t>
-            </a:r>
-            <a:r>
-              <a:rPr lang="de-DE" dirty="0" err="1"/>
-              <a:t>value</a:t>
-            </a:r>
-            <a:r>
-              <a:rPr lang="de-DE" dirty="0"/>
               <a:t>='F']/</a:t>
             </a:r>
             <a:r>
@@ -5752,55 +5803,6 @@
               <a:rPr lang="de-DE" dirty="0" err="1"/>
               <a:t>forename</a:t>
             </a:r>
-            <a:endParaRPr lang="de-DE" dirty="0"/>
-          </a:p>
-          <a:p>
-            <a:r>
-              <a:rPr lang="de-DE" dirty="0"/>
-              <a:t>Gib mir alle Frauen, die mit C anfangen</a:t>
-            </a:r>
-          </a:p>
-          <a:p>
-            <a:r>
-              <a:rPr lang="de-DE" dirty="0"/>
-              <a:t>//</a:t>
-            </a:r>
-            <a:r>
-              <a:rPr lang="de-DE" dirty="0" err="1"/>
-              <a:t>listPerson</a:t>
-            </a:r>
-            <a:r>
-              <a:rPr lang="de-DE" dirty="0"/>
-              <a:t>/</a:t>
-            </a:r>
-            <a:r>
-              <a:rPr lang="de-DE" dirty="0" err="1"/>
-              <a:t>person</a:t>
-            </a:r>
-            <a:r>
-              <a:rPr lang="de-DE" dirty="0"/>
-              <a:t>[sex/@</a:t>
-            </a:r>
-            <a:r>
-              <a:rPr lang="de-DE" dirty="0" err="1"/>
-              <a:t>value</a:t>
-            </a:r>
-            <a:r>
-              <a:rPr lang="de-DE" dirty="0"/>
-              <a:t>='F']/</a:t>
-            </a:r>
-            <a:r>
-              <a:rPr lang="de-DE" dirty="0" err="1"/>
-              <a:t>persName</a:t>
-            </a:r>
-            <a:r>
-              <a:rPr lang="de-DE" dirty="0"/>
-              <a:t>/</a:t>
-            </a:r>
-            <a:r>
-              <a:rPr lang="de-DE" dirty="0" err="1"/>
-              <a:t>forename</a:t>
-            </a:r>
             <a:r>
               <a:rPr lang="de-DE" dirty="0"/>
               <a:t>[</a:t>
@@ -5821,6 +5823,7 @@
             </a:r>
           </a:p>
           <a:p>
+            <a:pPr lvl="1"/>
             <a:r>
               <a:rPr lang="de-DE" dirty="0" err="1"/>
               <a:t>distinct-values</a:t>
@@ -5949,68 +5952,128 @@
         <p:spPr/>
         <p:txBody>
           <a:bodyPr>
-            <a:normAutofit fontScale="77500" lnSpcReduction="20000"/>
+            <a:normAutofit fontScale="62500" lnSpcReduction="20000"/>
           </a:bodyPr>
           <a:lstStyle/>
           <a:p>
             <a:r>
               <a:rPr lang="de-DE" dirty="0"/>
-              <a:t>Zu welchen Personen liegt kein GND-Link vor?</a:t>
-            </a:r>
-          </a:p>
-          <a:p>
-            <a:r>
-              <a:rPr lang="de-DE" dirty="0"/>
+              <a:t>Gib mir alle Anmerkungen zurück, die keine editorischen Kommentare sind</a:t>
+            </a:r>
+          </a:p>
+          <a:p>
+            <a:pPr marL="457200" lvl="1" indent="0">
+              <a:buNone/>
+            </a:pPr>
+            <a:r>
+              <a:rPr lang="en-US" dirty="0"/>
               <a:t>//</a:t>
             </a:r>
             <a:r>
-              <a:rPr lang="de-DE" dirty="0" err="1"/>
-              <a:t>listPerson</a:t>
-            </a:r>
-            <a:r>
-              <a:rPr lang="de-DE" dirty="0"/>
-              <a:t>/</a:t>
-            </a:r>
-            <a:r>
-              <a:rPr lang="de-DE" dirty="0" err="1"/>
-              <a:t>person</a:t>
-            </a:r>
-            <a:r>
-              <a:rPr lang="de-DE" dirty="0"/>
-              <a:t>[not (</a:t>
-            </a:r>
-            <a:r>
-              <a:rPr lang="de-DE" dirty="0" err="1"/>
-              <a:t>contains</a:t>
-            </a:r>
-            <a:r>
-              <a:rPr lang="de-DE" dirty="0"/>
-              <a:t>(</a:t>
-            </a:r>
-            <a:r>
-              <a:rPr lang="de-DE" dirty="0" err="1"/>
-              <a:t>persName</a:t>
-            </a:r>
-            <a:r>
-              <a:rPr lang="de-DE" dirty="0"/>
-              <a:t>/@</a:t>
-            </a:r>
-            <a:r>
-              <a:rPr lang="de-DE" dirty="0" err="1"/>
+              <a:rPr lang="en-US" b="1" dirty="0"/>
+              <a:t>note[</a:t>
+            </a:r>
+            <a:r>
+              <a:rPr lang="en-US" b="1" i="1" dirty="0"/>
+              <a:t>not (contains(@</a:t>
+            </a:r>
+            <a:r>
+              <a:rPr lang="en-US" b="1" i="1" dirty="0" err="1"/>
+              <a:t>type,'comment</a:t>
+            </a:r>
+            <a:r>
+              <a:rPr lang="en-US" b="1" i="1" dirty="0"/>
+              <a:t>'))]</a:t>
+            </a:r>
+            <a:endParaRPr lang="de-DE" dirty="0"/>
+          </a:p>
+          <a:p>
+            <a:r>
+              <a:rPr lang="de-DE" dirty="0"/>
+              <a:t>Zu welchen Personen </a:t>
+            </a:r>
+            <a:r>
+              <a:rPr lang="de-DE" b="1" dirty="0"/>
+              <a:t>im Protokoll-Text</a:t>
+            </a:r>
+            <a:r>
+              <a:rPr lang="de-DE" dirty="0"/>
+              <a:t> liegt keine Referenz zum Registereintrag vor?</a:t>
+            </a:r>
+          </a:p>
+          <a:p>
+            <a:pPr marL="457200" lvl="1" indent="0">
+              <a:buNone/>
+            </a:pPr>
+            <a:r>
+              <a:rPr lang="de-DE" dirty="0"/>
+              <a:t>//</a:t>
+            </a:r>
+            <a:r>
+              <a:rPr lang="de-DE" b="1" dirty="0" err="1"/>
+              <a:t>body</a:t>
+            </a:r>
+            <a:r>
+              <a:rPr lang="de-DE" b="1" dirty="0"/>
+              <a:t>//*/</a:t>
+            </a:r>
+            <a:r>
+              <a:rPr lang="de-DE" b="1" dirty="0" err="1"/>
+              <a:t>name</a:t>
+            </a:r>
+            <a:r>
+              <a:rPr lang="de-DE" b="1" dirty="0"/>
+              <a:t>[</a:t>
+            </a:r>
+            <a:r>
+              <a:rPr lang="de-DE" b="1" dirty="0" err="1"/>
+              <a:t>matches</a:t>
+            </a:r>
+            <a:r>
+              <a:rPr lang="de-DE" b="1" dirty="0"/>
+              <a:t> (@</a:t>
+            </a:r>
+            <a:r>
+              <a:rPr lang="de-DE" b="1" dirty="0" err="1"/>
               <a:t>ref</a:t>
             </a:r>
             <a:r>
-              <a:rPr lang="de-DE" dirty="0"/>
-              <a:t>,'</a:t>
-            </a:r>
-            <a:r>
-              <a:rPr lang="de-DE" dirty="0" err="1"/>
-              <a:t>gnd</a:t>
-            </a:r>
-            <a:r>
-              <a:rPr lang="de-DE" dirty="0"/>
-              <a:t>'))] </a:t>
-            </a:r>
+              <a:rPr lang="de-DE" b="1" dirty="0"/>
+              <a:t>, '#')]</a:t>
+            </a:r>
+            <a:r>
+              <a:rPr lang="de-DE" dirty="0"/>
+              <a:t>  (vgl. //</a:t>
+            </a:r>
+            <a:r>
+              <a:rPr lang="de-DE" b="1" dirty="0" err="1"/>
+              <a:t>name</a:t>
+            </a:r>
+            <a:r>
+              <a:rPr lang="de-DE" b="1" dirty="0"/>
+              <a:t>[</a:t>
+            </a:r>
+            <a:r>
+              <a:rPr lang="de-DE" b="1" dirty="0" err="1"/>
+              <a:t>matches</a:t>
+            </a:r>
+            <a:r>
+              <a:rPr lang="de-DE" b="1" dirty="0"/>
+              <a:t> (@</a:t>
+            </a:r>
+            <a:r>
+              <a:rPr lang="de-DE" b="1" dirty="0" err="1"/>
+              <a:t>ref</a:t>
+            </a:r>
+            <a:r>
+              <a:rPr lang="de-DE" b="1"/>
+              <a:t>, '#')] </a:t>
+            </a:r>
+            <a:r>
+              <a:rPr lang="de-DE" b="1" i="1" dirty="0"/>
+              <a:t>)</a:t>
+            </a:r>
+            <a:endParaRPr lang="de-DE" dirty="0"/>
           </a:p>
           <a:p>
             <a:r>
@@ -6019,38 +6082,27 @@
             </a:r>
             <a:r>
               <a:rPr lang="de-DE" dirty="0"/>
-              <a:t> das?</a:t>
-            </a:r>
-          </a:p>
-          <a:p>
-            <a:r>
-              <a:rPr lang="en-US" dirty="0"/>
+              <a:t> das? </a:t>
+            </a:r>
+          </a:p>
+          <a:p>
+            <a:pPr marL="457200" lvl="1" indent="0">
+              <a:buNone/>
+            </a:pPr>
+            <a:r>
+              <a:rPr lang="en-US" i="1" dirty="0"/>
               <a:t>count(//</a:t>
             </a:r>
             <a:r>
-              <a:rPr lang="en-US" dirty="0" err="1"/>
-              <a:t>listPerson</a:t>
-            </a:r>
-            <a:r>
-              <a:rPr lang="en-US" dirty="0"/>
-              <a:t>/person[not (contains(</a:t>
-            </a:r>
-            <a:r>
-              <a:rPr lang="en-US" dirty="0" err="1"/>
-              <a:t>persName</a:t>
-            </a:r>
-            <a:r>
-              <a:rPr lang="en-US" dirty="0"/>
-              <a:t>/@ref,'</a:t>
-            </a:r>
-            <a:r>
-              <a:rPr lang="en-US" dirty="0" err="1"/>
-              <a:t>gnd</a:t>
-            </a:r>
-            <a:r>
-              <a:rPr lang="en-US" dirty="0"/>
-              <a:t>'))])</a:t>
-            </a:r>
+              <a:rPr lang="en-US" b="1" i="1" dirty="0"/>
+              <a:t>body//*/name[matches (@ref, '#')])</a:t>
+            </a:r>
+          </a:p>
+          <a:p>
+            <a:pPr marL="457200" lvl="1" indent="0">
+              <a:buNone/>
+            </a:pPr>
+            <a:endParaRPr lang="en-US" dirty="0"/>
           </a:p>
           <a:p>
             <a:r>

--- a/SchulungenKGParl/Folien/XPath.pptx
+++ b/SchulungenKGParl/Folien/XPath.pptx
@@ -14,18 +14,24 @@
     <p:sldId id="273" r:id="rId8"/>
     <p:sldId id="267" r:id="rId9"/>
     <p:sldId id="268" r:id="rId10"/>
-    <p:sldId id="269" r:id="rId11"/>
-    <p:sldId id="270" r:id="rId12"/>
-    <p:sldId id="271" r:id="rId13"/>
-    <p:sldId id="262" r:id="rId14"/>
-    <p:sldId id="263" r:id="rId15"/>
-    <p:sldId id="261" r:id="rId16"/>
-    <p:sldId id="265" r:id="rId17"/>
-    <p:sldId id="274" r:id="rId18"/>
-    <p:sldId id="275" r:id="rId19"/>
-    <p:sldId id="276" r:id="rId20"/>
-    <p:sldId id="277" r:id="rId21"/>
-    <p:sldId id="264" r:id="rId22"/>
+    <p:sldId id="270" r:id="rId11"/>
+    <p:sldId id="278" r:id="rId12"/>
+    <p:sldId id="279" r:id="rId13"/>
+    <p:sldId id="280" r:id="rId14"/>
+    <p:sldId id="281" r:id="rId15"/>
+    <p:sldId id="271" r:id="rId16"/>
+    <p:sldId id="262" r:id="rId17"/>
+    <p:sldId id="263" r:id="rId18"/>
+    <p:sldId id="261" r:id="rId19"/>
+    <p:sldId id="282" r:id="rId20"/>
+    <p:sldId id="283" r:id="rId21"/>
+    <p:sldId id="265" r:id="rId22"/>
+    <p:sldId id="274" r:id="rId23"/>
+    <p:sldId id="275" r:id="rId24"/>
+    <p:sldId id="276" r:id="rId25"/>
+    <p:sldId id="277" r:id="rId26"/>
+    <p:sldId id="284" r:id="rId27"/>
+    <p:sldId id="264" r:id="rId28"/>
   </p:sldIdLst>
   <p:sldSz cx="12192000" cy="6858000"/>
   <p:notesSz cx="6858000" cy="9144000"/>
@@ -1118,7 +1124,7 @@
           <a:p>
             <a:fld id="{AFBF6B35-73C7-4AB0-A79B-3856A72D124C}" type="datetimeFigureOut">
               <a:rPr lang="de-DE" smtClean="0"/>
-              <a:t>26.09.2021</a:t>
+              <a:t>27.09.2021</a:t>
             </a:fld>
             <a:endParaRPr lang="de-DE"/>
           </a:p>
@@ -1316,7 +1322,7 @@
           <a:p>
             <a:fld id="{AFBF6B35-73C7-4AB0-A79B-3856A72D124C}" type="datetimeFigureOut">
               <a:rPr lang="de-DE" smtClean="0"/>
-              <a:t>26.09.2021</a:t>
+              <a:t>27.09.2021</a:t>
             </a:fld>
             <a:endParaRPr lang="de-DE"/>
           </a:p>
@@ -1524,7 +1530,7 @@
           <a:p>
             <a:fld id="{AFBF6B35-73C7-4AB0-A79B-3856A72D124C}" type="datetimeFigureOut">
               <a:rPr lang="de-DE" smtClean="0"/>
-              <a:t>26.09.2021</a:t>
+              <a:t>27.09.2021</a:t>
             </a:fld>
             <a:endParaRPr lang="de-DE"/>
           </a:p>
@@ -1722,7 +1728,7 @@
           <a:p>
             <a:fld id="{AFBF6B35-73C7-4AB0-A79B-3856A72D124C}" type="datetimeFigureOut">
               <a:rPr lang="de-DE" smtClean="0"/>
-              <a:t>26.09.2021</a:t>
+              <a:t>27.09.2021</a:t>
             </a:fld>
             <a:endParaRPr lang="de-DE"/>
           </a:p>
@@ -1997,7 +2003,7 @@
           <a:p>
             <a:fld id="{AFBF6B35-73C7-4AB0-A79B-3856A72D124C}" type="datetimeFigureOut">
               <a:rPr lang="de-DE" smtClean="0"/>
-              <a:t>26.09.2021</a:t>
+              <a:t>27.09.2021</a:t>
             </a:fld>
             <a:endParaRPr lang="de-DE"/>
           </a:p>
@@ -2262,7 +2268,7 @@
           <a:p>
             <a:fld id="{AFBF6B35-73C7-4AB0-A79B-3856A72D124C}" type="datetimeFigureOut">
               <a:rPr lang="de-DE" smtClean="0"/>
-              <a:t>26.09.2021</a:t>
+              <a:t>27.09.2021</a:t>
             </a:fld>
             <a:endParaRPr lang="de-DE"/>
           </a:p>
@@ -2674,7 +2680,7 @@
           <a:p>
             <a:fld id="{AFBF6B35-73C7-4AB0-A79B-3856A72D124C}" type="datetimeFigureOut">
               <a:rPr lang="de-DE" smtClean="0"/>
-              <a:t>26.09.2021</a:t>
+              <a:t>27.09.2021</a:t>
             </a:fld>
             <a:endParaRPr lang="de-DE"/>
           </a:p>
@@ -2815,7 +2821,7 @@
           <a:p>
             <a:fld id="{AFBF6B35-73C7-4AB0-A79B-3856A72D124C}" type="datetimeFigureOut">
               <a:rPr lang="de-DE" smtClean="0"/>
-              <a:t>26.09.2021</a:t>
+              <a:t>27.09.2021</a:t>
             </a:fld>
             <a:endParaRPr lang="de-DE"/>
           </a:p>
@@ -2928,7 +2934,7 @@
           <a:p>
             <a:fld id="{AFBF6B35-73C7-4AB0-A79B-3856A72D124C}" type="datetimeFigureOut">
               <a:rPr lang="de-DE" smtClean="0"/>
-              <a:t>26.09.2021</a:t>
+              <a:t>27.09.2021</a:t>
             </a:fld>
             <a:endParaRPr lang="de-DE"/>
           </a:p>
@@ -3239,7 +3245,7 @@
           <a:p>
             <a:fld id="{AFBF6B35-73C7-4AB0-A79B-3856A72D124C}" type="datetimeFigureOut">
               <a:rPr lang="de-DE" smtClean="0"/>
-              <a:t>26.09.2021</a:t>
+              <a:t>27.09.2021</a:t>
             </a:fld>
             <a:endParaRPr lang="de-DE"/>
           </a:p>
@@ -3527,7 +3533,7 @@
           <a:p>
             <a:fld id="{AFBF6B35-73C7-4AB0-A79B-3856A72D124C}" type="datetimeFigureOut">
               <a:rPr lang="de-DE" smtClean="0"/>
-              <a:t>26.09.2021</a:t>
+              <a:t>27.09.2021</a:t>
             </a:fld>
             <a:endParaRPr lang="de-DE"/>
           </a:p>
@@ -4364,7 +4370,7 @@
           <a:p>
             <a:r>
               <a:rPr lang="de-DE" dirty="0"/>
-              <a:t>Der Wald vor lauter Bäumen…</a:t>
+              <a:t>Bewegung im Baum…</a:t>
             </a:r>
           </a:p>
         </p:txBody>
@@ -4387,30 +4393,165 @@
         </p:nvSpPr>
         <p:spPr/>
         <p:txBody>
-          <a:bodyPr/>
-          <a:lstStyle/>
-          <a:p>
-            <a:r>
-              <a:rPr lang="de-DE" dirty="0"/>
-              <a:t>Begriffe: Eltern, Kinder, Knoten, Achsen</a:t>
-            </a:r>
-          </a:p>
-          <a:p>
-            <a:r>
-              <a:rPr lang="de-DE" dirty="0"/>
-              <a:t>Knotentypen</a:t>
-            </a:r>
-          </a:p>
-          <a:p>
-            <a:r>
-              <a:rPr lang="de-DE" dirty="0"/>
-              <a:t>Bewegung im Baum: Lokalisierungsschritte</a:t>
-            </a:r>
-          </a:p>
-          <a:p>
-            <a:r>
-              <a:rPr lang="de-DE" dirty="0"/>
-              <a:t>verkürzte Syntax, Grundbaukasten (Folie 22 04_XPATH.pdf)</a:t>
+          <a:bodyPr>
+            <a:normAutofit lnSpcReduction="10000"/>
+          </a:bodyPr>
+          <a:lstStyle/>
+          <a:p>
+            <a:r>
+              <a:rPr lang="de-DE" dirty="0"/>
+              <a:t>Lokalisierungsschritte</a:t>
+            </a:r>
+          </a:p>
+          <a:p>
+            <a:pPr lvl="1"/>
+            <a:r>
+              <a:rPr lang="de-DE" dirty="0"/>
+              <a:t>Prinzip: Achse+ Knotentest+ Prädikat</a:t>
+            </a:r>
+          </a:p>
+          <a:p>
+            <a:pPr lvl="1"/>
+            <a:r>
+              <a:rPr lang="de-DE" dirty="0"/>
+              <a:t>Syntax: </a:t>
+            </a:r>
+            <a:r>
+              <a:rPr lang="de-DE" dirty="0" err="1"/>
+              <a:t>achse</a:t>
+            </a:r>
+            <a:r>
+              <a:rPr lang="de-DE" dirty="0"/>
+              <a:t>::</a:t>
+            </a:r>
+            <a:r>
+              <a:rPr lang="de-DE" dirty="0" err="1"/>
+              <a:t>knotentest</a:t>
+            </a:r>
+            <a:r>
+              <a:rPr lang="de-DE" dirty="0"/>
+              <a:t>[Prädikat]</a:t>
+            </a:r>
+          </a:p>
+          <a:p>
+            <a:pPr marL="457200" lvl="1" indent="0">
+              <a:buNone/>
+            </a:pPr>
+            <a:endParaRPr lang="de-DE" dirty="0"/>
+          </a:p>
+          <a:p>
+            <a:r>
+              <a:rPr lang="de-DE" dirty="0"/>
+              <a:t>Lokalisierungspfade</a:t>
+            </a:r>
+          </a:p>
+          <a:p>
+            <a:pPr lvl="1"/>
+            <a:r>
+              <a:rPr lang="de-DE" dirty="0"/>
+              <a:t>[Schritt]/[Schritt]/[Schritt]</a:t>
+            </a:r>
+          </a:p>
+          <a:p>
+            <a:pPr lvl="1"/>
+            <a:r>
+              <a:rPr lang="de-DE" dirty="0"/>
+              <a:t>/TEI/</a:t>
+            </a:r>
+            <a:r>
+              <a:rPr lang="de-DE" dirty="0" err="1"/>
+              <a:t>text</a:t>
+            </a:r>
+            <a:r>
+              <a:rPr lang="de-DE" dirty="0"/>
+              <a:t>/</a:t>
+            </a:r>
+            <a:r>
+              <a:rPr lang="de-DE" dirty="0" err="1"/>
+              <a:t>body</a:t>
+            </a:r>
+            <a:r>
+              <a:rPr lang="de-DE" dirty="0"/>
+              <a:t>/div</a:t>
+            </a:r>
+          </a:p>
+          <a:p>
+            <a:pPr marL="457200" lvl="1" indent="0">
+              <a:buNone/>
+            </a:pPr>
+            <a:endParaRPr lang="de-DE" dirty="0"/>
+          </a:p>
+          <a:p>
+            <a:r>
+              <a:rPr lang="de-DE" dirty="0"/>
+              <a:t>„Kontext“</a:t>
+            </a:r>
+          </a:p>
+          <a:p>
+            <a:pPr lvl="1"/>
+            <a:r>
+              <a:rPr lang="de-DE" dirty="0"/>
+              <a:t>absolute Pfade (vom Dokument ausgehend) („Von ganz oben“)</a:t>
+            </a:r>
+          </a:p>
+          <a:p>
+            <a:pPr lvl="1"/>
+            <a:r>
+              <a:rPr lang="de-DE" dirty="0"/>
+              <a:t>vs. relative Pfade (vom aktuellen Kontext ausgehend)</a:t>
+            </a:r>
+          </a:p>
+        </p:txBody>
+      </p:sp>
+      <p:sp>
+        <p:nvSpPr>
+          <p:cNvPr id="4" name="Textfeld 3">
+            <a:extLst>
+              <a:ext uri="{FF2B5EF4-FFF2-40B4-BE49-F238E27FC236}">
+                <a16:creationId xmlns:a16="http://schemas.microsoft.com/office/drawing/2014/main" id="{CC35A50F-69BF-43F9-BAB4-F709374CB3EB}"/>
+              </a:ext>
+            </a:extLst>
+          </p:cNvPr>
+          <p:cNvSpPr txBox="1"/>
+          <p:nvPr/>
+        </p:nvSpPr>
+        <p:spPr>
+          <a:xfrm>
+            <a:off x="8736676" y="6081067"/>
+            <a:ext cx="3150524" cy="461665"/>
+          </a:xfrm>
+          <a:prstGeom prst="rect">
+            <a:avLst/>
+          </a:prstGeom>
+          <a:noFill/>
+        </p:spPr>
+        <p:txBody>
+          <a:bodyPr wrap="square" rtlCol="0">
+            <a:spAutoFit/>
+          </a:bodyPr>
+          <a:lstStyle/>
+          <a:p>
+            <a:r>
+              <a:rPr lang="de-DE" sz="800" dirty="0"/>
+              <a:t>Quelle: P. Sahle, „XML als Datenstruktur: Einführung in </a:t>
+            </a:r>
+            <a:r>
+              <a:rPr lang="de-DE" sz="800" dirty="0" err="1"/>
+              <a:t>Xpath</a:t>
+            </a:r>
+            <a:r>
+              <a:rPr lang="de-DE" sz="800" dirty="0"/>
+              <a:t>“, Winter School 2020, Wuppertal </a:t>
+            </a:r>
+            <a:r>
+              <a:rPr lang="de-DE" sz="800" dirty="0">
+                <a:hlinkClick r:id="rId2"/>
+              </a:rPr>
+              <a:t>https://www.i-d-e.de/wp-content/uploads/2020/02/02_XML-Einf%C3%BChrung.pdf</a:t>
+            </a:r>
+            <a:r>
+              <a:rPr lang="de-DE" sz="800" dirty="0"/>
+              <a:t> </a:t>
             </a:r>
           </a:p>
         </p:txBody>
@@ -4418,7 +4559,7 @@
     </p:spTree>
     <p:extLst>
       <p:ext uri="{BB962C8B-B14F-4D97-AF65-F5344CB8AC3E}">
-        <p14:creationId xmlns:p14="http://schemas.microsoft.com/office/powerpoint/2010/main" val="735330890"/>
+        <p14:creationId xmlns:p14="http://schemas.microsoft.com/office/powerpoint/2010/main" val="250950564"/>
       </p:ext>
     </p:extLst>
   </p:cSld>
@@ -4468,7 +4609,7 @@
           <a:p>
             <a:r>
               <a:rPr lang="de-DE" dirty="0"/>
-              <a:t>Der Wald vor lauter Bäumen…</a:t>
+              <a:t>Auf Achse…</a:t>
             </a:r>
           </a:p>
         </p:txBody>
@@ -4491,12 +4632,199 @@
         </p:nvSpPr>
         <p:spPr/>
         <p:txBody>
-          <a:bodyPr/>
-          <a:lstStyle/>
-          <a:p>
-            <a:r>
-              <a:rPr lang="de-DE" dirty="0"/>
-              <a:t>Bewegung im Baum: Lokalisierungsschritte</a:t>
+          <a:bodyPr>
+            <a:normAutofit/>
+          </a:bodyPr>
+          <a:lstStyle/>
+          <a:p>
+            <a:pPr marL="0" indent="0">
+              <a:buNone/>
+            </a:pPr>
+            <a:r>
+              <a:rPr lang="de-DE" dirty="0"/>
+              <a:t>Vertikale Achsen</a:t>
+            </a:r>
+          </a:p>
+          <a:p>
+            <a:r>
+              <a:rPr lang="de-DE" dirty="0" err="1"/>
+              <a:t>self</a:t>
+            </a:r>
+            <a:r>
+              <a:rPr lang="de-DE" dirty="0"/>
+              <a:t>::</a:t>
+            </a:r>
+          </a:p>
+          <a:p>
+            <a:r>
+              <a:rPr lang="de-DE" dirty="0" err="1"/>
+              <a:t>child</a:t>
+            </a:r>
+            <a:r>
+              <a:rPr lang="de-DE" dirty="0"/>
+              <a:t>::</a:t>
+            </a:r>
+            <a:r>
+              <a:rPr lang="de-DE" dirty="0" err="1"/>
+              <a:t>descendant</a:t>
+            </a:r>
+            <a:r>
+              <a:rPr lang="de-DE" dirty="0"/>
+              <a:t>:: 	</a:t>
+            </a:r>
+            <a:r>
+              <a:rPr lang="de-DE" dirty="0" err="1"/>
+              <a:t>descendant-or-self</a:t>
+            </a:r>
+            <a:r>
+              <a:rPr lang="de-DE" dirty="0"/>
+              <a:t>::</a:t>
+            </a:r>
+          </a:p>
+          <a:p>
+            <a:r>
+              <a:rPr lang="de-DE" dirty="0" err="1"/>
+              <a:t>parent</a:t>
+            </a:r>
+            <a:r>
+              <a:rPr lang="de-DE" dirty="0"/>
+              <a:t>::</a:t>
+            </a:r>
+            <a:r>
+              <a:rPr lang="de-DE" dirty="0" err="1"/>
+              <a:t>ancestor</a:t>
+            </a:r>
+            <a:r>
+              <a:rPr lang="de-DE" dirty="0"/>
+              <a:t>::	</a:t>
+            </a:r>
+            <a:r>
+              <a:rPr lang="de-DE" dirty="0" err="1"/>
+              <a:t>ancestor-or-self</a:t>
+            </a:r>
+            <a:r>
+              <a:rPr lang="de-DE" dirty="0"/>
+              <a:t>::</a:t>
+            </a:r>
+          </a:p>
+          <a:p>
+            <a:pPr marL="0" indent="0">
+              <a:buNone/>
+            </a:pPr>
+            <a:endParaRPr lang="de-DE" dirty="0"/>
+          </a:p>
+          <a:p>
+            <a:pPr marL="0" indent="0">
+              <a:buNone/>
+            </a:pPr>
+            <a:r>
+              <a:rPr lang="de-DE" dirty="0"/>
+              <a:t>Horizontale Achsen</a:t>
+            </a:r>
+          </a:p>
+          <a:p>
+            <a:r>
+              <a:rPr lang="de-DE" dirty="0" err="1"/>
+              <a:t>following</a:t>
+            </a:r>
+            <a:r>
+              <a:rPr lang="de-DE" dirty="0"/>
+              <a:t>:: 		</a:t>
+            </a:r>
+            <a:r>
+              <a:rPr lang="de-DE" dirty="0" err="1"/>
+              <a:t>following-or-self</a:t>
+            </a:r>
+            <a:r>
+              <a:rPr lang="de-DE" dirty="0"/>
+              <a:t>::		</a:t>
+            </a:r>
+            <a:r>
+              <a:rPr lang="de-DE" dirty="0" err="1"/>
+              <a:t>following-sibling</a:t>
+            </a:r>
+            <a:r>
+              <a:rPr lang="de-DE" dirty="0"/>
+              <a:t>::</a:t>
+            </a:r>
+          </a:p>
+          <a:p>
+            <a:r>
+              <a:rPr lang="de-DE" dirty="0" err="1"/>
+              <a:t>preceding</a:t>
+            </a:r>
+            <a:r>
+              <a:rPr lang="de-DE" dirty="0"/>
+              <a:t>::	</a:t>
+            </a:r>
+            <a:r>
+              <a:rPr lang="de-DE" dirty="0" err="1"/>
+              <a:t>preceding-or-self</a:t>
+            </a:r>
+            <a:r>
+              <a:rPr lang="de-DE" dirty="0"/>
+              <a:t>::		</a:t>
+            </a:r>
+            <a:r>
+              <a:rPr lang="de-DE" dirty="0" err="1"/>
+              <a:t>preceding-sibling</a:t>
+            </a:r>
+            <a:r>
+              <a:rPr lang="de-DE" dirty="0"/>
+              <a:t>::</a:t>
+            </a:r>
+          </a:p>
+        </p:txBody>
+      </p:sp>
+      <p:sp>
+        <p:nvSpPr>
+          <p:cNvPr id="4" name="Textfeld 3">
+            <a:extLst>
+              <a:ext uri="{FF2B5EF4-FFF2-40B4-BE49-F238E27FC236}">
+                <a16:creationId xmlns:a16="http://schemas.microsoft.com/office/drawing/2014/main" id="{CC35A50F-69BF-43F9-BAB4-F709374CB3EB}"/>
+              </a:ext>
+            </a:extLst>
+          </p:cNvPr>
+          <p:cNvSpPr txBox="1"/>
+          <p:nvPr/>
+        </p:nvSpPr>
+        <p:spPr>
+          <a:xfrm>
+            <a:off x="8736676" y="6081067"/>
+            <a:ext cx="3150524" cy="461665"/>
+          </a:xfrm>
+          <a:prstGeom prst="rect">
+            <a:avLst/>
+          </a:prstGeom>
+          <a:noFill/>
+        </p:spPr>
+        <p:txBody>
+          <a:bodyPr wrap="square" rtlCol="0">
+            <a:spAutoFit/>
+          </a:bodyPr>
+          <a:lstStyle/>
+          <a:p>
+            <a:r>
+              <a:rPr lang="de-DE" sz="800" dirty="0"/>
+              <a:t>Quelle: P. Sahle, „XML als Datenstruktur: Einführung in </a:t>
+            </a:r>
+            <a:r>
+              <a:rPr lang="de-DE" sz="800" dirty="0" err="1"/>
+              <a:t>Xpath</a:t>
+            </a:r>
+            <a:r>
+              <a:rPr lang="de-DE" sz="800" dirty="0"/>
+              <a:t>“, Winter School 2020, Wuppertal </a:t>
+            </a:r>
+            <a:r>
+              <a:rPr lang="de-DE" sz="800" dirty="0">
+                <a:hlinkClick r:id="rId2"/>
+              </a:rPr>
+              <a:t>https://www.i-d-e.de/wp-content/uploads/2020/02/02_XML-Einf%C3%BChrung.pdf</a:t>
+            </a:r>
+            <a:r>
+              <a:rPr lang="de-DE" sz="800" dirty="0"/>
+              <a:t> </a:t>
             </a:r>
           </a:p>
         </p:txBody>
@@ -4504,7 +4832,7 @@
     </p:spTree>
     <p:extLst>
       <p:ext uri="{BB962C8B-B14F-4D97-AF65-F5344CB8AC3E}">
-        <p14:creationId xmlns:p14="http://schemas.microsoft.com/office/powerpoint/2010/main" val="250950564"/>
+        <p14:creationId xmlns:p14="http://schemas.microsoft.com/office/powerpoint/2010/main" val="3704104186"/>
       </p:ext>
     </p:extLst>
   </p:cSld>
@@ -4554,7 +4882,7 @@
           <a:p>
             <a:r>
               <a:rPr lang="de-DE" dirty="0"/>
-              <a:t>Der Wald vor lauter Bäumen…</a:t>
+              <a:t>Auf Achse…</a:t>
             </a:r>
           </a:p>
         </p:txBody>
@@ -4575,22 +4903,249 @@
             <p:ph idx="1"/>
           </p:nvPr>
         </p:nvSpPr>
-        <p:spPr/>
-        <p:txBody>
-          <a:bodyPr/>
-          <a:lstStyle/>
-          <a:p>
-            <a:r>
-              <a:rPr lang="de-DE" dirty="0"/>
-              <a:t>verkürzte Syntax, Grundbaukasten (Folie 22 04_XPATH.pdf)</a:t>
-            </a:r>
-          </a:p>
-        </p:txBody>
-      </p:sp>
+        <p:spPr>
+          <a:xfrm>
+            <a:off x="838200" y="1825625"/>
+            <a:ext cx="4257502" cy="4351338"/>
+          </a:xfrm>
+        </p:spPr>
+        <p:txBody>
+          <a:bodyPr>
+            <a:normAutofit/>
+          </a:bodyPr>
+          <a:lstStyle/>
+          <a:p>
+            <a:r>
+              <a:rPr lang="de-DE" dirty="0"/>
+              <a:t>Selbst</a:t>
+            </a:r>
+          </a:p>
+          <a:p>
+            <a:pPr lvl="1"/>
+            <a:r>
+              <a:rPr lang="de-DE" dirty="0" err="1"/>
+              <a:t>self</a:t>
+            </a:r>
+            <a:endParaRPr lang="de-DE" dirty="0"/>
+          </a:p>
+          <a:p>
+            <a:pPr marL="457200" lvl="1" indent="0">
+              <a:buNone/>
+            </a:pPr>
+            <a:endParaRPr lang="de-DE" dirty="0"/>
+          </a:p>
+          <a:p>
+            <a:r>
+              <a:rPr lang="de-DE" dirty="0"/>
+              <a:t>Eltern / Kind</a:t>
+            </a:r>
+          </a:p>
+          <a:p>
+            <a:pPr lvl="1"/>
+            <a:r>
+              <a:rPr lang="de-DE" dirty="0" err="1"/>
+              <a:t>parent</a:t>
+            </a:r>
+            <a:r>
+              <a:rPr lang="de-DE" dirty="0"/>
+              <a:t>/ </a:t>
+            </a:r>
+            <a:r>
+              <a:rPr lang="de-DE" dirty="0" err="1"/>
+              <a:t>child</a:t>
+            </a:r>
+            <a:endParaRPr lang="de-DE" dirty="0"/>
+          </a:p>
+          <a:p>
+            <a:pPr marL="457200" lvl="1" indent="0">
+              <a:buNone/>
+            </a:pPr>
+            <a:endParaRPr lang="de-DE" dirty="0"/>
+          </a:p>
+          <a:p>
+            <a:r>
+              <a:rPr lang="de-DE" dirty="0"/>
+              <a:t>Vorfahren / Nachfahren</a:t>
+            </a:r>
+          </a:p>
+          <a:p>
+            <a:pPr lvl="1"/>
+            <a:r>
+              <a:rPr lang="de-DE" dirty="0" err="1"/>
+              <a:t>ancestor</a:t>
+            </a:r>
+            <a:r>
+              <a:rPr lang="de-DE" dirty="0"/>
+              <a:t>/</a:t>
+            </a:r>
+            <a:r>
+              <a:rPr lang="de-DE" dirty="0" err="1"/>
+              <a:t>descendant</a:t>
+            </a:r>
+            <a:endParaRPr lang="de-DE" dirty="0"/>
+          </a:p>
+        </p:txBody>
+      </p:sp>
+      <p:sp>
+        <p:nvSpPr>
+          <p:cNvPr id="4" name="Textfeld 3">
+            <a:extLst>
+              <a:ext uri="{FF2B5EF4-FFF2-40B4-BE49-F238E27FC236}">
+                <a16:creationId xmlns:a16="http://schemas.microsoft.com/office/drawing/2014/main" id="{CC35A50F-69BF-43F9-BAB4-F709374CB3EB}"/>
+              </a:ext>
+            </a:extLst>
+          </p:cNvPr>
+          <p:cNvSpPr txBox="1"/>
+          <p:nvPr/>
+        </p:nvSpPr>
+        <p:spPr>
+          <a:xfrm>
+            <a:off x="8736676" y="6081067"/>
+            <a:ext cx="3150524" cy="461665"/>
+          </a:xfrm>
+          <a:prstGeom prst="rect">
+            <a:avLst/>
+          </a:prstGeom>
+          <a:noFill/>
+        </p:spPr>
+        <p:txBody>
+          <a:bodyPr wrap="square" rtlCol="0">
+            <a:spAutoFit/>
+          </a:bodyPr>
+          <a:lstStyle/>
+          <a:p>
+            <a:r>
+              <a:rPr lang="de-DE" sz="800" dirty="0"/>
+              <a:t>Quelle: P. Sahle, „XML als Datenstruktur: Einführung in </a:t>
+            </a:r>
+            <a:r>
+              <a:rPr lang="de-DE" sz="800" dirty="0" err="1"/>
+              <a:t>Xpath</a:t>
+            </a:r>
+            <a:r>
+              <a:rPr lang="de-DE" sz="800" dirty="0"/>
+              <a:t>“, Winter School 2020, Wuppertal </a:t>
+            </a:r>
+            <a:r>
+              <a:rPr lang="de-DE" sz="800" dirty="0">
+                <a:hlinkClick r:id="rId2"/>
+              </a:rPr>
+              <a:t>https://www.i-d-e.de/wp-content/uploads/2020/02/02_XML-Einf%C3%BChrung.pdf</a:t>
+            </a:r>
+            <a:r>
+              <a:rPr lang="de-DE" sz="800" dirty="0"/>
+              <a:t> </a:t>
+            </a:r>
+          </a:p>
+        </p:txBody>
+      </p:sp>
+      <p:grpSp>
+        <p:nvGrpSpPr>
+          <p:cNvPr id="7" name="Gruppieren 6">
+            <a:extLst>
+              <a:ext uri="{FF2B5EF4-FFF2-40B4-BE49-F238E27FC236}">
+                <a16:creationId xmlns:a16="http://schemas.microsoft.com/office/drawing/2014/main" id="{47E4C931-127A-4464-91DD-E25A36A94594}"/>
+              </a:ext>
+            </a:extLst>
+          </p:cNvPr>
+          <p:cNvGrpSpPr/>
+          <p:nvPr/>
+        </p:nvGrpSpPr>
+        <p:grpSpPr>
+          <a:xfrm>
+            <a:off x="5038512" y="1107940"/>
+            <a:ext cx="6158344" cy="4452231"/>
+            <a:chOff x="5038512" y="1107940"/>
+            <a:chExt cx="6158344" cy="4452231"/>
+          </a:xfrm>
+        </p:grpSpPr>
+        <p:pic>
+          <p:nvPicPr>
+            <p:cNvPr id="5" name="Grafik 4">
+              <a:extLst>
+                <a:ext uri="{FF2B5EF4-FFF2-40B4-BE49-F238E27FC236}">
+                  <a16:creationId xmlns:a16="http://schemas.microsoft.com/office/drawing/2014/main" id="{068651FB-2BCE-4FCD-A62F-8168EB608D1C}"/>
+                </a:ext>
+              </a:extLst>
+            </p:cNvPr>
+            <p:cNvPicPr>
+              <a:picLocks noChangeAspect="1"/>
+            </p:cNvPicPr>
+            <p:nvPr/>
+          </p:nvPicPr>
+          <p:blipFill>
+            <a:blip r:embed="rId3"/>
+            <a:stretch>
+              <a:fillRect/>
+            </a:stretch>
+          </p:blipFill>
+          <p:spPr>
+            <a:xfrm>
+              <a:off x="5195456" y="1107940"/>
+              <a:ext cx="6001400" cy="4452231"/>
+            </a:xfrm>
+            <a:prstGeom prst="rect">
+              <a:avLst/>
+            </a:prstGeom>
+          </p:spPr>
+        </p:pic>
+        <p:sp>
+          <p:nvSpPr>
+            <p:cNvPr id="6" name="Rechteck 5">
+              <a:extLst>
+                <a:ext uri="{FF2B5EF4-FFF2-40B4-BE49-F238E27FC236}">
+                  <a16:creationId xmlns:a16="http://schemas.microsoft.com/office/drawing/2014/main" id="{2336ACB5-2BC5-41FC-8ACB-8D8348DBD813}"/>
+                </a:ext>
+              </a:extLst>
+            </p:cNvPr>
+            <p:cNvSpPr/>
+            <p:nvPr/>
+          </p:nvSpPr>
+          <p:spPr>
+            <a:xfrm>
+              <a:off x="5038512" y="4829694"/>
+              <a:ext cx="382385" cy="473825"/>
+            </a:xfrm>
+            <a:prstGeom prst="rect">
+              <a:avLst/>
+            </a:prstGeom>
+            <a:solidFill>
+              <a:schemeClr val="bg1"/>
+            </a:solidFill>
+            <a:ln>
+              <a:noFill/>
+            </a:ln>
+          </p:spPr>
+          <p:style>
+            <a:lnRef idx="2">
+              <a:schemeClr val="accent1">
+                <a:shade val="50000"/>
+              </a:schemeClr>
+            </a:lnRef>
+            <a:fillRef idx="1">
+              <a:schemeClr val="accent1"/>
+            </a:fillRef>
+            <a:effectRef idx="0">
+              <a:schemeClr val="accent1"/>
+            </a:effectRef>
+            <a:fontRef idx="minor">
+              <a:schemeClr val="lt1"/>
+            </a:fontRef>
+          </p:style>
+          <p:txBody>
+            <a:bodyPr rtlCol="0" anchor="ctr"/>
+            <a:lstStyle/>
+            <a:p>
+              <a:pPr algn="ctr"/>
+              <a:endParaRPr lang="de-DE"/>
+            </a:p>
+          </p:txBody>
+        </p:sp>
+      </p:grpSp>
     </p:spTree>
     <p:extLst>
       <p:ext uri="{BB962C8B-B14F-4D97-AF65-F5344CB8AC3E}">
-        <p14:creationId xmlns:p14="http://schemas.microsoft.com/office/powerpoint/2010/main" val="294667168"/>
+        <p14:creationId xmlns:p14="http://schemas.microsoft.com/office/powerpoint/2010/main" val="4277995204"/>
       </p:ext>
     </p:extLst>
   </p:cSld>
@@ -4635,14 +5190,12 @@
         </p:nvSpPr>
         <p:spPr/>
         <p:txBody>
-          <a:bodyPr>
-            <a:normAutofit/>
-          </a:bodyPr>
-          <a:lstStyle/>
-          <a:p>
-            <a:r>
-              <a:rPr lang="de-DE" dirty="0"/>
-              <a:t>Ein paar Regeln…</a:t>
+          <a:bodyPr/>
+          <a:lstStyle/>
+          <a:p>
+            <a:r>
+              <a:rPr lang="de-DE" dirty="0"/>
+              <a:t>Auf Achse…</a:t>
             </a:r>
           </a:p>
         </p:txBody>
@@ -4663,42 +5216,214 @@
             <p:ph idx="1"/>
           </p:nvPr>
         </p:nvSpPr>
-        <p:spPr/>
-        <p:txBody>
-          <a:bodyPr/>
-          <a:lstStyle/>
-          <a:p>
-            <a:r>
-              <a:rPr lang="de-DE" dirty="0"/>
-              <a:t>Der letzte bzw. äußerste Schritt bestimmt, was ein </a:t>
-            </a:r>
+        <p:spPr>
+          <a:xfrm>
+            <a:off x="838200" y="1825625"/>
+            <a:ext cx="4257502" cy="4351338"/>
+          </a:xfrm>
+        </p:spPr>
+        <p:txBody>
+          <a:bodyPr>
+            <a:normAutofit/>
+          </a:bodyPr>
+          <a:lstStyle/>
+          <a:p>
+            <a:endParaRPr lang="de-DE" dirty="0"/>
+          </a:p>
+          <a:p>
+            <a:r>
+              <a:rPr lang="de-DE" dirty="0"/>
+              <a:t>Geschwister</a:t>
+            </a:r>
+          </a:p>
+          <a:p>
+            <a:pPr lvl="1"/>
             <a:r>
               <a:rPr lang="de-DE" dirty="0" err="1"/>
-              <a:t>XPath</a:t>
-            </a:r>
-            <a:r>
-              <a:rPr lang="de-DE" dirty="0"/>
-              <a:t>-Ausdruck zurückgibt</a:t>
-            </a:r>
-          </a:p>
-          <a:p>
-            <a:r>
-              <a:rPr lang="de-DE" dirty="0"/>
-              <a:t>Pfade werden von vorne nach hinten abgearbeitet (besser: von links nach rechts?)</a:t>
-            </a:r>
-          </a:p>
-          <a:p>
-            <a:r>
-              <a:rPr lang="de-DE" dirty="0"/>
-              <a:t>Klammern werden von innen nach außen aufgelöst</a:t>
-            </a:r>
-          </a:p>
-        </p:txBody>
-      </p:sp>
+              <a:t>preceding-sibling</a:t>
+            </a:r>
+            <a:endParaRPr lang="de-DE" dirty="0"/>
+          </a:p>
+          <a:p>
+            <a:pPr lvl="1"/>
+            <a:r>
+              <a:rPr lang="de-DE" dirty="0" err="1"/>
+              <a:t>following-sibling</a:t>
+            </a:r>
+            <a:endParaRPr lang="de-DE" dirty="0"/>
+          </a:p>
+          <a:p>
+            <a:pPr marL="0" indent="0">
+              <a:buNone/>
+            </a:pPr>
+            <a:endParaRPr lang="de-DE" dirty="0"/>
+          </a:p>
+          <a:p>
+            <a:pPr marL="0" indent="0">
+              <a:buNone/>
+            </a:pPr>
+            <a:r>
+              <a:rPr lang="de-DE" dirty="0"/>
+              <a:t>•Sequenz statt Baum</a:t>
+            </a:r>
+          </a:p>
+          <a:p>
+            <a:pPr lvl="1"/>
+            <a:r>
+              <a:rPr lang="de-DE" dirty="0" err="1"/>
+              <a:t>preceding</a:t>
+            </a:r>
+            <a:endParaRPr lang="de-DE" dirty="0"/>
+          </a:p>
+          <a:p>
+            <a:pPr lvl="1"/>
+            <a:r>
+              <a:rPr lang="de-DE" dirty="0" err="1"/>
+              <a:t>following</a:t>
+            </a:r>
+            <a:endParaRPr lang="de-DE" dirty="0"/>
+          </a:p>
+        </p:txBody>
+      </p:sp>
+      <p:sp>
+        <p:nvSpPr>
+          <p:cNvPr id="4" name="Textfeld 3">
+            <a:extLst>
+              <a:ext uri="{FF2B5EF4-FFF2-40B4-BE49-F238E27FC236}">
+                <a16:creationId xmlns:a16="http://schemas.microsoft.com/office/drawing/2014/main" id="{CC35A50F-69BF-43F9-BAB4-F709374CB3EB}"/>
+              </a:ext>
+            </a:extLst>
+          </p:cNvPr>
+          <p:cNvSpPr txBox="1"/>
+          <p:nvPr/>
+        </p:nvSpPr>
+        <p:spPr>
+          <a:xfrm>
+            <a:off x="8736676" y="6081067"/>
+            <a:ext cx="3150524" cy="461665"/>
+          </a:xfrm>
+          <a:prstGeom prst="rect">
+            <a:avLst/>
+          </a:prstGeom>
+          <a:noFill/>
+        </p:spPr>
+        <p:txBody>
+          <a:bodyPr wrap="square" rtlCol="0">
+            <a:spAutoFit/>
+          </a:bodyPr>
+          <a:lstStyle/>
+          <a:p>
+            <a:r>
+              <a:rPr lang="de-DE" sz="800" dirty="0"/>
+              <a:t>Quelle: P. Sahle, „XML als Datenstruktur: Einführung in </a:t>
+            </a:r>
+            <a:r>
+              <a:rPr lang="de-DE" sz="800" dirty="0" err="1"/>
+              <a:t>Xpath</a:t>
+            </a:r>
+            <a:r>
+              <a:rPr lang="de-DE" sz="800" dirty="0"/>
+              <a:t>“, Winter School 2020, Wuppertal </a:t>
+            </a:r>
+            <a:r>
+              <a:rPr lang="de-DE" sz="800" dirty="0">
+                <a:hlinkClick r:id="rId2"/>
+              </a:rPr>
+              <a:t>https://www.i-d-e.de/wp-content/uploads/2020/02/02_XML-Einf%C3%BChrung.pdf</a:t>
+            </a:r>
+            <a:r>
+              <a:rPr lang="de-DE" sz="800" dirty="0"/>
+              <a:t> </a:t>
+            </a:r>
+          </a:p>
+        </p:txBody>
+      </p:sp>
+      <p:sp>
+        <p:nvSpPr>
+          <p:cNvPr id="6" name="Rechteck 5">
+            <a:extLst>
+              <a:ext uri="{FF2B5EF4-FFF2-40B4-BE49-F238E27FC236}">
+                <a16:creationId xmlns:a16="http://schemas.microsoft.com/office/drawing/2014/main" id="{2336ACB5-2BC5-41FC-8ACB-8D8348DBD813}"/>
+              </a:ext>
+            </a:extLst>
+          </p:cNvPr>
+          <p:cNvSpPr/>
+          <p:nvPr/>
+        </p:nvSpPr>
+        <p:spPr>
+          <a:xfrm>
+            <a:off x="5835535" y="4788131"/>
+            <a:ext cx="382385" cy="473825"/>
+          </a:xfrm>
+          <a:prstGeom prst="rect">
+            <a:avLst/>
+          </a:prstGeom>
+          <a:solidFill>
+            <a:schemeClr val="bg1"/>
+          </a:solidFill>
+          <a:ln>
+            <a:noFill/>
+          </a:ln>
+        </p:spPr>
+        <p:style>
+          <a:lnRef idx="2">
+            <a:schemeClr val="accent1">
+              <a:shade val="50000"/>
+            </a:schemeClr>
+          </a:lnRef>
+          <a:fillRef idx="1">
+            <a:schemeClr val="accent1"/>
+          </a:fillRef>
+          <a:effectRef idx="0">
+            <a:schemeClr val="accent1"/>
+          </a:effectRef>
+          <a:fontRef idx="minor">
+            <a:schemeClr val="lt1"/>
+          </a:fontRef>
+        </p:style>
+        <p:txBody>
+          <a:bodyPr rtlCol="0" anchor="ctr"/>
+          <a:lstStyle/>
+          <a:p>
+            <a:pPr algn="ctr"/>
+            <a:endParaRPr lang="de-DE"/>
+          </a:p>
+        </p:txBody>
+      </p:sp>
+      <p:pic>
+        <p:nvPicPr>
+          <p:cNvPr id="7" name="Grafik 6">
+            <a:extLst>
+              <a:ext uri="{FF2B5EF4-FFF2-40B4-BE49-F238E27FC236}">
+                <a16:creationId xmlns:a16="http://schemas.microsoft.com/office/drawing/2014/main" id="{E7836221-650D-48EE-9A24-FBA1979CA178}"/>
+              </a:ext>
+            </a:extLst>
+          </p:cNvPr>
+          <p:cNvPicPr>
+            <a:picLocks noChangeAspect="1"/>
+          </p:cNvPicPr>
+          <p:nvPr/>
+        </p:nvPicPr>
+        <p:blipFill>
+          <a:blip r:embed="rId3"/>
+          <a:stretch>
+            <a:fillRect/>
+          </a:stretch>
+        </p:blipFill>
+        <p:spPr>
+          <a:xfrm>
+            <a:off x="4546071" y="1125056"/>
+            <a:ext cx="6807730" cy="4693853"/>
+          </a:xfrm>
+          <a:prstGeom prst="rect">
+            <a:avLst/>
+          </a:prstGeom>
+        </p:spPr>
+      </p:pic>
     </p:spTree>
     <p:extLst>
       <p:ext uri="{BB962C8B-B14F-4D97-AF65-F5344CB8AC3E}">
-        <p14:creationId xmlns:p14="http://schemas.microsoft.com/office/powerpoint/2010/main" val="1695383832"/>
+        <p14:creationId xmlns:p14="http://schemas.microsoft.com/office/powerpoint/2010/main" val="1986471440"/>
       </p:ext>
     </p:extLst>
   </p:cSld>
@@ -4743,14 +5468,12 @@
         </p:nvSpPr>
         <p:spPr/>
         <p:txBody>
-          <a:bodyPr>
-            <a:normAutofit/>
-          </a:bodyPr>
-          <a:lstStyle/>
-          <a:p>
-            <a:r>
-              <a:rPr lang="de-DE" dirty="0"/>
-              <a:t>Rückgabewerte</a:t>
+          <a:bodyPr/>
+          <a:lstStyle/>
+          <a:p>
+            <a:r>
+              <a:rPr lang="de-DE" dirty="0"/>
+              <a:t>Verkürzte Syntax</a:t>
             </a:r>
           </a:p>
         </p:txBody>
@@ -4773,52 +5496,287 @@
         </p:nvSpPr>
         <p:spPr/>
         <p:txBody>
-          <a:bodyPr/>
-          <a:lstStyle/>
-          <a:p>
+          <a:bodyPr>
+            <a:normAutofit lnSpcReduction="10000"/>
+          </a:bodyPr>
+          <a:lstStyle/>
+          <a:p>
+            <a:pPr marL="0" indent="0">
+              <a:buNone/>
+            </a:pPr>
+            <a:r>
+              <a:rPr lang="de-DE" dirty="0"/>
+              <a:t>Nach dem Prinzip: </a:t>
+            </a:r>
+            <a:r>
+              <a:rPr lang="de-DE" b="1" dirty="0" err="1"/>
+              <a:t>achse</a:t>
+            </a:r>
+            <a:r>
+              <a:rPr lang="de-DE" b="1" dirty="0"/>
+              <a:t>::</a:t>
+            </a:r>
+            <a:r>
+              <a:rPr lang="de-DE" b="1" dirty="0" err="1"/>
+              <a:t>knotentest</a:t>
+            </a:r>
+            <a:r>
+              <a:rPr lang="de-DE" b="1" dirty="0"/>
+              <a:t>([</a:t>
+            </a:r>
+            <a:r>
+              <a:rPr lang="de-DE" b="1" dirty="0" err="1"/>
+              <a:t>prädikat</a:t>
+            </a:r>
+            <a:r>
+              <a:rPr lang="de-DE" b="1" dirty="0"/>
+              <a:t>])</a:t>
+            </a:r>
+            <a:endParaRPr lang="de-DE" dirty="0"/>
+          </a:p>
+          <a:p>
+            <a:r>
+              <a:rPr lang="de-DE" dirty="0"/>
+              <a:t>/</a:t>
+            </a:r>
             <a:r>
               <a:rPr lang="de-DE" dirty="0" err="1"/>
-              <a:t>XPath</a:t>
-            </a:r>
-            <a:r>
-              <a:rPr lang="de-DE" dirty="0"/>
-              <a:t>-Ausdrücke ergeben Rückgaben verschiedenen Typs:</a:t>
-            </a:r>
-          </a:p>
-          <a:p>
-            <a:r>
-              <a:rPr lang="de-DE" dirty="0"/>
-              <a:t>–Knoten</a:t>
-            </a:r>
-          </a:p>
-          <a:p>
-            <a:r>
-              <a:rPr lang="de-DE" dirty="0"/>
-              <a:t>–Knotenmengen</a:t>
-            </a:r>
-          </a:p>
-          <a:p>
-            <a:r>
-              <a:rPr lang="de-DE" dirty="0"/>
-              <a:t>–Zahlen</a:t>
-            </a:r>
-          </a:p>
-          <a:p>
-            <a:r>
-              <a:rPr lang="de-DE" dirty="0"/>
-              <a:t>–Strings</a:t>
-            </a:r>
-          </a:p>
-          <a:p>
-            <a:r>
-              <a:rPr lang="de-DE" dirty="0"/>
-              <a:t>–Wahrheitswerte / Boolean</a:t>
-            </a:r>
-          </a:p>
-          <a:p>
-            <a:r>
-              <a:rPr lang="de-DE" dirty="0"/>
-              <a:t>–Sequenzen</a:t>
+              <a:t>self</a:t>
+            </a:r>
+            <a:r>
+              <a:rPr lang="de-DE" dirty="0"/>
+              <a:t>::					→ .</a:t>
+            </a:r>
+          </a:p>
+          <a:p>
+            <a:r>
+              <a:rPr lang="de-DE" dirty="0"/>
+              <a:t>/</a:t>
+            </a:r>
+            <a:r>
+              <a:rPr lang="de-DE" dirty="0" err="1"/>
+              <a:t>child</a:t>
+            </a:r>
+            <a:r>
+              <a:rPr lang="de-DE" dirty="0"/>
+              <a:t>::</a:t>
+            </a:r>
+            <a:r>
+              <a:rPr lang="de-DE" dirty="0" err="1"/>
+              <a:t>persName</a:t>
+            </a:r>
+            <a:r>
+              <a:rPr lang="de-DE" dirty="0"/>
+              <a:t>				→  /</a:t>
+            </a:r>
+            <a:r>
+              <a:rPr lang="de-DE" dirty="0" err="1"/>
+              <a:t>persName</a:t>
+            </a:r>
+            <a:r>
+              <a:rPr lang="de-DE" dirty="0"/>
+              <a:t>  oder </a:t>
+            </a:r>
+            <a:r>
+              <a:rPr lang="de-DE" dirty="0" err="1"/>
+              <a:t>persName</a:t>
+            </a:r>
+            <a:endParaRPr lang="de-DE" dirty="0"/>
+          </a:p>
+          <a:p>
+            <a:r>
+              <a:rPr lang="de-DE" dirty="0"/>
+              <a:t>/</a:t>
+            </a:r>
+            <a:r>
+              <a:rPr lang="de-DE" dirty="0" err="1"/>
+              <a:t>descendant</a:t>
+            </a:r>
+            <a:r>
+              <a:rPr lang="de-DE" dirty="0"/>
+              <a:t>::</a:t>
+            </a:r>
+            <a:r>
+              <a:rPr lang="de-DE" dirty="0" err="1"/>
+              <a:t>persName</a:t>
+            </a:r>
+            <a:r>
+              <a:rPr lang="de-DE" dirty="0"/>
+              <a:t>		→  //</a:t>
+            </a:r>
+            <a:r>
+              <a:rPr lang="de-DE" dirty="0" err="1"/>
+              <a:t>persName</a:t>
+            </a:r>
+            <a:endParaRPr lang="de-DE" dirty="0"/>
+          </a:p>
+          <a:p>
+            <a:r>
+              <a:rPr lang="de-DE" dirty="0"/>
+              <a:t>/</a:t>
+            </a:r>
+            <a:r>
+              <a:rPr lang="de-DE" dirty="0" err="1"/>
+              <a:t>parent</a:t>
+            </a:r>
+            <a:r>
+              <a:rPr lang="de-DE" dirty="0"/>
+              <a:t>::*					→  ..</a:t>
+            </a:r>
+          </a:p>
+          <a:p>
+            <a:r>
+              <a:rPr lang="de-DE" dirty="0"/>
+              <a:t>/</a:t>
+            </a:r>
+            <a:r>
+              <a:rPr lang="de-DE" dirty="0" err="1"/>
+              <a:t>child</a:t>
+            </a:r>
+            <a:r>
+              <a:rPr lang="de-DE" dirty="0"/>
+              <a:t>::</a:t>
+            </a:r>
+            <a:r>
+              <a:rPr lang="de-DE" dirty="0" err="1"/>
+              <a:t>person</a:t>
+            </a:r>
+            <a:r>
+              <a:rPr lang="de-DE" dirty="0"/>
+              <a:t>/</a:t>
+            </a:r>
+            <a:r>
+              <a:rPr lang="de-DE" dirty="0" err="1"/>
+              <a:t>attribute</a:t>
+            </a:r>
+            <a:r>
+              <a:rPr lang="de-DE" dirty="0"/>
+              <a:t>::</a:t>
+            </a:r>
+            <a:r>
+              <a:rPr lang="de-DE" dirty="0" err="1"/>
+              <a:t>role</a:t>
+            </a:r>
+            <a:r>
+              <a:rPr lang="de-DE" dirty="0"/>
+              <a:t>		→ /</a:t>
+            </a:r>
+            <a:r>
+              <a:rPr lang="de-DE" dirty="0" err="1"/>
+              <a:t>person</a:t>
+            </a:r>
+            <a:r>
+              <a:rPr lang="de-DE" dirty="0"/>
+              <a:t>/@</a:t>
+            </a:r>
+            <a:r>
+              <a:rPr lang="de-DE" dirty="0" err="1"/>
+              <a:t>role</a:t>
+            </a:r>
+            <a:endParaRPr lang="de-DE" dirty="0"/>
+          </a:p>
+          <a:p>
+            <a:pPr marL="0" indent="0">
+              <a:buNone/>
+            </a:pPr>
+            <a:endParaRPr lang="de-DE" dirty="0"/>
+          </a:p>
+          <a:p>
+            <a:pPr marL="0" indent="0">
+              <a:buNone/>
+            </a:pPr>
+            <a:r>
+              <a:rPr lang="de-DE" dirty="0"/>
+              <a:t>Knotentest, </a:t>
+            </a:r>
+            <a:r>
+              <a:rPr lang="de-DE" dirty="0" err="1"/>
+              <a:t>beliebigerElementname</a:t>
+            </a:r>
+            <a:r>
+              <a:rPr lang="de-DE" dirty="0"/>
+              <a:t>	*	</a:t>
+            </a:r>
+          </a:p>
+          <a:p>
+            <a:r>
+              <a:rPr lang="de-DE" dirty="0"/>
+              <a:t>/</a:t>
+            </a:r>
+            <a:r>
+              <a:rPr lang="de-DE" dirty="0" err="1"/>
+              <a:t>self</a:t>
+            </a:r>
+            <a:r>
+              <a:rPr lang="de-DE" dirty="0"/>
+              <a:t>::TEI/</a:t>
+            </a:r>
+            <a:r>
+              <a:rPr lang="de-DE" dirty="0" err="1"/>
+              <a:t>child</a:t>
+            </a:r>
+            <a:r>
+              <a:rPr lang="de-DE" dirty="0"/>
+              <a:t>::*				→ ./*</a:t>
+            </a:r>
+          </a:p>
+          <a:p>
+            <a:pPr marL="0" indent="0">
+              <a:buNone/>
+            </a:pPr>
+            <a:endParaRPr lang="de-DE" dirty="0"/>
+          </a:p>
+        </p:txBody>
+      </p:sp>
+      <p:sp>
+        <p:nvSpPr>
+          <p:cNvPr id="4" name="Textfeld 3">
+            <a:extLst>
+              <a:ext uri="{FF2B5EF4-FFF2-40B4-BE49-F238E27FC236}">
+                <a16:creationId xmlns:a16="http://schemas.microsoft.com/office/drawing/2014/main" id="{4B1C0DDA-20C9-4AB4-9898-A5F2CD1FF693}"/>
+              </a:ext>
+            </a:extLst>
+          </p:cNvPr>
+          <p:cNvSpPr txBox="1"/>
+          <p:nvPr/>
+        </p:nvSpPr>
+        <p:spPr>
+          <a:xfrm>
+            <a:off x="8736676" y="6081067"/>
+            <a:ext cx="3150524" cy="461665"/>
+          </a:xfrm>
+          <a:prstGeom prst="rect">
+            <a:avLst/>
+          </a:prstGeom>
+          <a:noFill/>
+        </p:spPr>
+        <p:txBody>
+          <a:bodyPr wrap="square" rtlCol="0">
+            <a:spAutoFit/>
+          </a:bodyPr>
+          <a:lstStyle/>
+          <a:p>
+            <a:r>
+              <a:rPr lang="de-DE" sz="800" dirty="0"/>
+              <a:t>Quelle: P. Sahle, „XML als Datenstruktur: Einführung in </a:t>
+            </a:r>
+            <a:r>
+              <a:rPr lang="de-DE" sz="800" dirty="0" err="1"/>
+              <a:t>Xpath</a:t>
+            </a:r>
+            <a:r>
+              <a:rPr lang="de-DE" sz="800" dirty="0"/>
+              <a:t>“, Winter School 2020, Wuppertal </a:t>
+            </a:r>
+            <a:r>
+              <a:rPr lang="de-DE" sz="800" dirty="0">
+                <a:hlinkClick r:id="rId2"/>
+              </a:rPr>
+              <a:t>https://www.i-d-e.de/wp-content/uploads/2020/02/02_XML-Einf%C3%BChrung.pdf</a:t>
+            </a:r>
+            <a:r>
+              <a:rPr lang="de-DE" sz="800" dirty="0"/>
+              <a:t> </a:t>
             </a:r>
           </a:p>
         </p:txBody>
@@ -4826,7 +5784,7 @@
     </p:spTree>
     <p:extLst>
       <p:ext uri="{BB962C8B-B14F-4D97-AF65-F5344CB8AC3E}">
-        <p14:creationId xmlns:p14="http://schemas.microsoft.com/office/powerpoint/2010/main" val="965227580"/>
+        <p14:creationId xmlns:p14="http://schemas.microsoft.com/office/powerpoint/2010/main" val="1447765596"/>
       </p:ext>
     </p:extLst>
   </p:cSld>
@@ -4858,7 +5816,7 @@
           <p:cNvPr id="2" name="Titel 1">
             <a:extLst>
               <a:ext uri="{FF2B5EF4-FFF2-40B4-BE49-F238E27FC236}">
-                <a16:creationId xmlns:a16="http://schemas.microsoft.com/office/drawing/2014/main" id="{AB32E9E2-7334-4C27-BD64-F81A2CE2E0E3}"/>
+                <a16:creationId xmlns:a16="http://schemas.microsoft.com/office/drawing/2014/main" id="{58F1B0DC-2704-48CE-ACDF-C81B74F08606}"/>
               </a:ext>
             </a:extLst>
           </p:cNvPr>
@@ -4876,7 +5834,7 @@
           <a:p>
             <a:r>
               <a:rPr lang="de-DE" dirty="0"/>
-              <a:t>Funktionen</a:t>
+              <a:t>Syntax Zusammenfassung</a:t>
             </a:r>
           </a:p>
         </p:txBody>
@@ -4886,7 +5844,7 @@
           <p:cNvPr id="3" name="Inhaltsplatzhalter 2">
             <a:extLst>
               <a:ext uri="{FF2B5EF4-FFF2-40B4-BE49-F238E27FC236}">
-                <a16:creationId xmlns:a16="http://schemas.microsoft.com/office/drawing/2014/main" id="{327B4034-100E-4CA2-A1AF-62949DD52A9C}"/>
+                <a16:creationId xmlns:a16="http://schemas.microsoft.com/office/drawing/2014/main" id="{4B1E9BB3-F48F-4536-AA89-E0EE171F9F13}"/>
               </a:ext>
             </a:extLst>
           </p:cNvPr>
@@ -4899,6 +5857,717 @@
         </p:nvSpPr>
         <p:spPr/>
         <p:txBody>
+          <a:bodyPr>
+            <a:normAutofit fontScale="92500" lnSpcReduction="20000"/>
+          </a:bodyPr>
+          <a:lstStyle/>
+          <a:p>
+            <a:r>
+              <a:rPr lang="de-DE" sz="2000" dirty="0"/>
+              <a:t>Verkettete Lokalisierungsschritte		/…/…/		</a:t>
+            </a:r>
+          </a:p>
+          <a:p>
+            <a:pPr marL="457200" lvl="1" indent="0">
+              <a:buNone/>
+            </a:pPr>
+            <a:r>
+              <a:rPr lang="de-DE" sz="1600" dirty="0"/>
+              <a:t>→  TEI/</a:t>
+            </a:r>
+            <a:r>
+              <a:rPr lang="de-DE" sz="1600" dirty="0" err="1"/>
+              <a:t>text</a:t>
+            </a:r>
+            <a:r>
+              <a:rPr lang="de-DE" sz="1600" dirty="0"/>
+              <a:t>/</a:t>
+            </a:r>
+            <a:r>
+              <a:rPr lang="de-DE" sz="1600" dirty="0" err="1"/>
+              <a:t>body</a:t>
+            </a:r>
+            <a:r>
+              <a:rPr lang="de-DE" sz="1600" dirty="0"/>
+              <a:t>/div//</a:t>
+            </a:r>
+            <a:r>
+              <a:rPr lang="de-DE" sz="1600" dirty="0" err="1"/>
+              <a:t>name</a:t>
+            </a:r>
+            <a:endParaRPr lang="de-DE" sz="1600" dirty="0"/>
+          </a:p>
+          <a:p>
+            <a:r>
+              <a:rPr lang="de-DE" sz="2000" dirty="0"/>
+              <a:t>Bedingungen, Prädikate			[……]			 </a:t>
+            </a:r>
+          </a:p>
+          <a:p>
+            <a:pPr marL="457200" lvl="1" indent="0">
+              <a:buNone/>
+            </a:pPr>
+            <a:r>
+              <a:rPr lang="de-DE" sz="1600" dirty="0"/>
+              <a:t>→ </a:t>
+            </a:r>
+            <a:r>
+              <a:rPr lang="en-US" sz="1600" dirty="0"/>
+              <a:t>//name[@type='Person']</a:t>
+            </a:r>
+            <a:endParaRPr lang="de-DE" sz="1600" dirty="0"/>
+          </a:p>
+          <a:p>
+            <a:r>
+              <a:rPr lang="de-DE" sz="2000" dirty="0"/>
+              <a:t>Klammern, Schachtelung		(…(…))		</a:t>
+            </a:r>
+          </a:p>
+          <a:p>
+            <a:pPr marL="457200" lvl="1" indent="0">
+              <a:buNone/>
+            </a:pPr>
+            <a:r>
+              <a:rPr lang="de-DE" sz="1600" dirty="0"/>
+              <a:t>→ </a:t>
+            </a:r>
+            <a:r>
+              <a:rPr lang="en-US" sz="1600" dirty="0"/>
+              <a:t>//name[((@type='Person')  and (@role='</a:t>
+            </a:r>
+            <a:r>
+              <a:rPr lang="en-US" sz="1600" dirty="0" err="1"/>
+              <a:t>Erwaehnung</a:t>
+            </a:r>
+            <a:r>
+              <a:rPr lang="en-US" sz="1600" dirty="0"/>
+              <a:t>’ )) or (@type=Institution')]</a:t>
+            </a:r>
+          </a:p>
+          <a:p>
+            <a:endParaRPr lang="de-DE" sz="2000" dirty="0"/>
+          </a:p>
+          <a:p>
+            <a:r>
+              <a:rPr lang="de-DE" sz="2000" dirty="0"/>
+              <a:t>Operatoren				and </a:t>
+            </a:r>
+            <a:r>
+              <a:rPr lang="de-DE" sz="2000" dirty="0" err="1"/>
+              <a:t>or</a:t>
+            </a:r>
+            <a:r>
+              <a:rPr lang="de-DE" sz="2000" dirty="0"/>
+              <a:t> | = != &lt; &gt; + -* div		 </a:t>
+            </a:r>
+          </a:p>
+          <a:p>
+            <a:pPr marL="457200" lvl="1" indent="0">
+              <a:buNone/>
+            </a:pPr>
+            <a:r>
+              <a:rPr lang="de-DE" sz="1600" dirty="0"/>
+              <a:t>→ </a:t>
+            </a:r>
+            <a:r>
+              <a:rPr lang="en-US" sz="1600" dirty="0"/>
+              <a:t>//name[@ref !='#’] </a:t>
+            </a:r>
+          </a:p>
+          <a:p>
+            <a:pPr marL="457200" lvl="1" indent="0">
+              <a:buNone/>
+            </a:pPr>
+            <a:endParaRPr lang="de-DE" sz="1600" dirty="0"/>
+          </a:p>
+          <a:p>
+            <a:r>
+              <a:rPr lang="de-DE" sz="2000" dirty="0"/>
+              <a:t>Funktionen 			</a:t>
+            </a:r>
+            <a:r>
+              <a:rPr lang="de-DE" sz="2000" i="1" dirty="0"/>
+              <a:t>Funktionsname</a:t>
+            </a:r>
+            <a:r>
+              <a:rPr lang="de-DE" sz="2000" dirty="0"/>
+              <a:t>(</a:t>
+            </a:r>
+            <a:r>
+              <a:rPr lang="de-DE" sz="2000" i="1" dirty="0"/>
+              <a:t>Argument</a:t>
+            </a:r>
+            <a:r>
+              <a:rPr lang="de-DE" sz="2000" dirty="0"/>
+              <a:t>, </a:t>
+            </a:r>
+            <a:r>
+              <a:rPr lang="de-DE" sz="2000" i="1" dirty="0"/>
+              <a:t>Argument, …</a:t>
+            </a:r>
+            <a:r>
+              <a:rPr lang="de-DE" sz="2000" dirty="0"/>
+              <a:t>)	 </a:t>
+            </a:r>
+          </a:p>
+          <a:p>
+            <a:pPr marL="457200" lvl="1" indent="0">
+              <a:buNone/>
+            </a:pPr>
+            <a:r>
+              <a:rPr lang="de-DE" sz="1600" dirty="0"/>
+              <a:t>→ //</a:t>
+            </a:r>
+            <a:r>
+              <a:rPr lang="de-DE" sz="1600" dirty="0" err="1"/>
+              <a:t>name</a:t>
+            </a:r>
+            <a:r>
+              <a:rPr lang="de-DE" sz="1600" dirty="0"/>
+              <a:t>[last()]/@</a:t>
+            </a:r>
+            <a:r>
+              <a:rPr lang="de-DE" sz="1600" dirty="0" err="1"/>
+              <a:t>ref</a:t>
+            </a:r>
+            <a:endParaRPr lang="de-DE" sz="1600" dirty="0"/>
+          </a:p>
+          <a:p>
+            <a:pPr marL="457200" lvl="1" indent="0">
+              <a:buNone/>
+            </a:pPr>
+            <a:r>
+              <a:rPr lang="de-DE" sz="1600" dirty="0"/>
+              <a:t>→ //</a:t>
+            </a:r>
+            <a:r>
+              <a:rPr lang="de-DE" sz="1600" dirty="0" err="1"/>
+              <a:t>name</a:t>
+            </a:r>
+            <a:r>
+              <a:rPr lang="de-DE" sz="1600" dirty="0"/>
+              <a:t>[</a:t>
+            </a:r>
+            <a:r>
+              <a:rPr lang="de-DE" sz="1600" dirty="0" err="1"/>
+              <a:t>substring</a:t>
+            </a:r>
+            <a:r>
+              <a:rPr lang="de-DE" sz="1600" dirty="0"/>
+              <a:t>-after(</a:t>
+            </a:r>
+            <a:r>
+              <a:rPr lang="de-DE" sz="1600" dirty="0" err="1"/>
+              <a:t>ref</a:t>
+            </a:r>
+            <a:r>
+              <a:rPr lang="de-DE" sz="1600" dirty="0"/>
+              <a:t>, </a:t>
+            </a:r>
+            <a:r>
+              <a:rPr lang="en-US" sz="1600" dirty="0"/>
+              <a:t>‘#’)</a:t>
+            </a:r>
+            <a:endParaRPr lang="de-DE" sz="1600" dirty="0"/>
+          </a:p>
+          <a:p>
+            <a:endParaRPr lang="de-DE" sz="2000" dirty="0"/>
+          </a:p>
+          <a:p>
+            <a:pPr marL="0" indent="0">
+              <a:buNone/>
+            </a:pPr>
+            <a:r>
+              <a:rPr lang="de-DE" sz="2000" dirty="0"/>
+              <a:t>Syntax: 'Strings' in Anführungszeichen! Zahlen nicht!</a:t>
+            </a:r>
+          </a:p>
+        </p:txBody>
+      </p:sp>
+      <p:sp>
+        <p:nvSpPr>
+          <p:cNvPr id="4" name="Textfeld 3">
+            <a:extLst>
+              <a:ext uri="{FF2B5EF4-FFF2-40B4-BE49-F238E27FC236}">
+                <a16:creationId xmlns:a16="http://schemas.microsoft.com/office/drawing/2014/main" id="{3130C3A1-6E48-4CA7-B16F-C25189797915}"/>
+              </a:ext>
+            </a:extLst>
+          </p:cNvPr>
+          <p:cNvSpPr txBox="1"/>
+          <p:nvPr/>
+        </p:nvSpPr>
+        <p:spPr>
+          <a:xfrm>
+            <a:off x="8736676" y="6081067"/>
+            <a:ext cx="3150524" cy="461665"/>
+          </a:xfrm>
+          <a:prstGeom prst="rect">
+            <a:avLst/>
+          </a:prstGeom>
+          <a:noFill/>
+        </p:spPr>
+        <p:txBody>
+          <a:bodyPr wrap="square" rtlCol="0">
+            <a:spAutoFit/>
+          </a:bodyPr>
+          <a:lstStyle/>
+          <a:p>
+            <a:r>
+              <a:rPr lang="de-DE" sz="800" dirty="0"/>
+              <a:t>Quelle: P. Sahle, „XML als Datenstruktur: Einführung in </a:t>
+            </a:r>
+            <a:r>
+              <a:rPr lang="de-DE" sz="800" dirty="0" err="1"/>
+              <a:t>Xpath</a:t>
+            </a:r>
+            <a:r>
+              <a:rPr lang="de-DE" sz="800" dirty="0"/>
+              <a:t>“, Winter School 2020, Wuppertal </a:t>
+            </a:r>
+            <a:r>
+              <a:rPr lang="de-DE" sz="800" dirty="0">
+                <a:hlinkClick r:id="rId2"/>
+              </a:rPr>
+              <a:t>https://www.i-d-e.de/wp-content/uploads/2020/02/02_XML-Einf%C3%BChrung.pdf</a:t>
+            </a:r>
+            <a:r>
+              <a:rPr lang="de-DE" sz="800" dirty="0"/>
+              <a:t> </a:t>
+            </a:r>
+          </a:p>
+        </p:txBody>
+      </p:sp>
+    </p:spTree>
+    <p:extLst>
+      <p:ext uri="{BB962C8B-B14F-4D97-AF65-F5344CB8AC3E}">
+        <p14:creationId xmlns:p14="http://schemas.microsoft.com/office/powerpoint/2010/main" val="294667168"/>
+      </p:ext>
+    </p:extLst>
+  </p:cSld>
+  <p:clrMapOvr>
+    <a:masterClrMapping/>
+  </p:clrMapOvr>
+</p:sld>
+</file>
+
+<file path=ppt/slides/slide16.xml><?xml version="1.0" encoding="utf-8"?>
+<p:sld xmlns:a="http://schemas.openxmlformats.org/drawingml/2006/main" xmlns:r="http://schemas.openxmlformats.org/officeDocument/2006/relationships" xmlns:p="http://schemas.openxmlformats.org/presentationml/2006/main">
+  <p:cSld>
+    <p:spTree>
+      <p:nvGrpSpPr>
+        <p:cNvPr id="1" name=""/>
+        <p:cNvGrpSpPr/>
+        <p:nvPr/>
+      </p:nvGrpSpPr>
+      <p:grpSpPr>
+        <a:xfrm>
+          <a:off x="0" y="0"/>
+          <a:ext cx="0" cy="0"/>
+          <a:chOff x="0" y="0"/>
+          <a:chExt cx="0" cy="0"/>
+        </a:xfrm>
+      </p:grpSpPr>
+      <p:sp>
+        <p:nvSpPr>
+          <p:cNvPr id="2" name="Titel 1">
+            <a:extLst>
+              <a:ext uri="{FF2B5EF4-FFF2-40B4-BE49-F238E27FC236}">
+                <a16:creationId xmlns:a16="http://schemas.microsoft.com/office/drawing/2014/main" id="{58F1B0DC-2704-48CE-ACDF-C81B74F08606}"/>
+              </a:ext>
+            </a:extLst>
+          </p:cNvPr>
+          <p:cNvSpPr>
+            <a:spLocks noGrp="1"/>
+          </p:cNvSpPr>
+          <p:nvPr>
+            <p:ph type="title"/>
+          </p:nvPr>
+        </p:nvSpPr>
+        <p:spPr/>
+        <p:txBody>
+          <a:bodyPr>
+            <a:normAutofit/>
+          </a:bodyPr>
+          <a:lstStyle/>
+          <a:p>
+            <a:r>
+              <a:rPr lang="de-DE" dirty="0"/>
+              <a:t>Ein paar Regeln…</a:t>
+            </a:r>
+          </a:p>
+        </p:txBody>
+      </p:sp>
+      <p:sp>
+        <p:nvSpPr>
+          <p:cNvPr id="3" name="Inhaltsplatzhalter 2">
+            <a:extLst>
+              <a:ext uri="{FF2B5EF4-FFF2-40B4-BE49-F238E27FC236}">
+                <a16:creationId xmlns:a16="http://schemas.microsoft.com/office/drawing/2014/main" id="{4B1E9BB3-F48F-4536-AA89-E0EE171F9F13}"/>
+              </a:ext>
+            </a:extLst>
+          </p:cNvPr>
+          <p:cNvSpPr>
+            <a:spLocks noGrp="1"/>
+          </p:cNvSpPr>
+          <p:nvPr>
+            <p:ph idx="1"/>
+          </p:nvPr>
+        </p:nvSpPr>
+        <p:spPr/>
+        <p:txBody>
+          <a:bodyPr/>
+          <a:lstStyle/>
+          <a:p>
+            <a:r>
+              <a:rPr lang="de-DE" dirty="0"/>
+              <a:t>Der letzte bzw. äußerste Schritt bestimmt, was ein </a:t>
+            </a:r>
+            <a:r>
+              <a:rPr lang="de-DE" dirty="0" err="1"/>
+              <a:t>XPath</a:t>
+            </a:r>
+            <a:r>
+              <a:rPr lang="de-DE" dirty="0"/>
+              <a:t>-Ausdruck zurückgibt</a:t>
+            </a:r>
+          </a:p>
+          <a:p>
+            <a:r>
+              <a:rPr lang="de-DE" dirty="0"/>
+              <a:t>Pfade werden von vorne nach hinten abgearbeitet (besser: von links nach rechts?)</a:t>
+            </a:r>
+          </a:p>
+          <a:p>
+            <a:r>
+              <a:rPr lang="de-DE" dirty="0"/>
+              <a:t>Klammern werden von innen nach außen aufgelöst</a:t>
+            </a:r>
+          </a:p>
+        </p:txBody>
+      </p:sp>
+      <p:sp>
+        <p:nvSpPr>
+          <p:cNvPr id="4" name="Textfeld 3">
+            <a:extLst>
+              <a:ext uri="{FF2B5EF4-FFF2-40B4-BE49-F238E27FC236}">
+                <a16:creationId xmlns:a16="http://schemas.microsoft.com/office/drawing/2014/main" id="{44A64BD7-B0EC-497F-AA20-27FF1A661F21}"/>
+              </a:ext>
+            </a:extLst>
+          </p:cNvPr>
+          <p:cNvSpPr txBox="1"/>
+          <p:nvPr/>
+        </p:nvSpPr>
+        <p:spPr>
+          <a:xfrm>
+            <a:off x="8736676" y="6081067"/>
+            <a:ext cx="3150524" cy="461665"/>
+          </a:xfrm>
+          <a:prstGeom prst="rect">
+            <a:avLst/>
+          </a:prstGeom>
+          <a:noFill/>
+        </p:spPr>
+        <p:txBody>
+          <a:bodyPr wrap="square" rtlCol="0">
+            <a:spAutoFit/>
+          </a:bodyPr>
+          <a:lstStyle/>
+          <a:p>
+            <a:r>
+              <a:rPr lang="de-DE" sz="800" dirty="0"/>
+              <a:t>Quelle: P. Sahle, „XML als Datenstruktur: Einführung in </a:t>
+            </a:r>
+            <a:r>
+              <a:rPr lang="de-DE" sz="800" dirty="0" err="1"/>
+              <a:t>Xpath</a:t>
+            </a:r>
+            <a:r>
+              <a:rPr lang="de-DE" sz="800" dirty="0"/>
+              <a:t>“, Winter School 2020, Wuppertal </a:t>
+            </a:r>
+            <a:r>
+              <a:rPr lang="de-DE" sz="800" dirty="0">
+                <a:hlinkClick r:id="rId2"/>
+              </a:rPr>
+              <a:t>https://www.i-d-e.de/wp-content/uploads/2020/02/02_XML-Einf%C3%BChrung.pdf</a:t>
+            </a:r>
+            <a:r>
+              <a:rPr lang="de-DE" sz="800" dirty="0"/>
+              <a:t> </a:t>
+            </a:r>
+          </a:p>
+        </p:txBody>
+      </p:sp>
+    </p:spTree>
+    <p:extLst>
+      <p:ext uri="{BB962C8B-B14F-4D97-AF65-F5344CB8AC3E}">
+        <p14:creationId xmlns:p14="http://schemas.microsoft.com/office/powerpoint/2010/main" val="1695383832"/>
+      </p:ext>
+    </p:extLst>
+  </p:cSld>
+  <p:clrMapOvr>
+    <a:masterClrMapping/>
+  </p:clrMapOvr>
+</p:sld>
+</file>
+
+<file path=ppt/slides/slide17.xml><?xml version="1.0" encoding="utf-8"?>
+<p:sld xmlns:a="http://schemas.openxmlformats.org/drawingml/2006/main" xmlns:r="http://schemas.openxmlformats.org/officeDocument/2006/relationships" xmlns:p="http://schemas.openxmlformats.org/presentationml/2006/main">
+  <p:cSld>
+    <p:spTree>
+      <p:nvGrpSpPr>
+        <p:cNvPr id="1" name=""/>
+        <p:cNvGrpSpPr/>
+        <p:nvPr/>
+      </p:nvGrpSpPr>
+      <p:grpSpPr>
+        <a:xfrm>
+          <a:off x="0" y="0"/>
+          <a:ext cx="0" cy="0"/>
+          <a:chOff x="0" y="0"/>
+          <a:chExt cx="0" cy="0"/>
+        </a:xfrm>
+      </p:grpSpPr>
+      <p:sp>
+        <p:nvSpPr>
+          <p:cNvPr id="2" name="Titel 1">
+            <a:extLst>
+              <a:ext uri="{FF2B5EF4-FFF2-40B4-BE49-F238E27FC236}">
+                <a16:creationId xmlns:a16="http://schemas.microsoft.com/office/drawing/2014/main" id="{58F1B0DC-2704-48CE-ACDF-C81B74F08606}"/>
+              </a:ext>
+            </a:extLst>
+          </p:cNvPr>
+          <p:cNvSpPr>
+            <a:spLocks noGrp="1"/>
+          </p:cNvSpPr>
+          <p:nvPr>
+            <p:ph type="title"/>
+          </p:nvPr>
+        </p:nvSpPr>
+        <p:spPr/>
+        <p:txBody>
+          <a:bodyPr>
+            <a:normAutofit/>
+          </a:bodyPr>
+          <a:lstStyle/>
+          <a:p>
+            <a:r>
+              <a:rPr lang="de-DE" dirty="0"/>
+              <a:t>Rückgabewerte</a:t>
+            </a:r>
+          </a:p>
+        </p:txBody>
+      </p:sp>
+      <p:sp>
+        <p:nvSpPr>
+          <p:cNvPr id="3" name="Inhaltsplatzhalter 2">
+            <a:extLst>
+              <a:ext uri="{FF2B5EF4-FFF2-40B4-BE49-F238E27FC236}">
+                <a16:creationId xmlns:a16="http://schemas.microsoft.com/office/drawing/2014/main" id="{4B1E9BB3-F48F-4536-AA89-E0EE171F9F13}"/>
+              </a:ext>
+            </a:extLst>
+          </p:cNvPr>
+          <p:cNvSpPr>
+            <a:spLocks noGrp="1"/>
+          </p:cNvSpPr>
+          <p:nvPr>
+            <p:ph idx="1"/>
+          </p:nvPr>
+        </p:nvSpPr>
+        <p:spPr/>
+        <p:txBody>
+          <a:bodyPr/>
+          <a:lstStyle/>
+          <a:p>
+            <a:pPr marL="0" indent="0">
+              <a:buNone/>
+            </a:pPr>
+            <a:r>
+              <a:rPr lang="de-DE" dirty="0" err="1"/>
+              <a:t>XPath</a:t>
+            </a:r>
+            <a:r>
+              <a:rPr lang="de-DE" dirty="0"/>
+              <a:t>-Ausdrücke ergeben Rückgaben verschiedenen Typs:</a:t>
+            </a:r>
+          </a:p>
+          <a:p>
+            <a:pPr lvl="1"/>
+            <a:endParaRPr lang="de-DE" dirty="0"/>
+          </a:p>
+          <a:p>
+            <a:pPr lvl="1"/>
+            <a:r>
+              <a:rPr lang="de-DE" dirty="0"/>
+              <a:t>Knoten</a:t>
+            </a:r>
+          </a:p>
+          <a:p>
+            <a:pPr lvl="1"/>
+            <a:r>
+              <a:rPr lang="de-DE" dirty="0"/>
+              <a:t>Knotenmengen</a:t>
+            </a:r>
+          </a:p>
+          <a:p>
+            <a:pPr lvl="1"/>
+            <a:r>
+              <a:rPr lang="de-DE" dirty="0"/>
+              <a:t>Zahlen</a:t>
+            </a:r>
+          </a:p>
+          <a:p>
+            <a:pPr lvl="1"/>
+            <a:r>
+              <a:rPr lang="de-DE" dirty="0"/>
+              <a:t>Strings, d.h. Zeichenketten</a:t>
+            </a:r>
+          </a:p>
+          <a:p>
+            <a:pPr lvl="1"/>
+            <a:r>
+              <a:rPr lang="de-DE" dirty="0"/>
+              <a:t>Wahrheitswerte / Boolean</a:t>
+            </a:r>
+          </a:p>
+          <a:p>
+            <a:pPr lvl="1"/>
+            <a:r>
+              <a:rPr lang="de-DE" dirty="0"/>
+              <a:t>Sequenzen</a:t>
+            </a:r>
+          </a:p>
+        </p:txBody>
+      </p:sp>
+      <p:sp>
+        <p:nvSpPr>
+          <p:cNvPr id="4" name="Textfeld 3">
+            <a:extLst>
+              <a:ext uri="{FF2B5EF4-FFF2-40B4-BE49-F238E27FC236}">
+                <a16:creationId xmlns:a16="http://schemas.microsoft.com/office/drawing/2014/main" id="{14C10F6C-5FA5-4DF4-B8C8-6C750BC54275}"/>
+              </a:ext>
+            </a:extLst>
+          </p:cNvPr>
+          <p:cNvSpPr txBox="1"/>
+          <p:nvPr/>
+        </p:nvSpPr>
+        <p:spPr>
+          <a:xfrm>
+            <a:off x="8736676" y="6081067"/>
+            <a:ext cx="3150524" cy="461665"/>
+          </a:xfrm>
+          <a:prstGeom prst="rect">
+            <a:avLst/>
+          </a:prstGeom>
+          <a:noFill/>
+        </p:spPr>
+        <p:txBody>
+          <a:bodyPr wrap="square" rtlCol="0">
+            <a:spAutoFit/>
+          </a:bodyPr>
+          <a:lstStyle/>
+          <a:p>
+            <a:r>
+              <a:rPr lang="de-DE" sz="800" dirty="0"/>
+              <a:t>Quelle: P. Sahle, „XML als Datenstruktur: Einführung in </a:t>
+            </a:r>
+            <a:r>
+              <a:rPr lang="de-DE" sz="800" dirty="0" err="1"/>
+              <a:t>Xpath</a:t>
+            </a:r>
+            <a:r>
+              <a:rPr lang="de-DE" sz="800" dirty="0"/>
+              <a:t>“, Winter School 2020, Wuppertal </a:t>
+            </a:r>
+            <a:r>
+              <a:rPr lang="de-DE" sz="800" dirty="0">
+                <a:hlinkClick r:id="rId2"/>
+              </a:rPr>
+              <a:t>https://www.i-d-e.de/wp-content/uploads/2020/02/02_XML-Einf%C3%BChrung.pdf</a:t>
+            </a:r>
+            <a:r>
+              <a:rPr lang="de-DE" sz="800" dirty="0"/>
+              <a:t> </a:t>
+            </a:r>
+          </a:p>
+        </p:txBody>
+      </p:sp>
+    </p:spTree>
+    <p:extLst>
+      <p:ext uri="{BB962C8B-B14F-4D97-AF65-F5344CB8AC3E}">
+        <p14:creationId xmlns:p14="http://schemas.microsoft.com/office/powerpoint/2010/main" val="965227580"/>
+      </p:ext>
+    </p:extLst>
+  </p:cSld>
+  <p:clrMapOvr>
+    <a:masterClrMapping/>
+  </p:clrMapOvr>
+</p:sld>
+</file>
+
+<file path=ppt/slides/slide18.xml><?xml version="1.0" encoding="utf-8"?>
+<p:sld xmlns:a="http://schemas.openxmlformats.org/drawingml/2006/main" xmlns:r="http://schemas.openxmlformats.org/officeDocument/2006/relationships" xmlns:p="http://schemas.openxmlformats.org/presentationml/2006/main">
+  <p:cSld>
+    <p:spTree>
+      <p:nvGrpSpPr>
+        <p:cNvPr id="1" name=""/>
+        <p:cNvGrpSpPr/>
+        <p:nvPr/>
+      </p:nvGrpSpPr>
+      <p:grpSpPr>
+        <a:xfrm>
+          <a:off x="0" y="0"/>
+          <a:ext cx="0" cy="0"/>
+          <a:chOff x="0" y="0"/>
+          <a:chExt cx="0" cy="0"/>
+        </a:xfrm>
+      </p:grpSpPr>
+      <p:sp>
+        <p:nvSpPr>
+          <p:cNvPr id="2" name="Titel 1">
+            <a:extLst>
+              <a:ext uri="{FF2B5EF4-FFF2-40B4-BE49-F238E27FC236}">
+                <a16:creationId xmlns:a16="http://schemas.microsoft.com/office/drawing/2014/main" id="{AB32E9E2-7334-4C27-BD64-F81A2CE2E0E3}"/>
+              </a:ext>
+            </a:extLst>
+          </p:cNvPr>
+          <p:cNvSpPr>
+            <a:spLocks noGrp="1"/>
+          </p:cNvSpPr>
+          <p:nvPr>
+            <p:ph type="title"/>
+          </p:nvPr>
+        </p:nvSpPr>
+        <p:spPr/>
+        <p:txBody>
+          <a:bodyPr/>
+          <a:lstStyle/>
+          <a:p>
+            <a:r>
+              <a:rPr lang="de-DE" dirty="0"/>
+              <a:t>Funktionen</a:t>
+            </a:r>
+          </a:p>
+        </p:txBody>
+      </p:sp>
+      <p:sp>
+        <p:nvSpPr>
+          <p:cNvPr id="3" name="Inhaltsplatzhalter 2">
+            <a:extLst>
+              <a:ext uri="{FF2B5EF4-FFF2-40B4-BE49-F238E27FC236}">
+                <a16:creationId xmlns:a16="http://schemas.microsoft.com/office/drawing/2014/main" id="{327B4034-100E-4CA2-A1AF-62949DD52A9C}"/>
+              </a:ext>
+            </a:extLst>
+          </p:cNvPr>
+          <p:cNvSpPr>
+            <a:spLocks noGrp="1"/>
+          </p:cNvSpPr>
+          <p:nvPr>
+            <p:ph idx="1"/>
+          </p:nvPr>
+        </p:nvSpPr>
+        <p:spPr/>
+        <p:txBody>
           <a:bodyPr/>
           <a:lstStyle/>
           <a:p>
@@ -4941,6 +6610,59 @@
           </a:p>
           <a:p>
             <a:endParaRPr lang="de-DE" dirty="0"/>
+          </a:p>
+        </p:txBody>
+      </p:sp>
+      <p:sp>
+        <p:nvSpPr>
+          <p:cNvPr id="4" name="Textfeld 3">
+            <a:extLst>
+              <a:ext uri="{FF2B5EF4-FFF2-40B4-BE49-F238E27FC236}">
+                <a16:creationId xmlns:a16="http://schemas.microsoft.com/office/drawing/2014/main" id="{21814C0C-027A-4B7D-B306-4823DBC0BCD2}"/>
+              </a:ext>
+            </a:extLst>
+          </p:cNvPr>
+          <p:cNvSpPr txBox="1"/>
+          <p:nvPr/>
+        </p:nvSpPr>
+        <p:spPr>
+          <a:xfrm>
+            <a:off x="8736676" y="6081067"/>
+            <a:ext cx="3150524" cy="461665"/>
+          </a:xfrm>
+          <a:prstGeom prst="rect">
+            <a:avLst/>
+          </a:prstGeom>
+          <a:noFill/>
+        </p:spPr>
+        <p:txBody>
+          <a:bodyPr wrap="square" rtlCol="0">
+            <a:spAutoFit/>
+          </a:bodyPr>
+          <a:lstStyle/>
+          <a:p>
+            <a:r>
+              <a:rPr lang="de-DE" sz="800" dirty="0"/>
+              <a:t>Quelle: P. Sahle, „XML als Datenstruktur: Einführung in </a:t>
+            </a:r>
+            <a:r>
+              <a:rPr lang="de-DE" sz="800" dirty="0" err="1"/>
+              <a:t>Xpath</a:t>
+            </a:r>
+            <a:r>
+              <a:rPr lang="de-DE" sz="800" dirty="0"/>
+              <a:t>“, Winter School 2020, Wuppertal </a:t>
+            </a:r>
+            <a:r>
+              <a:rPr lang="de-DE" sz="800" dirty="0">
+                <a:hlinkClick r:id="rId2"/>
+              </a:rPr>
+              <a:t>https://www.i-d-e.de/wp-content/uploads/2020/02/02_XML-Einf%C3%BChrung.pdf</a:t>
+            </a:r>
+            <a:r>
+              <a:rPr lang="de-DE" sz="800" dirty="0"/>
+              <a:t> </a:t>
+            </a:r>
           </a:p>
         </p:txBody>
       </p:sp>
@@ -4957,7 +6679,631 @@
 </p:sld>
 </file>
 
-<file path=ppt/slides/slide16.xml><?xml version="1.0" encoding="utf-8"?>
+<file path=ppt/slides/slide19.xml><?xml version="1.0" encoding="utf-8"?>
+<p:sld xmlns:a="http://schemas.openxmlformats.org/drawingml/2006/main" xmlns:r="http://schemas.openxmlformats.org/officeDocument/2006/relationships" xmlns:p="http://schemas.openxmlformats.org/presentationml/2006/main">
+  <p:cSld>
+    <p:spTree>
+      <p:nvGrpSpPr>
+        <p:cNvPr id="1" name=""/>
+        <p:cNvGrpSpPr/>
+        <p:nvPr/>
+      </p:nvGrpSpPr>
+      <p:grpSpPr>
+        <a:xfrm>
+          <a:off x="0" y="0"/>
+          <a:ext cx="0" cy="0"/>
+          <a:chOff x="0" y="0"/>
+          <a:chExt cx="0" cy="0"/>
+        </a:xfrm>
+      </p:grpSpPr>
+      <p:sp>
+        <p:nvSpPr>
+          <p:cNvPr id="2" name="Titel 1">
+            <a:extLst>
+              <a:ext uri="{FF2B5EF4-FFF2-40B4-BE49-F238E27FC236}">
+                <a16:creationId xmlns:a16="http://schemas.microsoft.com/office/drawing/2014/main" id="{AB32E9E2-7334-4C27-BD64-F81A2CE2E0E3}"/>
+              </a:ext>
+            </a:extLst>
+          </p:cNvPr>
+          <p:cNvSpPr>
+            <a:spLocks noGrp="1"/>
+          </p:cNvSpPr>
+          <p:nvPr>
+            <p:ph type="title"/>
+          </p:nvPr>
+        </p:nvSpPr>
+        <p:spPr/>
+        <p:txBody>
+          <a:bodyPr/>
+          <a:lstStyle/>
+          <a:p>
+            <a:r>
+              <a:rPr lang="de-DE" dirty="0"/>
+              <a:t>Funktionen</a:t>
+            </a:r>
+          </a:p>
+        </p:txBody>
+      </p:sp>
+      <p:sp>
+        <p:nvSpPr>
+          <p:cNvPr id="3" name="Inhaltsplatzhalter 2">
+            <a:extLst>
+              <a:ext uri="{FF2B5EF4-FFF2-40B4-BE49-F238E27FC236}">
+                <a16:creationId xmlns:a16="http://schemas.microsoft.com/office/drawing/2014/main" id="{327B4034-100E-4CA2-A1AF-62949DD52A9C}"/>
+              </a:ext>
+            </a:extLst>
+          </p:cNvPr>
+          <p:cNvSpPr>
+            <a:spLocks noGrp="1"/>
+          </p:cNvSpPr>
+          <p:nvPr>
+            <p:ph idx="1"/>
+          </p:nvPr>
+        </p:nvSpPr>
+        <p:spPr/>
+        <p:txBody>
+          <a:bodyPr>
+            <a:normAutofit lnSpcReduction="10000"/>
+          </a:bodyPr>
+          <a:lstStyle/>
+          <a:p>
+            <a:r>
+              <a:rPr lang="de-DE" dirty="0"/>
+              <a:t>Funktionen können mit ihrem Namen aufgerufen werden. </a:t>
+            </a:r>
+          </a:p>
+          <a:p>
+            <a:r>
+              <a:rPr lang="de-DE" dirty="0"/>
+              <a:t>Funktionen bestehen aus Ihrem Namen und runden Klammern:	</a:t>
+            </a:r>
+            <a:r>
+              <a:rPr lang="de-DE" i="1" dirty="0" err="1"/>
+              <a:t>funktion</a:t>
+            </a:r>
+            <a:r>
+              <a:rPr lang="de-DE" dirty="0"/>
+              <a:t>()</a:t>
+            </a:r>
+          </a:p>
+          <a:p>
+            <a:r>
+              <a:rPr lang="de-DE" dirty="0"/>
+              <a:t>Manche Funktionen erwarten in der Klammer die Übergabe von "etwas"</a:t>
+            </a:r>
+          </a:p>
+          <a:p>
+            <a:pPr lvl="1"/>
+            <a:r>
+              <a:rPr lang="de-DE" dirty="0"/>
+              <a:t>Das kann ein Knoten sein, ein Knotensatz, ein String, eine Zahl …</a:t>
+            </a:r>
+          </a:p>
+          <a:p>
+            <a:r>
+              <a:rPr lang="de-DE" dirty="0"/>
+              <a:t>Die Übergaben sind durch Kommata getrennt</a:t>
+            </a:r>
+          </a:p>
+          <a:p>
+            <a:pPr lvl="1"/>
+            <a:r>
+              <a:rPr lang="de-DE" dirty="0" err="1"/>
+              <a:t>funktion</a:t>
+            </a:r>
+            <a:r>
+              <a:rPr lang="de-DE" dirty="0"/>
+              <a:t>(</a:t>
+            </a:r>
+            <a:r>
+              <a:rPr lang="de-DE" dirty="0" err="1"/>
+              <a:t>parameter,parameter</a:t>
+            </a:r>
+            <a:r>
+              <a:rPr lang="de-DE" dirty="0"/>
+              <a:t>)</a:t>
+            </a:r>
+          </a:p>
+          <a:p>
+            <a:r>
+              <a:rPr lang="de-DE" dirty="0"/>
+              <a:t>Funktionen geben dann etwas zurück</a:t>
+            </a:r>
+          </a:p>
+          <a:p>
+            <a:pPr lvl="1"/>
+            <a:r>
+              <a:rPr lang="de-DE" dirty="0"/>
+              <a:t>das kann ein Wahrheitswert sein, eine Zahl, ein String, eine Sequenz …</a:t>
+            </a:r>
+          </a:p>
+        </p:txBody>
+      </p:sp>
+      <p:sp>
+        <p:nvSpPr>
+          <p:cNvPr id="4" name="Textfeld 3">
+            <a:extLst>
+              <a:ext uri="{FF2B5EF4-FFF2-40B4-BE49-F238E27FC236}">
+                <a16:creationId xmlns:a16="http://schemas.microsoft.com/office/drawing/2014/main" id="{688A86A7-11AF-4F30-9DD0-DBF02BEFC53B}"/>
+              </a:ext>
+            </a:extLst>
+          </p:cNvPr>
+          <p:cNvSpPr txBox="1"/>
+          <p:nvPr/>
+        </p:nvSpPr>
+        <p:spPr>
+          <a:xfrm>
+            <a:off x="8736676" y="6081067"/>
+            <a:ext cx="3150524" cy="461665"/>
+          </a:xfrm>
+          <a:prstGeom prst="rect">
+            <a:avLst/>
+          </a:prstGeom>
+          <a:noFill/>
+        </p:spPr>
+        <p:txBody>
+          <a:bodyPr wrap="square" rtlCol="0">
+            <a:spAutoFit/>
+          </a:bodyPr>
+          <a:lstStyle/>
+          <a:p>
+            <a:r>
+              <a:rPr lang="de-DE" sz="800" dirty="0"/>
+              <a:t>Quelle: P. Sahle, „XML als Datenstruktur: Einführung in </a:t>
+            </a:r>
+            <a:r>
+              <a:rPr lang="de-DE" sz="800" dirty="0" err="1"/>
+              <a:t>Xpath</a:t>
+            </a:r>
+            <a:r>
+              <a:rPr lang="de-DE" sz="800" dirty="0"/>
+              <a:t>“, Winter School 2020, Wuppertal </a:t>
+            </a:r>
+            <a:r>
+              <a:rPr lang="de-DE" sz="800" dirty="0">
+                <a:hlinkClick r:id="rId2"/>
+              </a:rPr>
+              <a:t>https://www.i-d-e.de/wp-content/uploads/2020/02/02_XML-Einf%C3%BChrung.pdf</a:t>
+            </a:r>
+            <a:r>
+              <a:rPr lang="de-DE" sz="800" dirty="0"/>
+              <a:t> </a:t>
+            </a:r>
+          </a:p>
+        </p:txBody>
+      </p:sp>
+    </p:spTree>
+    <p:extLst>
+      <p:ext uri="{BB962C8B-B14F-4D97-AF65-F5344CB8AC3E}">
+        <p14:creationId xmlns:p14="http://schemas.microsoft.com/office/powerpoint/2010/main" val="4108961373"/>
+      </p:ext>
+    </p:extLst>
+  </p:cSld>
+  <p:clrMapOvr>
+    <a:masterClrMapping/>
+  </p:clrMapOvr>
+</p:sld>
+</file>
+
+<file path=ppt/slides/slide2.xml><?xml version="1.0" encoding="utf-8"?>
+<p:sld xmlns:a="http://schemas.openxmlformats.org/drawingml/2006/main" xmlns:r="http://schemas.openxmlformats.org/officeDocument/2006/relationships" xmlns:p="http://schemas.openxmlformats.org/presentationml/2006/main">
+  <p:cSld>
+    <p:spTree>
+      <p:nvGrpSpPr>
+        <p:cNvPr id="1" name=""/>
+        <p:cNvGrpSpPr/>
+        <p:nvPr/>
+      </p:nvGrpSpPr>
+      <p:grpSpPr>
+        <a:xfrm>
+          <a:off x="0" y="0"/>
+          <a:ext cx="0" cy="0"/>
+          <a:chOff x="0" y="0"/>
+          <a:chExt cx="0" cy="0"/>
+        </a:xfrm>
+      </p:grpSpPr>
+      <p:sp>
+        <p:nvSpPr>
+          <p:cNvPr id="2" name="Titel 1">
+            <a:extLst>
+              <a:ext uri="{FF2B5EF4-FFF2-40B4-BE49-F238E27FC236}">
+                <a16:creationId xmlns:a16="http://schemas.microsoft.com/office/drawing/2014/main" id="{2B7C99B9-E906-42B1-A213-B880E3B51D19}"/>
+              </a:ext>
+            </a:extLst>
+          </p:cNvPr>
+          <p:cNvSpPr>
+            <a:spLocks noGrp="1"/>
+          </p:cNvSpPr>
+          <p:nvPr>
+            <p:ph type="title"/>
+          </p:nvPr>
+        </p:nvSpPr>
+        <p:spPr/>
+        <p:txBody>
+          <a:bodyPr>
+            <a:normAutofit/>
+          </a:bodyPr>
+          <a:lstStyle/>
+          <a:p>
+            <a:r>
+              <a:rPr lang="de-DE" sz="3600" dirty="0"/>
+              <a:t>Übersicht</a:t>
+            </a:r>
+          </a:p>
+        </p:txBody>
+      </p:sp>
+      <p:sp>
+        <p:nvSpPr>
+          <p:cNvPr id="3" name="Inhaltsplatzhalter 2">
+            <a:extLst>
+              <a:ext uri="{FF2B5EF4-FFF2-40B4-BE49-F238E27FC236}">
+                <a16:creationId xmlns:a16="http://schemas.microsoft.com/office/drawing/2014/main" id="{384E24C8-A3A4-4B3B-9A2F-3214A513C450}"/>
+              </a:ext>
+            </a:extLst>
+          </p:cNvPr>
+          <p:cNvSpPr>
+            <a:spLocks noGrp="1"/>
+          </p:cNvSpPr>
+          <p:nvPr>
+            <p:ph idx="1"/>
+          </p:nvPr>
+        </p:nvSpPr>
+        <p:spPr/>
+        <p:txBody>
+          <a:bodyPr>
+            <a:normAutofit/>
+          </a:bodyPr>
+          <a:lstStyle/>
+          <a:p>
+            <a:r>
+              <a:rPr lang="de-DE" dirty="0" err="1"/>
+              <a:t>XPath</a:t>
+            </a:r>
+            <a:r>
+              <a:rPr lang="de-DE" dirty="0"/>
+              <a:t> als Hilfsmittel</a:t>
+            </a:r>
+          </a:p>
+          <a:p>
+            <a:r>
+              <a:rPr lang="de-DE" dirty="0" err="1"/>
+              <a:t>XPath</a:t>
+            </a:r>
+            <a:r>
+              <a:rPr lang="de-DE" dirty="0"/>
+              <a:t> als Standard</a:t>
+            </a:r>
+          </a:p>
+          <a:p>
+            <a:r>
+              <a:rPr lang="de-DE" dirty="0"/>
+              <a:t>Konzepte und Funktionsweise</a:t>
+            </a:r>
+          </a:p>
+          <a:p>
+            <a:r>
+              <a:rPr lang="de-DE" dirty="0"/>
+              <a:t>Zusatz: </a:t>
+            </a:r>
+            <a:r>
+              <a:rPr lang="de-DE" dirty="0" err="1"/>
+              <a:t>Regex</a:t>
+            </a:r>
+            <a:endParaRPr lang="de-DE" dirty="0"/>
+          </a:p>
+        </p:txBody>
+      </p:sp>
+    </p:spTree>
+    <p:extLst>
+      <p:ext uri="{BB962C8B-B14F-4D97-AF65-F5344CB8AC3E}">
+        <p14:creationId xmlns:p14="http://schemas.microsoft.com/office/powerpoint/2010/main" val="1785676973"/>
+      </p:ext>
+    </p:extLst>
+  </p:cSld>
+  <p:clrMapOvr>
+    <a:masterClrMapping/>
+  </p:clrMapOvr>
+</p:sld>
+</file>
+
+<file path=ppt/slides/slide20.xml><?xml version="1.0" encoding="utf-8"?>
+<p:sld xmlns:a="http://schemas.openxmlformats.org/drawingml/2006/main" xmlns:r="http://schemas.openxmlformats.org/officeDocument/2006/relationships" xmlns:p="http://schemas.openxmlformats.org/presentationml/2006/main">
+  <p:cSld>
+    <p:spTree>
+      <p:nvGrpSpPr>
+        <p:cNvPr id="1" name=""/>
+        <p:cNvGrpSpPr/>
+        <p:nvPr/>
+      </p:nvGrpSpPr>
+      <p:grpSpPr>
+        <a:xfrm>
+          <a:off x="0" y="0"/>
+          <a:ext cx="0" cy="0"/>
+          <a:chOff x="0" y="0"/>
+          <a:chExt cx="0" cy="0"/>
+        </a:xfrm>
+      </p:grpSpPr>
+      <p:sp>
+        <p:nvSpPr>
+          <p:cNvPr id="2" name="Titel 1">
+            <a:extLst>
+              <a:ext uri="{FF2B5EF4-FFF2-40B4-BE49-F238E27FC236}">
+                <a16:creationId xmlns:a16="http://schemas.microsoft.com/office/drawing/2014/main" id="{AB32E9E2-7334-4C27-BD64-F81A2CE2E0E3}"/>
+              </a:ext>
+            </a:extLst>
+          </p:cNvPr>
+          <p:cNvSpPr>
+            <a:spLocks noGrp="1"/>
+          </p:cNvSpPr>
+          <p:nvPr>
+            <p:ph type="title"/>
+          </p:nvPr>
+        </p:nvSpPr>
+        <p:spPr/>
+        <p:txBody>
+          <a:bodyPr/>
+          <a:lstStyle/>
+          <a:p>
+            <a:r>
+              <a:rPr lang="de-DE" dirty="0"/>
+              <a:t>Funktionen</a:t>
+            </a:r>
+          </a:p>
+        </p:txBody>
+      </p:sp>
+      <p:sp>
+        <p:nvSpPr>
+          <p:cNvPr id="3" name="Inhaltsplatzhalter 2">
+            <a:extLst>
+              <a:ext uri="{FF2B5EF4-FFF2-40B4-BE49-F238E27FC236}">
+                <a16:creationId xmlns:a16="http://schemas.microsoft.com/office/drawing/2014/main" id="{327B4034-100E-4CA2-A1AF-62949DD52A9C}"/>
+              </a:ext>
+            </a:extLst>
+          </p:cNvPr>
+          <p:cNvSpPr>
+            <a:spLocks noGrp="1"/>
+          </p:cNvSpPr>
+          <p:nvPr>
+            <p:ph idx="1"/>
+          </p:nvPr>
+        </p:nvSpPr>
+        <p:spPr/>
+        <p:txBody>
+          <a:bodyPr>
+            <a:normAutofit fontScale="85000" lnSpcReduction="20000"/>
+          </a:bodyPr>
+          <a:lstStyle/>
+          <a:p>
+            <a:r>
+              <a:rPr lang="de-DE" dirty="0" err="1"/>
+              <a:t>contains</a:t>
+            </a:r>
+            <a:r>
+              <a:rPr lang="de-DE" dirty="0"/>
+              <a:t>(</a:t>
+            </a:r>
+            <a:r>
+              <a:rPr lang="de-DE" dirty="0" err="1"/>
+              <a:t>string,string</a:t>
+            </a:r>
+            <a:r>
+              <a:rPr lang="de-DE" dirty="0"/>
+              <a:t>)</a:t>
+            </a:r>
+          </a:p>
+          <a:p>
+            <a:pPr lvl="1"/>
+            <a:r>
+              <a:rPr lang="de-DE" dirty="0"/>
+              <a:t>prüft, ob ein Element oder String (das erste Argument) einen anderen String (das zweite Argument) enthält</a:t>
+            </a:r>
+          </a:p>
+          <a:p>
+            <a:pPr lvl="1"/>
+            <a:r>
+              <a:rPr lang="de-DE" dirty="0"/>
+              <a:t>liefert einen Wahrheitswert zurück </a:t>
+            </a:r>
+          </a:p>
+          <a:p>
+            <a:pPr lvl="1"/>
+            <a:r>
+              <a:rPr lang="de-DE" dirty="0"/>
+              <a:t>Auf Deutsch: Enthält die erste Zeichenkette die zweite? Wahr oder falsch? True / </a:t>
+            </a:r>
+            <a:r>
+              <a:rPr lang="de-DE" dirty="0" err="1"/>
+              <a:t>False</a:t>
+            </a:r>
+            <a:r>
+              <a:rPr lang="de-DE" dirty="0"/>
+              <a:t>?</a:t>
+            </a:r>
+          </a:p>
+          <a:p>
+            <a:pPr lvl="1"/>
+            <a:endParaRPr lang="de-DE" dirty="0"/>
+          </a:p>
+          <a:p>
+            <a:r>
+              <a:rPr lang="de-DE" dirty="0" err="1"/>
+              <a:t>contains</a:t>
+            </a:r>
+            <a:r>
+              <a:rPr lang="de-DE" dirty="0"/>
+              <a:t>('</a:t>
+            </a:r>
+            <a:r>
+              <a:rPr lang="de-DE" dirty="0" err="1"/>
+              <a:t>Schnecke','ecke</a:t>
+            </a:r>
+            <a:r>
+              <a:rPr lang="de-DE" dirty="0"/>
+              <a:t>')</a:t>
+            </a:r>
+          </a:p>
+          <a:p>
+            <a:pPr lvl="1"/>
+            <a:r>
+              <a:rPr lang="de-DE" dirty="0"/>
+              <a:t>Deutsch: Enthält der String Schnecke den String ecke?</a:t>
+            </a:r>
+          </a:p>
+          <a:p>
+            <a:pPr lvl="1"/>
+            <a:r>
+              <a:rPr lang="de-DE" dirty="0"/>
+              <a:t>Rückgabe: </a:t>
+            </a:r>
+            <a:r>
+              <a:rPr lang="de-DE" dirty="0" err="1"/>
+              <a:t>true</a:t>
+            </a:r>
+            <a:endParaRPr lang="de-DE" dirty="0"/>
+          </a:p>
+          <a:p>
+            <a:endParaRPr lang="de-DE" dirty="0"/>
+          </a:p>
+          <a:p>
+            <a:r>
+              <a:rPr lang="de-DE" dirty="0"/>
+              <a:t>//</a:t>
+            </a:r>
+            <a:r>
+              <a:rPr lang="de-DE" dirty="0" err="1"/>
+              <a:t>name</a:t>
+            </a:r>
+            <a:r>
+              <a:rPr lang="de-DE" dirty="0"/>
+              <a:t>[@type='</a:t>
+            </a:r>
+            <a:r>
+              <a:rPr lang="de-DE" dirty="0" err="1"/>
+              <a:t>person</a:t>
+            </a:r>
+            <a:r>
+              <a:rPr lang="de-DE" dirty="0"/>
+              <a:t>'][</a:t>
+            </a:r>
+            <a:r>
+              <a:rPr lang="de-DE" dirty="0" err="1"/>
+              <a:t>contains</a:t>
+            </a:r>
+            <a:r>
+              <a:rPr lang="de-DE" dirty="0"/>
+              <a:t>(., 'Schmid')]</a:t>
+            </a:r>
+          </a:p>
+          <a:p>
+            <a:pPr lvl="1"/>
+            <a:r>
+              <a:rPr lang="de-DE" dirty="0"/>
+              <a:t>Deutsch: Gibt es in meinem Baum ein Element </a:t>
+            </a:r>
+            <a:r>
+              <a:rPr lang="de-DE" dirty="0" err="1"/>
+              <a:t>name</a:t>
+            </a:r>
+            <a:r>
+              <a:rPr lang="de-DE" dirty="0"/>
+              <a:t>, das vom Typ „Person“ ist und den String Schmid enthält?</a:t>
+            </a:r>
+          </a:p>
+          <a:p>
+            <a:pPr lvl="1"/>
+            <a:r>
+              <a:rPr lang="de-DE" dirty="0"/>
+              <a:t>Rückgabe: Alle Elemente </a:t>
+            </a:r>
+            <a:r>
+              <a:rPr lang="de-DE" dirty="0" err="1"/>
+              <a:t>name</a:t>
+            </a:r>
+            <a:r>
+              <a:rPr lang="de-DE" dirty="0"/>
+              <a:t>, für die das Prädikat "</a:t>
+            </a:r>
+            <a:r>
+              <a:rPr lang="de-DE" dirty="0" err="1"/>
+              <a:t>true</a:t>
+            </a:r>
+            <a:r>
+              <a:rPr lang="de-DE" dirty="0"/>
+              <a:t>" zurückgibt (Knotenset)</a:t>
+            </a:r>
+          </a:p>
+          <a:p>
+            <a:endParaRPr lang="de-DE" dirty="0"/>
+          </a:p>
+        </p:txBody>
+      </p:sp>
+      <p:sp>
+        <p:nvSpPr>
+          <p:cNvPr id="4" name="Textfeld 3">
+            <a:extLst>
+              <a:ext uri="{FF2B5EF4-FFF2-40B4-BE49-F238E27FC236}">
+                <a16:creationId xmlns:a16="http://schemas.microsoft.com/office/drawing/2014/main" id="{688A86A7-11AF-4F30-9DD0-DBF02BEFC53B}"/>
+              </a:ext>
+            </a:extLst>
+          </p:cNvPr>
+          <p:cNvSpPr txBox="1"/>
+          <p:nvPr/>
+        </p:nvSpPr>
+        <p:spPr>
+          <a:xfrm>
+            <a:off x="8736676" y="6081067"/>
+            <a:ext cx="3150524" cy="461665"/>
+          </a:xfrm>
+          <a:prstGeom prst="rect">
+            <a:avLst/>
+          </a:prstGeom>
+          <a:noFill/>
+        </p:spPr>
+        <p:txBody>
+          <a:bodyPr wrap="square" rtlCol="0">
+            <a:spAutoFit/>
+          </a:bodyPr>
+          <a:lstStyle/>
+          <a:p>
+            <a:r>
+              <a:rPr lang="de-DE" sz="800" dirty="0"/>
+              <a:t>Quelle: P. Sahle, „XML als Datenstruktur: Einführung in </a:t>
+            </a:r>
+            <a:r>
+              <a:rPr lang="de-DE" sz="800" dirty="0" err="1"/>
+              <a:t>Xpath</a:t>
+            </a:r>
+            <a:r>
+              <a:rPr lang="de-DE" sz="800" dirty="0"/>
+              <a:t>“, Winter School 2020, Wuppertal </a:t>
+            </a:r>
+            <a:r>
+              <a:rPr lang="de-DE" sz="800" dirty="0">
+                <a:hlinkClick r:id="rId2"/>
+              </a:rPr>
+              <a:t>https://www.i-d-e.de/wp-content/uploads/2020/02/02_XML-Einf%C3%BChrung.pdf</a:t>
+            </a:r>
+            <a:r>
+              <a:rPr lang="de-DE" sz="800" dirty="0"/>
+              <a:t> </a:t>
+            </a:r>
+          </a:p>
+        </p:txBody>
+      </p:sp>
+    </p:spTree>
+    <p:extLst>
+      <p:ext uri="{BB962C8B-B14F-4D97-AF65-F5344CB8AC3E}">
+        <p14:creationId xmlns:p14="http://schemas.microsoft.com/office/powerpoint/2010/main" val="2647548360"/>
+      </p:ext>
+    </p:extLst>
+  </p:cSld>
+  <p:clrMapOvr>
+    <a:masterClrMapping/>
+  </p:clrMapOvr>
+</p:sld>
+</file>
+
+<file path=ppt/slides/slide21.xml><?xml version="1.0" encoding="utf-8"?>
 <p:sld xmlns:a="http://schemas.openxmlformats.org/drawingml/2006/main" xmlns:r="http://schemas.openxmlformats.org/officeDocument/2006/relationships" xmlns:p="http://schemas.openxmlformats.org/presentationml/2006/main">
   <p:cSld>
     <p:spTree>
@@ -5293,7 +7639,7 @@
 </p:sld>
 </file>
 
-<file path=ppt/slides/slide17.xml><?xml version="1.0" encoding="utf-8"?>
+<file path=ppt/slides/slide22.xml><?xml version="1.0" encoding="utf-8"?>
 <p:sld xmlns:a="http://schemas.openxmlformats.org/drawingml/2006/main" xmlns:r="http://schemas.openxmlformats.org/officeDocument/2006/relationships" xmlns:p="http://schemas.openxmlformats.org/presentationml/2006/main">
   <p:cSld>
     <p:spTree>
@@ -5540,7 +7886,7 @@
 </p:sld>
 </file>
 
-<file path=ppt/slides/slide18.xml><?xml version="1.0" encoding="utf-8"?>
+<file path=ppt/slides/slide23.xml><?xml version="1.0" encoding="utf-8"?>
 <p:sld xmlns:a="http://schemas.openxmlformats.org/drawingml/2006/main" xmlns:r="http://schemas.openxmlformats.org/officeDocument/2006/relationships" xmlns:p="http://schemas.openxmlformats.org/presentationml/2006/main">
   <p:cSld>
     <p:spTree>
@@ -5888,7 +8234,7 @@
 </p:sld>
 </file>
 
-<file path=ppt/slides/slide19.xml><?xml version="1.0" encoding="utf-8"?>
+<file path=ppt/slides/slide24.xml><?xml version="1.0" encoding="utf-8"?>
 <p:sld xmlns:a="http://schemas.openxmlformats.org/drawingml/2006/main" xmlns:r="http://schemas.openxmlformats.org/officeDocument/2006/relationships" xmlns:p="http://schemas.openxmlformats.org/presentationml/2006/main">
   <p:cSld>
     <p:spTree>
@@ -6277,7 +8623,7 @@
 </p:sld>
 </file>
 
-<file path=ppt/slides/slide2.xml><?xml version="1.0" encoding="utf-8"?>
+<file path=ppt/slides/slide25.xml><?xml version="1.0" encoding="utf-8"?>
 <p:sld xmlns:a="http://schemas.openxmlformats.org/drawingml/2006/main" xmlns:r="http://schemas.openxmlformats.org/officeDocument/2006/relationships" xmlns:p="http://schemas.openxmlformats.org/presentationml/2006/main">
   <p:cSld>
     <p:spTree>
@@ -6299,7 +8645,7 @@
           <p:cNvPr id="2" name="Titel 1">
             <a:extLst>
               <a:ext uri="{FF2B5EF4-FFF2-40B4-BE49-F238E27FC236}">
-                <a16:creationId xmlns:a16="http://schemas.microsoft.com/office/drawing/2014/main" id="{2B7C99B9-E906-42B1-A213-B880E3B51D19}"/>
+                <a16:creationId xmlns:a16="http://schemas.microsoft.com/office/drawing/2014/main" id="{AB32E9E2-7334-4C27-BD64-F81A2CE2E0E3}"/>
               </a:ext>
             </a:extLst>
           </p:cNvPr>
@@ -6312,14 +8658,12 @@
         </p:nvSpPr>
         <p:spPr/>
         <p:txBody>
-          <a:bodyPr>
-            <a:normAutofit/>
-          </a:bodyPr>
-          <a:lstStyle/>
-          <a:p>
-            <a:r>
-              <a:rPr lang="de-DE" sz="3600" dirty="0"/>
-              <a:t>Übersicht</a:t>
+          <a:bodyPr/>
+          <a:lstStyle/>
+          <a:p>
+            <a:r>
+              <a:rPr lang="de-DE" dirty="0"/>
+              <a:t>Übungen IV</a:t>
             </a:r>
           </a:p>
         </p:txBody>
@@ -6329,7 +8673,7 @@
           <p:cNvPr id="3" name="Inhaltsplatzhalter 2">
             <a:extLst>
               <a:ext uri="{FF2B5EF4-FFF2-40B4-BE49-F238E27FC236}">
-                <a16:creationId xmlns:a16="http://schemas.microsoft.com/office/drawing/2014/main" id="{384E24C8-A3A4-4B3B-9A2F-3214A513C450}"/>
+                <a16:creationId xmlns:a16="http://schemas.microsoft.com/office/drawing/2014/main" id="{327B4034-100E-4CA2-A1AF-62949DD52A9C}"/>
               </a:ext>
             </a:extLst>
           </p:cNvPr>
@@ -6348,47 +8692,16 @@
           <a:lstStyle/>
           <a:p>
             <a:r>
-              <a:rPr lang="de-DE" dirty="0" err="1"/>
-              <a:t>XPath</a:t>
-            </a:r>
-            <a:r>
-              <a:rPr lang="de-DE" dirty="0"/>
-              <a:t> als Hilfsmittel</a:t>
-            </a:r>
-          </a:p>
-          <a:p>
-            <a:r>
-              <a:rPr lang="de-DE" dirty="0" err="1"/>
-              <a:t>XPath</a:t>
-            </a:r>
-            <a:r>
-              <a:rPr lang="de-DE" dirty="0"/>
-              <a:t> als Standard</a:t>
-            </a:r>
-          </a:p>
-          <a:p>
-            <a:r>
-              <a:rPr lang="de-DE" dirty="0"/>
-              <a:t>Konzepte und Funktionsweise</a:t>
-            </a:r>
-          </a:p>
-          <a:p>
-            <a:r>
-              <a:rPr lang="de-DE" dirty="0"/>
-              <a:t>Zusatz: </a:t>
-            </a:r>
-            <a:r>
-              <a:rPr lang="de-DE" dirty="0" err="1"/>
-              <a:t>Regex</a:t>
-            </a:r>
-            <a:endParaRPr lang="de-DE" dirty="0"/>
+              <a:rPr lang="de-DE" dirty="0"/>
+              <a:t>Welche Fragen haben Sie / habt ihr?</a:t>
+            </a:r>
           </a:p>
         </p:txBody>
       </p:sp>
     </p:spTree>
     <p:extLst>
       <p:ext uri="{BB962C8B-B14F-4D97-AF65-F5344CB8AC3E}">
-        <p14:creationId xmlns:p14="http://schemas.microsoft.com/office/powerpoint/2010/main" val="1785676973"/>
+        <p14:creationId xmlns:p14="http://schemas.microsoft.com/office/powerpoint/2010/main" val="1026430338"/>
       </p:ext>
     </p:extLst>
   </p:cSld>
@@ -6398,7 +8711,7 @@
 </p:sld>
 </file>
 
-<file path=ppt/slides/slide20.xml><?xml version="1.0" encoding="utf-8"?>
+<file path=ppt/slides/slide26.xml><?xml version="1.0" encoding="utf-8"?>
 <p:sld xmlns:a="http://schemas.openxmlformats.org/drawingml/2006/main" xmlns:r="http://schemas.openxmlformats.org/officeDocument/2006/relationships" xmlns:p="http://schemas.openxmlformats.org/presentationml/2006/main">
   <p:cSld>
     <p:spTree>
@@ -6438,7 +8751,7 @@
           <a:p>
             <a:r>
               <a:rPr lang="de-DE" dirty="0"/>
-              <a:t>Übungen IV</a:t>
+              <a:t>Literatur</a:t>
             </a:r>
           </a:p>
         </p:txBody>
@@ -6467,8 +8780,76 @@
           <a:lstStyle/>
           <a:p>
             <a:r>
-              <a:rPr lang="de-DE" dirty="0"/>
-              <a:t>Welche Fragen haben Sie / habt ihr?</a:t>
+              <a:rPr lang="de-DE"/>
+              <a:t>Übersichten</a:t>
+            </a:r>
+            <a:br>
+              <a:rPr lang="de-DE" dirty="0"/>
+            </a:br>
+            <a:r>
+              <a:rPr lang="de-DE" dirty="0">
+                <a:hlinkClick r:id="rId2"/>
+              </a:rPr>
+              <a:t>https://www.data2type.de/xml-xslt-xslfo/xpath/referenz/</a:t>
+            </a:r>
+            <a:r>
+              <a:rPr lang="de-DE" dirty="0"/>
+              <a:t> </a:t>
+            </a:r>
+            <a:br>
+              <a:rPr lang="de-DE" dirty="0"/>
+            </a:br>
+            <a:r>
+              <a:rPr lang="de-DE" dirty="0">
+                <a:hlinkClick r:id="rId3"/>
+              </a:rPr>
+              <a:t>https://www.w3schools.com/xml/xsl_functions.asp</a:t>
+            </a:r>
+            <a:r>
+              <a:rPr lang="de-DE" dirty="0"/>
+              <a:t> </a:t>
+            </a:r>
+            <a:br>
+              <a:rPr lang="de-DE" dirty="0"/>
+            </a:br>
+            <a:r>
+              <a:rPr lang="de-DE" dirty="0">
+                <a:hlinkClick r:id="rId4"/>
+              </a:rPr>
+              <a:t>https://www.w3schools.com/xml/xpath_intro.asp</a:t>
+            </a:r>
+            <a:endParaRPr lang="de-DE" dirty="0"/>
+          </a:p>
+          <a:p>
+            <a:r>
+              <a:rPr lang="de-DE" dirty="0"/>
+              <a:t>Referenzen</a:t>
+            </a:r>
+            <a:br>
+              <a:rPr lang="de-DE" dirty="0"/>
+            </a:br>
+            <a:r>
+              <a:rPr lang="de-DE" dirty="0">
+                <a:hlinkClick r:id="rId5"/>
+              </a:rPr>
+              <a:t>https://www.w3.org/TR/xpath-31/</a:t>
+            </a:r>
+            <a:r>
+              <a:rPr lang="de-DE" dirty="0"/>
+              <a:t> </a:t>
+            </a:r>
+            <a:br>
+              <a:rPr lang="de-DE" dirty="0"/>
+            </a:br>
+            <a:r>
+              <a:rPr lang="de-DE" dirty="0">
+                <a:hlinkClick r:id="rId6"/>
+              </a:rPr>
+              <a:t>https://www.w3.org/TR/xpath-functions-31/</a:t>
+            </a:r>
+            <a:r>
+              <a:rPr lang="de-DE" dirty="0"/>
+              <a:t> </a:t>
             </a:r>
           </a:p>
         </p:txBody>
@@ -6476,7 +8857,7 @@
     </p:spTree>
     <p:extLst>
       <p:ext uri="{BB962C8B-B14F-4D97-AF65-F5344CB8AC3E}">
-        <p14:creationId xmlns:p14="http://schemas.microsoft.com/office/powerpoint/2010/main" val="1026430338"/>
+        <p14:creationId xmlns:p14="http://schemas.microsoft.com/office/powerpoint/2010/main" val="223899824"/>
       </p:ext>
     </p:extLst>
   </p:cSld>
@@ -6486,7 +8867,7 @@
 </p:sld>
 </file>
 
-<file path=ppt/slides/slide21.xml><?xml version="1.0" encoding="utf-8"?>
+<file path=ppt/slides/slide27.xml><?xml version="1.0" encoding="utf-8"?>
 <p:sld xmlns:a="http://schemas.openxmlformats.org/drawingml/2006/main" xmlns:r="http://schemas.openxmlformats.org/officeDocument/2006/relationships" xmlns:p="http://schemas.openxmlformats.org/presentationml/2006/main">
   <p:cSld>
     <p:spTree>
@@ -7316,8 +9697,8 @@
         </p:nvSpPr>
         <p:spPr>
           <a:xfrm>
-            <a:off x="618040" y="1837306"/>
-            <a:ext cx="1784338" cy="369332"/>
+            <a:off x="618039" y="1612863"/>
+            <a:ext cx="2382855" cy="400110"/>
           </a:xfrm>
           <a:prstGeom prst="rect">
             <a:avLst/>
@@ -7335,58 +9716,36 @@
               <a:buChar char="•"/>
             </a:pPr>
             <a:r>
-              <a:rPr lang="de-DE" dirty="0"/>
-              <a:t>Textsequenz…</a:t>
-            </a:r>
-          </a:p>
-        </p:txBody>
-      </p:sp>
-      <p:pic>
-        <p:nvPicPr>
-          <p:cNvPr id="14" name="Grafik 13">
-            <a:extLst>
-              <a:ext uri="{FF2B5EF4-FFF2-40B4-BE49-F238E27FC236}">
-                <a16:creationId xmlns:a16="http://schemas.microsoft.com/office/drawing/2014/main" id="{9376F452-5ABE-4844-B665-BA27E70A8C27}"/>
-              </a:ext>
-            </a:extLst>
-          </p:cNvPr>
-          <p:cNvPicPr>
-            <a:picLocks noChangeAspect="1"/>
-          </p:cNvPicPr>
+              <a:rPr lang="de-DE" sz="2000" dirty="0"/>
+              <a:t>Text</a:t>
+            </a:r>
+            <a:r>
+              <a:rPr lang="de-DE" sz="2000" b="1" dirty="0"/>
+              <a:t>sequenz</a:t>
+            </a:r>
+            <a:r>
+              <a:rPr lang="de-DE" sz="2000" dirty="0"/>
+              <a:t>…</a:t>
+            </a:r>
+          </a:p>
+        </p:txBody>
+      </p:sp>
+      <p:sp>
+        <p:nvSpPr>
+          <p:cNvPr id="18" name="Textfeld 17">
+            <a:extLst>
+              <a:ext uri="{FF2B5EF4-FFF2-40B4-BE49-F238E27FC236}">
+                <a16:creationId xmlns:a16="http://schemas.microsoft.com/office/drawing/2014/main" id="{D5B9F3DC-9079-4F43-911D-55FCB8F70892}"/>
+              </a:ext>
+            </a:extLst>
+          </p:cNvPr>
+          <p:cNvSpPr txBox="1"/>
           <p:nvPr/>
-        </p:nvPicPr>
-        <p:blipFill>
-          <a:blip r:embed="rId2"/>
-          <a:stretch>
-            <a:fillRect/>
-          </a:stretch>
-        </p:blipFill>
+        </p:nvSpPr>
         <p:spPr>
           <a:xfrm>
-            <a:off x="618039" y="2988140"/>
-            <a:ext cx="11362405" cy="304826"/>
-          </a:xfrm>
-          <a:prstGeom prst="rect">
-            <a:avLst/>
-          </a:prstGeom>
-        </p:spPr>
-      </p:pic>
-      <p:sp>
-        <p:nvSpPr>
-          <p:cNvPr id="18" name="Textfeld 17">
-            <a:extLst>
-              <a:ext uri="{FF2B5EF4-FFF2-40B4-BE49-F238E27FC236}">
-                <a16:creationId xmlns:a16="http://schemas.microsoft.com/office/drawing/2014/main" id="{D5B9F3DC-9079-4F43-911D-55FCB8F70892}"/>
-              </a:ext>
-            </a:extLst>
-          </p:cNvPr>
-          <p:cNvSpPr txBox="1"/>
-          <p:nvPr/>
-        </p:nvSpPr>
-        <p:spPr>
-          <a:xfrm>
-            <a:off x="618039" y="2548982"/>
-            <a:ext cx="5477960" cy="369332"/>
+            <a:off x="618039" y="2598858"/>
+            <a:ext cx="7162674" cy="400110"/>
           </a:xfrm>
           <a:prstGeom prst="rect">
             <a:avLst/>
@@ -7404,162 +9763,238 @@
               <a:buChar char="•"/>
             </a:pPr>
             <a:r>
-              <a:rPr lang="de-DE" dirty="0"/>
-              <a:t>… wird mit tags umgeben -&gt; Text + tags = Elemente </a:t>
-            </a:r>
-          </a:p>
-        </p:txBody>
-      </p:sp>
-      <p:pic>
-        <p:nvPicPr>
-          <p:cNvPr id="21" name="Grafik 20">
-            <a:extLst>
-              <a:ext uri="{FF2B5EF4-FFF2-40B4-BE49-F238E27FC236}">
-                <a16:creationId xmlns:a16="http://schemas.microsoft.com/office/drawing/2014/main" id="{905D68EF-5EE7-4D8C-9784-7C299A800C9E}"/>
-              </a:ext>
-            </a:extLst>
-          </p:cNvPr>
-          <p:cNvPicPr>
-            <a:picLocks noChangeAspect="1"/>
-          </p:cNvPicPr>
+              <a:rPr lang="de-DE" sz="2000" dirty="0"/>
+              <a:t>… wird mit tags umgeben -&gt; Text + tags (+Attribute) = </a:t>
+            </a:r>
+            <a:r>
+              <a:rPr lang="de-DE" sz="2000" b="1" dirty="0"/>
+              <a:t>Elemente </a:t>
+            </a:r>
+          </a:p>
+        </p:txBody>
+      </p:sp>
+      <p:grpSp>
+        <p:nvGrpSpPr>
+          <p:cNvPr id="3" name="Gruppieren 2">
+            <a:extLst>
+              <a:ext uri="{FF2B5EF4-FFF2-40B4-BE49-F238E27FC236}">
+                <a16:creationId xmlns:a16="http://schemas.microsoft.com/office/drawing/2014/main" id="{1CE783D8-B2B1-491A-BC65-0EF09A532E21}"/>
+              </a:ext>
+            </a:extLst>
+          </p:cNvPr>
+          <p:cNvGrpSpPr/>
           <p:nvPr/>
-        </p:nvPicPr>
-        <p:blipFill>
-          <a:blip r:embed="rId3"/>
-          <a:stretch>
-            <a:fillRect/>
-          </a:stretch>
-        </p:blipFill>
+        </p:nvGrpSpPr>
+        <p:grpSpPr>
+          <a:xfrm>
+            <a:off x="3269799" y="1587630"/>
+            <a:ext cx="3993226" cy="427803"/>
+            <a:chOff x="618039" y="2159575"/>
+            <a:chExt cx="3993226" cy="427803"/>
+          </a:xfrm>
+        </p:grpSpPr>
+        <p:pic>
+          <p:nvPicPr>
+            <p:cNvPr id="21" name="Grafik 20">
+              <a:extLst>
+                <a:ext uri="{FF2B5EF4-FFF2-40B4-BE49-F238E27FC236}">
+                  <a16:creationId xmlns:a16="http://schemas.microsoft.com/office/drawing/2014/main" id="{905D68EF-5EE7-4D8C-9784-7C299A800C9E}"/>
+                </a:ext>
+              </a:extLst>
+            </p:cNvPr>
+            <p:cNvPicPr>
+              <a:picLocks noChangeAspect="1"/>
+            </p:cNvPicPr>
+            <p:nvPr/>
+          </p:nvPicPr>
+          <p:blipFill>
+            <a:blip r:embed="rId2"/>
+            <a:stretch>
+              <a:fillRect/>
+            </a:stretch>
+          </p:blipFill>
+          <p:spPr>
+            <a:xfrm>
+              <a:off x="618039" y="2159575"/>
+              <a:ext cx="3993226" cy="419136"/>
+            </a:xfrm>
+            <a:prstGeom prst="rect">
+              <a:avLst/>
+            </a:prstGeom>
+          </p:spPr>
+        </p:pic>
+        <p:sp>
+          <p:nvSpPr>
+            <p:cNvPr id="22" name="Ellipse 21">
+              <a:extLst>
+                <a:ext uri="{FF2B5EF4-FFF2-40B4-BE49-F238E27FC236}">
+                  <a16:creationId xmlns:a16="http://schemas.microsoft.com/office/drawing/2014/main" id="{A7CDF8A5-F907-4E13-8C9E-90EB462D6378}"/>
+                </a:ext>
+              </a:extLst>
+            </p:cNvPr>
+            <p:cNvSpPr/>
+            <p:nvPr/>
+          </p:nvSpPr>
+          <p:spPr>
+            <a:xfrm>
+              <a:off x="3396285" y="2168242"/>
+              <a:ext cx="864524" cy="419136"/>
+            </a:xfrm>
+            <a:prstGeom prst="ellipse">
+              <a:avLst/>
+            </a:prstGeom>
+            <a:noFill/>
+            <a:ln>
+              <a:solidFill>
+                <a:srgbClr val="FF0000"/>
+              </a:solidFill>
+            </a:ln>
+          </p:spPr>
+          <p:style>
+            <a:lnRef idx="2">
+              <a:schemeClr val="accent1">
+                <a:shade val="50000"/>
+              </a:schemeClr>
+            </a:lnRef>
+            <a:fillRef idx="1">
+              <a:schemeClr val="accent1"/>
+            </a:fillRef>
+            <a:effectRef idx="0">
+              <a:schemeClr val="accent1"/>
+            </a:effectRef>
+            <a:fontRef idx="minor">
+              <a:schemeClr val="lt1"/>
+            </a:fontRef>
+          </p:style>
+          <p:txBody>
+            <a:bodyPr rtlCol="0" anchor="ctr"/>
+            <a:lstStyle/>
+            <a:p>
+              <a:pPr algn="ctr"/>
+              <a:endParaRPr lang="de-DE"/>
+            </a:p>
+          </p:txBody>
+        </p:sp>
+      </p:grpSp>
+      <p:grpSp>
+        <p:nvGrpSpPr>
+          <p:cNvPr id="4" name="Gruppieren 3">
+            <a:extLst>
+              <a:ext uri="{FF2B5EF4-FFF2-40B4-BE49-F238E27FC236}">
+                <a16:creationId xmlns:a16="http://schemas.microsoft.com/office/drawing/2014/main" id="{79F0F550-D7A0-42AA-8F7C-8905EE3C9FEA}"/>
+              </a:ext>
+            </a:extLst>
+          </p:cNvPr>
+          <p:cNvGrpSpPr/>
+          <p:nvPr/>
+        </p:nvGrpSpPr>
+        <p:grpSpPr>
+          <a:xfrm>
+            <a:off x="618039" y="3029990"/>
+            <a:ext cx="11362405" cy="598562"/>
+            <a:chOff x="618039" y="2847110"/>
+            <a:chExt cx="11362405" cy="598562"/>
+          </a:xfrm>
+        </p:grpSpPr>
+        <p:pic>
+          <p:nvPicPr>
+            <p:cNvPr id="14" name="Grafik 13">
+              <a:extLst>
+                <a:ext uri="{FF2B5EF4-FFF2-40B4-BE49-F238E27FC236}">
+                  <a16:creationId xmlns:a16="http://schemas.microsoft.com/office/drawing/2014/main" id="{9376F452-5ABE-4844-B665-BA27E70A8C27}"/>
+                </a:ext>
+              </a:extLst>
+            </p:cNvPr>
+            <p:cNvPicPr>
+              <a:picLocks noChangeAspect="1"/>
+            </p:cNvPicPr>
+            <p:nvPr/>
+          </p:nvPicPr>
+          <p:blipFill>
+            <a:blip r:embed="rId3"/>
+            <a:stretch>
+              <a:fillRect/>
+            </a:stretch>
+          </p:blipFill>
+          <p:spPr>
+            <a:xfrm>
+              <a:off x="618039" y="2988140"/>
+              <a:ext cx="11362405" cy="304826"/>
+            </a:xfrm>
+            <a:prstGeom prst="rect">
+              <a:avLst/>
+            </a:prstGeom>
+          </p:spPr>
+        </p:pic>
+        <p:sp>
+          <p:nvSpPr>
+            <p:cNvPr id="23" name="Ellipse 22">
+              <a:extLst>
+                <a:ext uri="{FF2B5EF4-FFF2-40B4-BE49-F238E27FC236}">
+                  <a16:creationId xmlns:a16="http://schemas.microsoft.com/office/drawing/2014/main" id="{49226762-F528-4FBF-907F-7AD601B1263C}"/>
+                </a:ext>
+              </a:extLst>
+            </p:cNvPr>
+            <p:cNvSpPr/>
+            <p:nvPr/>
+          </p:nvSpPr>
+          <p:spPr>
+            <a:xfrm>
+              <a:off x="3150523" y="2847110"/>
+              <a:ext cx="5187141" cy="598562"/>
+            </a:xfrm>
+            <a:prstGeom prst="ellipse">
+              <a:avLst/>
+            </a:prstGeom>
+            <a:noFill/>
+            <a:ln>
+              <a:solidFill>
+                <a:srgbClr val="FF0000"/>
+              </a:solidFill>
+            </a:ln>
+          </p:spPr>
+          <p:style>
+            <a:lnRef idx="2">
+              <a:schemeClr val="accent1">
+                <a:shade val="50000"/>
+              </a:schemeClr>
+            </a:lnRef>
+            <a:fillRef idx="1">
+              <a:schemeClr val="accent1"/>
+            </a:fillRef>
+            <a:effectRef idx="0">
+              <a:schemeClr val="accent1"/>
+            </a:effectRef>
+            <a:fontRef idx="minor">
+              <a:schemeClr val="lt1"/>
+            </a:fontRef>
+          </p:style>
+          <p:txBody>
+            <a:bodyPr rtlCol="0" anchor="ctr"/>
+            <a:lstStyle/>
+            <a:p>
+              <a:pPr algn="ctr"/>
+              <a:endParaRPr lang="de-DE"/>
+            </a:p>
+          </p:txBody>
+        </p:sp>
+      </p:grpSp>
+      <p:sp>
+        <p:nvSpPr>
+          <p:cNvPr id="24" name="Textfeld 23">
+            <a:extLst>
+              <a:ext uri="{FF2B5EF4-FFF2-40B4-BE49-F238E27FC236}">
+                <a16:creationId xmlns:a16="http://schemas.microsoft.com/office/drawing/2014/main" id="{70C50431-822A-463A-B8FD-4027C098E6D9}"/>
+              </a:ext>
+            </a:extLst>
+          </p:cNvPr>
+          <p:cNvSpPr txBox="1"/>
+          <p:nvPr/>
+        </p:nvSpPr>
         <p:spPr>
           <a:xfrm>
-            <a:off x="618039" y="2159575"/>
-            <a:ext cx="3993226" cy="419136"/>
-          </a:xfrm>
-          <a:prstGeom prst="rect">
-            <a:avLst/>
-          </a:prstGeom>
-        </p:spPr>
-      </p:pic>
-      <p:sp>
-        <p:nvSpPr>
-          <p:cNvPr id="22" name="Ellipse 21">
-            <a:extLst>
-              <a:ext uri="{FF2B5EF4-FFF2-40B4-BE49-F238E27FC236}">
-                <a16:creationId xmlns:a16="http://schemas.microsoft.com/office/drawing/2014/main" id="{A7CDF8A5-F907-4E13-8C9E-90EB462D6378}"/>
-              </a:ext>
-            </a:extLst>
-          </p:cNvPr>
-          <p:cNvSpPr/>
-          <p:nvPr/>
-        </p:nvSpPr>
-        <p:spPr>
-          <a:xfrm>
-            <a:off x="3396285" y="2168242"/>
-            <a:ext cx="864524" cy="419136"/>
-          </a:xfrm>
-          <a:prstGeom prst="ellipse">
-            <a:avLst/>
-          </a:prstGeom>
-          <a:noFill/>
-          <a:ln>
-            <a:solidFill>
-              <a:srgbClr val="FF0000"/>
-            </a:solidFill>
-          </a:ln>
-        </p:spPr>
-        <p:style>
-          <a:lnRef idx="2">
-            <a:schemeClr val="accent1">
-              <a:shade val="50000"/>
-            </a:schemeClr>
-          </a:lnRef>
-          <a:fillRef idx="1">
-            <a:schemeClr val="accent1"/>
-          </a:fillRef>
-          <a:effectRef idx="0">
-            <a:schemeClr val="accent1"/>
-          </a:effectRef>
-          <a:fontRef idx="minor">
-            <a:schemeClr val="lt1"/>
-          </a:fontRef>
-        </p:style>
-        <p:txBody>
-          <a:bodyPr rtlCol="0" anchor="ctr"/>
-          <a:lstStyle/>
-          <a:p>
-            <a:pPr algn="ctr"/>
-            <a:endParaRPr lang="de-DE"/>
-          </a:p>
-        </p:txBody>
-      </p:sp>
-      <p:sp>
-        <p:nvSpPr>
-          <p:cNvPr id="23" name="Ellipse 22">
-            <a:extLst>
-              <a:ext uri="{FF2B5EF4-FFF2-40B4-BE49-F238E27FC236}">
-                <a16:creationId xmlns:a16="http://schemas.microsoft.com/office/drawing/2014/main" id="{49226762-F528-4FBF-907F-7AD601B1263C}"/>
-              </a:ext>
-            </a:extLst>
-          </p:cNvPr>
-          <p:cNvSpPr/>
-          <p:nvPr/>
-        </p:nvSpPr>
-        <p:spPr>
-          <a:xfrm>
-            <a:off x="3150523" y="2847110"/>
-            <a:ext cx="5187141" cy="598562"/>
-          </a:xfrm>
-          <a:prstGeom prst="ellipse">
-            <a:avLst/>
-          </a:prstGeom>
-          <a:noFill/>
-          <a:ln>
-            <a:solidFill>
-              <a:srgbClr val="FF0000"/>
-            </a:solidFill>
-          </a:ln>
-        </p:spPr>
-        <p:style>
-          <a:lnRef idx="2">
-            <a:schemeClr val="accent1">
-              <a:shade val="50000"/>
-            </a:schemeClr>
-          </a:lnRef>
-          <a:fillRef idx="1">
-            <a:schemeClr val="accent1"/>
-          </a:fillRef>
-          <a:effectRef idx="0">
-            <a:schemeClr val="accent1"/>
-          </a:effectRef>
-          <a:fontRef idx="minor">
-            <a:schemeClr val="lt1"/>
-          </a:fontRef>
-        </p:style>
-        <p:txBody>
-          <a:bodyPr rtlCol="0" anchor="ctr"/>
-          <a:lstStyle/>
-          <a:p>
-            <a:pPr algn="ctr"/>
-            <a:endParaRPr lang="de-DE"/>
-          </a:p>
-        </p:txBody>
-      </p:sp>
-      <p:sp>
-        <p:nvSpPr>
-          <p:cNvPr id="24" name="Textfeld 23">
-            <a:extLst>
-              <a:ext uri="{FF2B5EF4-FFF2-40B4-BE49-F238E27FC236}">
-                <a16:creationId xmlns:a16="http://schemas.microsoft.com/office/drawing/2014/main" id="{70C50431-822A-463A-B8FD-4027C098E6D9}"/>
-              </a:ext>
-            </a:extLst>
-          </p:cNvPr>
-          <p:cNvSpPr txBox="1"/>
-          <p:nvPr/>
-        </p:nvSpPr>
-        <p:spPr>
-          <a:xfrm>
-            <a:off x="618039" y="3365801"/>
-            <a:ext cx="5477960" cy="646331"/>
+            <a:off x="618039" y="4003606"/>
+            <a:ext cx="8883408" cy="400110"/>
           </a:xfrm>
           <a:prstGeom prst="rect">
             <a:avLst/>
@@ -7577,8 +10012,12 @@
               <a:buChar char="•"/>
             </a:pPr>
             <a:r>
-              <a:rPr lang="de-DE" dirty="0"/>
-              <a:t>… Elemente werden von Elementen umgeben -&gt; Verschachtelung </a:t>
+              <a:rPr lang="de-DE" sz="2000" dirty="0"/>
+              <a:t>… Elemente werden von Elementen umgeben -&gt; </a:t>
+            </a:r>
+            <a:r>
+              <a:rPr lang="de-DE" sz="2000" b="1" dirty="0"/>
+              <a:t>Verschachtelung </a:t>
             </a:r>
           </a:p>
         </p:txBody>
@@ -7605,7 +10044,7 @@
         </p:blipFill>
         <p:spPr>
           <a:xfrm>
-            <a:off x="618039" y="4084967"/>
+            <a:off x="618039" y="4533855"/>
             <a:ext cx="7747828" cy="1866946"/>
           </a:xfrm>
           <a:prstGeom prst="rect">
@@ -7643,209 +10082,6 @@
           <a:chExt cx="0" cy="0"/>
         </a:xfrm>
       </p:grpSpPr>
-      <p:sp>
-        <p:nvSpPr>
-          <p:cNvPr id="2" name="Titel 1">
-            <a:extLst>
-              <a:ext uri="{FF2B5EF4-FFF2-40B4-BE49-F238E27FC236}">
-                <a16:creationId xmlns:a16="http://schemas.microsoft.com/office/drawing/2014/main" id="{58F1B0DC-2704-48CE-ACDF-C81B74F08606}"/>
-              </a:ext>
-            </a:extLst>
-          </p:cNvPr>
-          <p:cNvSpPr>
-            <a:spLocks noGrp="1"/>
-          </p:cNvSpPr>
-          <p:nvPr>
-            <p:ph type="title"/>
-          </p:nvPr>
-        </p:nvSpPr>
-        <p:spPr/>
-        <p:txBody>
-          <a:bodyPr/>
-          <a:lstStyle/>
-          <a:p>
-            <a:r>
-              <a:rPr lang="de-DE" dirty="0"/>
-              <a:t>Der Wald vor lauter Bäumen…</a:t>
-            </a:r>
-          </a:p>
-        </p:txBody>
-      </p:sp>
-      <p:sp>
-        <p:nvSpPr>
-          <p:cNvPr id="11" name="Textfeld 10">
-            <a:extLst>
-              <a:ext uri="{FF2B5EF4-FFF2-40B4-BE49-F238E27FC236}">
-                <a16:creationId xmlns:a16="http://schemas.microsoft.com/office/drawing/2014/main" id="{494A99F1-C1A7-4B78-9B60-AD1DCBB9D22B}"/>
-              </a:ext>
-            </a:extLst>
-          </p:cNvPr>
-          <p:cNvSpPr txBox="1"/>
-          <p:nvPr/>
-        </p:nvSpPr>
-        <p:spPr>
-          <a:xfrm flipH="1">
-            <a:off x="593101" y="1690688"/>
-            <a:ext cx="6331400" cy="1200329"/>
-          </a:xfrm>
-          <a:prstGeom prst="rect">
-            <a:avLst/>
-          </a:prstGeom>
-          <a:noFill/>
-        </p:spPr>
-        <p:txBody>
-          <a:bodyPr wrap="square" rtlCol="0">
-            <a:spAutoFit/>
-          </a:bodyPr>
-          <a:lstStyle/>
-          <a:p>
-            <a:pPr marL="285750" indent="-285750">
-              <a:buFont typeface="Arial" panose="020B0604020202020204" pitchFamily="34" charset="0"/>
-              <a:buChar char="•"/>
-            </a:pPr>
-            <a:r>
-              <a:rPr lang="de-DE" dirty="0"/>
-              <a:t>Ein allererstes Element umschließt das gesamte Dokument</a:t>
-            </a:r>
-          </a:p>
-          <a:p>
-            <a:r>
-              <a:rPr lang="de-DE" dirty="0"/>
-              <a:t> -&gt; Hierarchie von oben nach unten </a:t>
-            </a:r>
-          </a:p>
-          <a:p>
-            <a:pPr marL="285750" indent="-285750">
-              <a:buFont typeface="Arial" panose="020B0604020202020204" pitchFamily="34" charset="0"/>
-              <a:buChar char="•"/>
-            </a:pPr>
-            <a:endParaRPr lang="de-DE" dirty="0"/>
-          </a:p>
-          <a:p>
-            <a:pPr marL="285750" indent="-285750">
-              <a:buFont typeface="Arial" panose="020B0604020202020204" pitchFamily="34" charset="0"/>
-              <a:buChar char="•"/>
-            </a:pPr>
-            <a:r>
-              <a:rPr lang="de-DE" dirty="0"/>
-              <a:t>Ein „umgedrehter Baum“?</a:t>
-            </a:r>
-          </a:p>
-        </p:txBody>
-      </p:sp>
-      <p:pic>
-        <p:nvPicPr>
-          <p:cNvPr id="3" name="Grafik 2">
-            <a:extLst>
-              <a:ext uri="{FF2B5EF4-FFF2-40B4-BE49-F238E27FC236}">
-                <a16:creationId xmlns:a16="http://schemas.microsoft.com/office/drawing/2014/main" id="{742430D9-0D07-425B-A6CB-F98AD69835AC}"/>
-              </a:ext>
-            </a:extLst>
-          </p:cNvPr>
-          <p:cNvPicPr>
-            <a:picLocks noChangeAspect="1"/>
-          </p:cNvPicPr>
-          <p:nvPr/>
-        </p:nvPicPr>
-        <p:blipFill>
-          <a:blip r:embed="rId2"/>
-          <a:stretch>
-            <a:fillRect/>
-          </a:stretch>
-        </p:blipFill>
-        <p:spPr>
-          <a:xfrm>
-            <a:off x="306186" y="3233759"/>
-            <a:ext cx="7237464" cy="2483443"/>
-          </a:xfrm>
-          <a:prstGeom prst="rect">
-            <a:avLst/>
-          </a:prstGeom>
-        </p:spPr>
-      </p:pic>
-      <p:sp>
-        <p:nvSpPr>
-          <p:cNvPr id="5" name="Textfeld 4">
-            <a:extLst>
-              <a:ext uri="{FF2B5EF4-FFF2-40B4-BE49-F238E27FC236}">
-                <a16:creationId xmlns:a16="http://schemas.microsoft.com/office/drawing/2014/main" id="{3B400700-32DD-4E30-94A1-DA3B84D12BFE}"/>
-              </a:ext>
-            </a:extLst>
-          </p:cNvPr>
-          <p:cNvSpPr txBox="1"/>
-          <p:nvPr/>
-        </p:nvSpPr>
-        <p:spPr>
-          <a:xfrm>
-            <a:off x="8695113" y="6149465"/>
-            <a:ext cx="3150524" cy="461665"/>
-          </a:xfrm>
-          <a:prstGeom prst="rect">
-            <a:avLst/>
-          </a:prstGeom>
-          <a:noFill/>
-        </p:spPr>
-        <p:txBody>
-          <a:bodyPr wrap="square" rtlCol="0">
-            <a:spAutoFit/>
-          </a:bodyPr>
-          <a:lstStyle/>
-          <a:p>
-            <a:r>
-              <a:rPr lang="de-DE" sz="800" dirty="0"/>
-              <a:t>Quelle: P. Sahle, „XML als Datenstruktur: Einführung in </a:t>
-            </a:r>
-            <a:r>
-              <a:rPr lang="de-DE" sz="800" dirty="0" err="1"/>
-              <a:t>Xpath</a:t>
-            </a:r>
-            <a:r>
-              <a:rPr lang="de-DE" sz="800" dirty="0"/>
-              <a:t>“, Winter School 2020, Wuppertal </a:t>
-            </a:r>
-            <a:r>
-              <a:rPr lang="de-DE" sz="800" dirty="0">
-                <a:hlinkClick r:id="rId3"/>
-              </a:rPr>
-              <a:t>https://www.i-d-e.de/wp-content/uploads/2020/02/02_XML-Einf%C3%BChrung.pdf</a:t>
-            </a:r>
-            <a:r>
-              <a:rPr lang="de-DE" sz="800" dirty="0"/>
-              <a:t> </a:t>
-            </a:r>
-          </a:p>
-        </p:txBody>
-      </p:sp>
-      <p:pic>
-        <p:nvPicPr>
-          <p:cNvPr id="4" name="Grafik 3">
-            <a:extLst>
-              <a:ext uri="{FF2B5EF4-FFF2-40B4-BE49-F238E27FC236}">
-                <a16:creationId xmlns:a16="http://schemas.microsoft.com/office/drawing/2014/main" id="{89EB4F29-38EE-4973-8F1B-931C5F4FA2FE}"/>
-              </a:ext>
-            </a:extLst>
-          </p:cNvPr>
-          <p:cNvPicPr>
-            <a:picLocks noChangeAspect="1"/>
-          </p:cNvPicPr>
-          <p:nvPr/>
-        </p:nvPicPr>
-        <p:blipFill>
-          <a:blip r:embed="rId4"/>
-          <a:stretch>
-            <a:fillRect/>
-          </a:stretch>
-        </p:blipFill>
-        <p:spPr>
-          <a:xfrm>
-            <a:off x="9929703" y="580939"/>
-            <a:ext cx="1828649" cy="1971068"/>
-          </a:xfrm>
-          <a:prstGeom prst="rect">
-            <a:avLst/>
-          </a:prstGeom>
-        </p:spPr>
-      </p:pic>
       <p:grpSp>
         <p:nvGrpSpPr>
           <p:cNvPr id="7" name="Gruppieren 6">
@@ -7881,7 +10117,7 @@
             <p:nvPr/>
           </p:nvPicPr>
           <p:blipFill>
-            <a:blip r:embed="rId5"/>
+            <a:blip r:embed="rId2"/>
             <a:stretch>
               <a:fillRect/>
             </a:stretch>
@@ -8073,6 +10309,213 @@
           </p:txBody>
         </p:sp>
       </p:grpSp>
+      <p:sp>
+        <p:nvSpPr>
+          <p:cNvPr id="2" name="Titel 1">
+            <a:extLst>
+              <a:ext uri="{FF2B5EF4-FFF2-40B4-BE49-F238E27FC236}">
+                <a16:creationId xmlns:a16="http://schemas.microsoft.com/office/drawing/2014/main" id="{58F1B0DC-2704-48CE-ACDF-C81B74F08606}"/>
+              </a:ext>
+            </a:extLst>
+          </p:cNvPr>
+          <p:cNvSpPr>
+            <a:spLocks noGrp="1"/>
+          </p:cNvSpPr>
+          <p:nvPr>
+            <p:ph type="title"/>
+          </p:nvPr>
+        </p:nvSpPr>
+        <p:spPr>
+          <a:xfrm>
+            <a:off x="838200" y="348499"/>
+            <a:ext cx="10515600" cy="1325563"/>
+          </a:xfrm>
+        </p:spPr>
+        <p:txBody>
+          <a:bodyPr/>
+          <a:lstStyle/>
+          <a:p>
+            <a:r>
+              <a:rPr lang="de-DE" dirty="0"/>
+              <a:t>Der Wald vor lauter Bäumen…</a:t>
+            </a:r>
+          </a:p>
+        </p:txBody>
+      </p:sp>
+      <p:sp>
+        <p:nvSpPr>
+          <p:cNvPr id="11" name="Textfeld 10">
+            <a:extLst>
+              <a:ext uri="{FF2B5EF4-FFF2-40B4-BE49-F238E27FC236}">
+                <a16:creationId xmlns:a16="http://schemas.microsoft.com/office/drawing/2014/main" id="{494A99F1-C1A7-4B78-9B60-AD1DCBB9D22B}"/>
+              </a:ext>
+            </a:extLst>
+          </p:cNvPr>
+          <p:cNvSpPr txBox="1"/>
+          <p:nvPr/>
+        </p:nvSpPr>
+        <p:spPr>
+          <a:xfrm flipH="1">
+            <a:off x="593101" y="1690688"/>
+            <a:ext cx="7461932" cy="1631216"/>
+          </a:xfrm>
+          <a:prstGeom prst="rect">
+            <a:avLst/>
+          </a:prstGeom>
+          <a:noFill/>
+        </p:spPr>
+        <p:txBody>
+          <a:bodyPr wrap="square" rtlCol="0">
+            <a:spAutoFit/>
+          </a:bodyPr>
+          <a:lstStyle/>
+          <a:p>
+            <a:pPr marL="285750" indent="-285750">
+              <a:buFont typeface="Arial" panose="020B0604020202020204" pitchFamily="34" charset="0"/>
+              <a:buChar char="•"/>
+            </a:pPr>
+            <a:r>
+              <a:rPr lang="de-DE" sz="2000" dirty="0"/>
+              <a:t>Ein allererstes Element umschließt das gesamte Dokument</a:t>
+            </a:r>
+          </a:p>
+          <a:p>
+            <a:pPr marL="285750" indent="-285750">
+              <a:buFont typeface="Arial" panose="020B0604020202020204" pitchFamily="34" charset="0"/>
+              <a:buChar char="•"/>
+            </a:pPr>
+            <a:endParaRPr lang="de-DE" sz="2000" dirty="0"/>
+          </a:p>
+          <a:p>
+            <a:r>
+              <a:rPr lang="de-DE" sz="2000" dirty="0"/>
+              <a:t> 	-&gt; Hierarchie von oben nach unten </a:t>
+            </a:r>
+          </a:p>
+          <a:p>
+            <a:r>
+              <a:rPr lang="de-DE" sz="2000" dirty="0"/>
+              <a:t>	-&gt; Ein „umgedrehter Baum“?</a:t>
+            </a:r>
+          </a:p>
+          <a:p>
+            <a:endParaRPr lang="de-DE" sz="2000" dirty="0"/>
+          </a:p>
+        </p:txBody>
+      </p:sp>
+      <p:pic>
+        <p:nvPicPr>
+          <p:cNvPr id="3" name="Grafik 2">
+            <a:extLst>
+              <a:ext uri="{FF2B5EF4-FFF2-40B4-BE49-F238E27FC236}">
+                <a16:creationId xmlns:a16="http://schemas.microsoft.com/office/drawing/2014/main" id="{742430D9-0D07-425B-A6CB-F98AD69835AC}"/>
+              </a:ext>
+            </a:extLst>
+          </p:cNvPr>
+          <p:cNvPicPr>
+            <a:picLocks noChangeAspect="1"/>
+          </p:cNvPicPr>
+          <p:nvPr/>
+        </p:nvPicPr>
+        <p:blipFill>
+          <a:blip r:embed="rId3"/>
+          <a:stretch>
+            <a:fillRect/>
+          </a:stretch>
+        </p:blipFill>
+        <p:spPr>
+          <a:xfrm>
+            <a:off x="306186" y="3233759"/>
+            <a:ext cx="7237464" cy="2483443"/>
+          </a:xfrm>
+          <a:prstGeom prst="rect">
+            <a:avLst/>
+          </a:prstGeom>
+        </p:spPr>
+      </p:pic>
+      <p:sp>
+        <p:nvSpPr>
+          <p:cNvPr id="5" name="Textfeld 4">
+            <a:extLst>
+              <a:ext uri="{FF2B5EF4-FFF2-40B4-BE49-F238E27FC236}">
+                <a16:creationId xmlns:a16="http://schemas.microsoft.com/office/drawing/2014/main" id="{3B400700-32DD-4E30-94A1-DA3B84D12BFE}"/>
+              </a:ext>
+            </a:extLst>
+          </p:cNvPr>
+          <p:cNvSpPr txBox="1"/>
+          <p:nvPr/>
+        </p:nvSpPr>
+        <p:spPr>
+          <a:xfrm>
+            <a:off x="8695113" y="6149465"/>
+            <a:ext cx="3150524" cy="461665"/>
+          </a:xfrm>
+          <a:prstGeom prst="rect">
+            <a:avLst/>
+          </a:prstGeom>
+          <a:noFill/>
+        </p:spPr>
+        <p:txBody>
+          <a:bodyPr wrap="square" rtlCol="0">
+            <a:spAutoFit/>
+          </a:bodyPr>
+          <a:lstStyle/>
+          <a:p>
+            <a:r>
+              <a:rPr lang="de-DE" sz="800" dirty="0"/>
+              <a:t>Quelle: P. Sahle, „XML als Datenstruktur: Einführung in </a:t>
+            </a:r>
+            <a:r>
+              <a:rPr lang="de-DE" sz="800" dirty="0" err="1"/>
+              <a:t>Xpath</a:t>
+            </a:r>
+            <a:r>
+              <a:rPr lang="de-DE" sz="800" dirty="0"/>
+              <a:t>“, Winter School 2020, Wuppertal </a:t>
+            </a:r>
+            <a:r>
+              <a:rPr lang="de-DE" sz="800" dirty="0">
+                <a:hlinkClick r:id="rId4"/>
+              </a:rPr>
+              <a:t>https://www.i-d-e.de/wp-content/uploads/2020/02/02_XML-Einf%C3%BChrung.pdf</a:t>
+            </a:r>
+            <a:r>
+              <a:rPr lang="de-DE" sz="800" dirty="0"/>
+              <a:t> </a:t>
+            </a:r>
+          </a:p>
+        </p:txBody>
+      </p:sp>
+      <p:pic>
+        <p:nvPicPr>
+          <p:cNvPr id="4" name="Grafik 3">
+            <a:extLst>
+              <a:ext uri="{FF2B5EF4-FFF2-40B4-BE49-F238E27FC236}">
+                <a16:creationId xmlns:a16="http://schemas.microsoft.com/office/drawing/2014/main" id="{89EB4F29-38EE-4973-8F1B-931C5F4FA2FE}"/>
+              </a:ext>
+            </a:extLst>
+          </p:cNvPr>
+          <p:cNvPicPr>
+            <a:picLocks noChangeAspect="1"/>
+          </p:cNvPicPr>
+          <p:nvPr/>
+        </p:nvPicPr>
+        <p:blipFill>
+          <a:blip r:embed="rId5"/>
+          <a:stretch>
+            <a:fillRect/>
+          </a:stretch>
+        </p:blipFill>
+        <p:spPr>
+          <a:xfrm>
+            <a:off x="9929703" y="1237644"/>
+            <a:ext cx="1828649" cy="1971068"/>
+          </a:xfrm>
+          <a:prstGeom prst="rect">
+            <a:avLst/>
+          </a:prstGeom>
+        </p:spPr>
+      </p:pic>
     </p:spTree>
     <p:extLst>
       <p:ext uri="{BB962C8B-B14F-4D97-AF65-F5344CB8AC3E}">
@@ -8126,7 +10569,7 @@
           <a:p>
             <a:r>
               <a:rPr lang="de-DE" dirty="0"/>
-              <a:t>Der Wald vor lauter Bäumen…</a:t>
+              <a:t>Wenn wir von XML reden, reden wir von…</a:t>
             </a:r>
           </a:p>
         </p:txBody>
@@ -8149,16 +10592,305 @@
         </p:nvSpPr>
         <p:spPr/>
         <p:txBody>
-          <a:bodyPr/>
-          <a:lstStyle/>
-          <a:p>
-            <a:r>
-              <a:rPr lang="de-DE" dirty="0"/>
-              <a:t>Begriffe: Eltern, Kinder, Knoten, Achsen</a:t>
-            </a:r>
-          </a:p>
-        </p:txBody>
-      </p:sp>
+          <a:bodyPr>
+            <a:normAutofit lnSpcReduction="10000"/>
+          </a:bodyPr>
+          <a:lstStyle/>
+          <a:p>
+            <a:pPr marL="0" indent="0">
+              <a:buNone/>
+            </a:pPr>
+            <a:r>
+              <a:rPr lang="de-DE" dirty="0"/>
+              <a:t>„Familienbeziehungen“:</a:t>
+            </a:r>
+          </a:p>
+          <a:p>
+            <a:r>
+              <a:rPr lang="de-DE" dirty="0"/>
+              <a:t>Eltern – Kinder </a:t>
+            </a:r>
+          </a:p>
+          <a:p>
+            <a:r>
+              <a:rPr lang="de-DE" dirty="0"/>
+              <a:t>Vorfahren – Nachfahren</a:t>
+            </a:r>
+          </a:p>
+          <a:p>
+            <a:r>
+              <a:rPr lang="de-DE" dirty="0"/>
+              <a:t>Geschwister</a:t>
+            </a:r>
+          </a:p>
+          <a:p>
+            <a:pPr marL="0" indent="0">
+              <a:buNone/>
+            </a:pPr>
+            <a:endParaRPr lang="de-DE" dirty="0"/>
+          </a:p>
+          <a:p>
+            <a:pPr marL="0" indent="0">
+              <a:buNone/>
+            </a:pPr>
+            <a:r>
+              <a:rPr lang="de-DE" dirty="0"/>
+              <a:t>XML Datenmodell:</a:t>
+            </a:r>
+          </a:p>
+          <a:p>
+            <a:r>
+              <a:rPr lang="de-DE" dirty="0"/>
+              <a:t>Elemente / Attribute / Knoten</a:t>
+            </a:r>
+          </a:p>
+          <a:p>
+            <a:r>
+              <a:rPr lang="de-DE" dirty="0"/>
+              <a:t>Ein XML-Dokument besteht ausschließlich </a:t>
+            </a:r>
+          </a:p>
+          <a:p>
+            <a:pPr marL="0" indent="0">
+              <a:buNone/>
+            </a:pPr>
+            <a:r>
+              <a:rPr lang="de-DE" dirty="0"/>
+              <a:t>aus Knoten.</a:t>
+            </a:r>
+          </a:p>
+          <a:p>
+            <a:endParaRPr lang="de-DE" dirty="0"/>
+          </a:p>
+        </p:txBody>
+      </p:sp>
+      <p:grpSp>
+        <p:nvGrpSpPr>
+          <p:cNvPr id="4" name="Gruppieren 3">
+            <a:extLst>
+              <a:ext uri="{FF2B5EF4-FFF2-40B4-BE49-F238E27FC236}">
+                <a16:creationId xmlns:a16="http://schemas.microsoft.com/office/drawing/2014/main" id="{EE005951-F427-4864-8B78-5D12935C42B8}"/>
+              </a:ext>
+            </a:extLst>
+          </p:cNvPr>
+          <p:cNvGrpSpPr/>
+          <p:nvPr/>
+        </p:nvGrpSpPr>
+        <p:grpSpPr>
+          <a:xfrm>
+            <a:off x="7606146" y="1704109"/>
+            <a:ext cx="3670112" cy="4960744"/>
+            <a:chOff x="8122188" y="2357608"/>
+            <a:chExt cx="3154069" cy="3600663"/>
+          </a:xfrm>
+        </p:grpSpPr>
+        <p:pic>
+          <p:nvPicPr>
+            <p:cNvPr id="5" name="Grafik 4">
+              <a:extLst>
+                <a:ext uri="{FF2B5EF4-FFF2-40B4-BE49-F238E27FC236}">
+                  <a16:creationId xmlns:a16="http://schemas.microsoft.com/office/drawing/2014/main" id="{A96856FA-D140-4726-B7AB-2943F5FA9908}"/>
+                </a:ext>
+              </a:extLst>
+            </p:cNvPr>
+            <p:cNvPicPr>
+              <a:picLocks noChangeAspect="1"/>
+            </p:cNvPicPr>
+            <p:nvPr/>
+          </p:nvPicPr>
+          <p:blipFill>
+            <a:blip r:embed="rId2"/>
+            <a:stretch>
+              <a:fillRect/>
+            </a:stretch>
+          </p:blipFill>
+          <p:spPr>
+            <a:xfrm>
+              <a:off x="8122188" y="2357608"/>
+              <a:ext cx="3154069" cy="3600663"/>
+            </a:xfrm>
+            <a:prstGeom prst="rect">
+              <a:avLst/>
+            </a:prstGeom>
+          </p:spPr>
+        </p:pic>
+        <p:sp>
+          <p:nvSpPr>
+            <p:cNvPr id="6" name="Textfeld 5">
+              <a:extLst>
+                <a:ext uri="{FF2B5EF4-FFF2-40B4-BE49-F238E27FC236}">
+                  <a16:creationId xmlns:a16="http://schemas.microsoft.com/office/drawing/2014/main" id="{0A6E614B-5587-46FB-965D-817FEFC14923}"/>
+                </a:ext>
+              </a:extLst>
+            </p:cNvPr>
+            <p:cNvSpPr txBox="1"/>
+            <p:nvPr/>
+          </p:nvSpPr>
+          <p:spPr>
+            <a:xfrm>
+              <a:off x="8884252" y="5330129"/>
+              <a:ext cx="392790" cy="246221"/>
+            </a:xfrm>
+            <a:prstGeom prst="rect">
+              <a:avLst/>
+            </a:prstGeom>
+            <a:solidFill>
+              <a:schemeClr val="accent6">
+                <a:lumMod val="20000"/>
+                <a:lumOff val="80000"/>
+              </a:schemeClr>
+            </a:solidFill>
+          </p:spPr>
+          <p:txBody>
+            <a:bodyPr wrap="square" rtlCol="0">
+              <a:spAutoFit/>
+            </a:bodyPr>
+            <a:lstStyle/>
+            <a:p>
+              <a:r>
+                <a:rPr lang="de-DE" sz="1000" dirty="0">
+                  <a:solidFill>
+                    <a:schemeClr val="accent1"/>
+                  </a:solidFill>
+                </a:rPr>
+                <a:t>&lt;p&gt;</a:t>
+              </a:r>
+            </a:p>
+          </p:txBody>
+        </p:sp>
+        <p:sp>
+          <p:nvSpPr>
+            <p:cNvPr id="7" name="Textfeld 6">
+              <a:extLst>
+                <a:ext uri="{FF2B5EF4-FFF2-40B4-BE49-F238E27FC236}">
+                  <a16:creationId xmlns:a16="http://schemas.microsoft.com/office/drawing/2014/main" id="{473202BB-E30B-491C-A19A-4787D068BE54}"/>
+                </a:ext>
+              </a:extLst>
+            </p:cNvPr>
+            <p:cNvSpPr txBox="1"/>
+            <p:nvPr/>
+          </p:nvSpPr>
+          <p:spPr>
+            <a:xfrm>
+              <a:off x="10041328" y="5330129"/>
+              <a:ext cx="392790" cy="246221"/>
+            </a:xfrm>
+            <a:prstGeom prst="rect">
+              <a:avLst/>
+            </a:prstGeom>
+            <a:solidFill>
+              <a:schemeClr val="accent6">
+                <a:lumMod val="20000"/>
+                <a:lumOff val="80000"/>
+              </a:schemeClr>
+            </a:solidFill>
+          </p:spPr>
+          <p:txBody>
+            <a:bodyPr wrap="square" rtlCol="0">
+              <a:spAutoFit/>
+            </a:bodyPr>
+            <a:lstStyle/>
+            <a:p>
+              <a:r>
+                <a:rPr lang="de-DE" sz="1000" dirty="0">
+                  <a:solidFill>
+                    <a:schemeClr val="accent1"/>
+                  </a:solidFill>
+                </a:rPr>
+                <a:t>&lt;p&gt;</a:t>
+              </a:r>
+            </a:p>
+          </p:txBody>
+        </p:sp>
+        <p:sp>
+          <p:nvSpPr>
+            <p:cNvPr id="8" name="Textfeld 7">
+              <a:extLst>
+                <a:ext uri="{FF2B5EF4-FFF2-40B4-BE49-F238E27FC236}">
+                  <a16:creationId xmlns:a16="http://schemas.microsoft.com/office/drawing/2014/main" id="{8E50A07F-50DD-4980-A2AC-CF0B910D8EF0}"/>
+                </a:ext>
+              </a:extLst>
+            </p:cNvPr>
+            <p:cNvSpPr txBox="1"/>
+            <p:nvPr/>
+          </p:nvSpPr>
+          <p:spPr>
+            <a:xfrm>
+              <a:off x="9462790" y="5330129"/>
+              <a:ext cx="392790" cy="246221"/>
+            </a:xfrm>
+            <a:prstGeom prst="rect">
+              <a:avLst/>
+            </a:prstGeom>
+            <a:solidFill>
+              <a:schemeClr val="accent6">
+                <a:lumMod val="20000"/>
+                <a:lumOff val="80000"/>
+              </a:schemeClr>
+            </a:solidFill>
+          </p:spPr>
+          <p:txBody>
+            <a:bodyPr wrap="square" rtlCol="0">
+              <a:spAutoFit/>
+            </a:bodyPr>
+            <a:lstStyle/>
+            <a:p>
+              <a:r>
+                <a:rPr lang="de-DE" sz="1000" dirty="0">
+                  <a:solidFill>
+                    <a:schemeClr val="accent1"/>
+                  </a:solidFill>
+                </a:rPr>
+                <a:t>&lt;p&gt;</a:t>
+              </a:r>
+            </a:p>
+          </p:txBody>
+        </p:sp>
+        <p:sp>
+          <p:nvSpPr>
+            <p:cNvPr id="9" name="Textfeld 8">
+              <a:extLst>
+                <a:ext uri="{FF2B5EF4-FFF2-40B4-BE49-F238E27FC236}">
+                  <a16:creationId xmlns:a16="http://schemas.microsoft.com/office/drawing/2014/main" id="{0C601DD6-025F-442E-9723-F38650EA9718}"/>
+                </a:ext>
+              </a:extLst>
+            </p:cNvPr>
+            <p:cNvSpPr txBox="1"/>
+            <p:nvPr/>
+          </p:nvSpPr>
+          <p:spPr>
+            <a:xfrm>
+              <a:off x="10619866" y="5330129"/>
+              <a:ext cx="392790" cy="246221"/>
+            </a:xfrm>
+            <a:prstGeom prst="rect">
+              <a:avLst/>
+            </a:prstGeom>
+            <a:solidFill>
+              <a:schemeClr val="accent6">
+                <a:lumMod val="20000"/>
+                <a:lumOff val="80000"/>
+              </a:schemeClr>
+            </a:solidFill>
+          </p:spPr>
+          <p:txBody>
+            <a:bodyPr wrap="square" rtlCol="0">
+              <a:spAutoFit/>
+            </a:bodyPr>
+            <a:lstStyle/>
+            <a:p>
+              <a:r>
+                <a:rPr lang="de-DE" sz="1000" dirty="0">
+                  <a:solidFill>
+                    <a:schemeClr val="accent1"/>
+                  </a:solidFill>
+                </a:rPr>
+                <a:t>&lt;p&gt;</a:t>
+              </a:r>
+            </a:p>
+          </p:txBody>
+        </p:sp>
+      </p:grpSp>
     </p:spTree>
     <p:extLst>
       <p:ext uri="{BB962C8B-B14F-4D97-AF65-F5344CB8AC3E}">
@@ -8212,7 +10944,7 @@
           <a:p>
             <a:r>
               <a:rPr lang="de-DE" dirty="0"/>
-              <a:t>Der Wald vor lauter Bäumen…</a:t>
+              <a:t>Knotentypen im Datenmodell XML</a:t>
             </a:r>
           </a:p>
         </p:txBody>
@@ -8235,13 +10967,479 @@
         </p:nvSpPr>
         <p:spPr/>
         <p:txBody>
-          <a:bodyPr/>
-          <a:lstStyle/>
-          <a:p>
-            <a:r>
-              <a:rPr lang="de-DE" dirty="0"/>
-              <a:t>Knotentypen</a:t>
-            </a:r>
+          <a:bodyPr>
+            <a:normAutofit fontScale="92500" lnSpcReduction="10000"/>
+          </a:bodyPr>
+          <a:lstStyle/>
+          <a:p>
+            <a:pPr marL="285750" indent="-285750"/>
+            <a:r>
+              <a:rPr lang="de-DE" sz="2000" dirty="0"/>
+              <a:t>Dokumentknoten: das gesamte XML-Dokument</a:t>
+            </a:r>
+          </a:p>
+          <a:p>
+            <a:pPr marL="285750" indent="-285750"/>
+            <a:r>
+              <a:rPr lang="de-DE" sz="2000" dirty="0"/>
+              <a:t>Wurzelknoten: &lt;TEI&gt; … &lt;/TEI&gt;</a:t>
+            </a:r>
+          </a:p>
+          <a:p>
+            <a:pPr marL="285750" indent="-285750"/>
+            <a:r>
+              <a:rPr lang="de-DE" sz="2000" dirty="0"/>
+              <a:t>Elementknoten: &lt;</a:t>
+            </a:r>
+            <a:r>
+              <a:rPr lang="de-DE" sz="2000" dirty="0" err="1"/>
+              <a:t>person</a:t>
+            </a:r>
+            <a:r>
+              <a:rPr lang="de-DE" sz="2000" dirty="0"/>
+              <a:t>&gt;…&lt;/</a:t>
+            </a:r>
+            <a:r>
+              <a:rPr lang="de-DE" sz="2000" dirty="0" err="1"/>
+              <a:t>person</a:t>
+            </a:r>
+            <a:r>
+              <a:rPr lang="de-DE" sz="2000" dirty="0"/>
+              <a:t>&gt;</a:t>
+            </a:r>
+          </a:p>
+          <a:p>
+            <a:pPr marL="285750" indent="-285750"/>
+            <a:r>
+              <a:rPr lang="de-DE" sz="2000" dirty="0"/>
+              <a:t>Textknoten: Textinhalt in einem Element </a:t>
+            </a:r>
+          </a:p>
+          <a:p>
+            <a:pPr marL="0" indent="0">
+              <a:buNone/>
+            </a:pPr>
+            <a:endParaRPr lang="de-DE" sz="2000" dirty="0"/>
+          </a:p>
+          <a:p>
+            <a:pPr marL="285750" indent="-285750"/>
+            <a:r>
+              <a:rPr lang="de-DE" sz="2000" dirty="0"/>
+              <a:t>Attributknoten: &lt;</a:t>
+            </a:r>
+            <a:r>
+              <a:rPr lang="de-DE" sz="2000" dirty="0" err="1"/>
+              <a:t>el</a:t>
+            </a:r>
+            <a:r>
+              <a:rPr lang="de-DE" sz="2000" dirty="0"/>
+              <a:t> </a:t>
+            </a:r>
+            <a:r>
+              <a:rPr lang="de-DE" sz="2000" dirty="0" err="1"/>
+              <a:t>att</a:t>
+            </a:r>
+            <a:r>
+              <a:rPr lang="de-DE" sz="2000" dirty="0"/>
+              <a:t>=„</a:t>
+            </a:r>
+            <a:r>
+              <a:rPr lang="de-DE" sz="2000" dirty="0" err="1"/>
+              <a:t>value</a:t>
+            </a:r>
+            <a:r>
+              <a:rPr lang="de-DE" sz="2000" dirty="0"/>
+              <a:t>“&gt;</a:t>
+            </a:r>
+            <a:r>
+              <a:rPr lang="de-DE" sz="2000" dirty="0" err="1"/>
+              <a:t>text</a:t>
+            </a:r>
+            <a:r>
+              <a:rPr lang="de-DE" sz="2000" dirty="0"/>
+              <a:t>&lt;/</a:t>
+            </a:r>
+            <a:r>
+              <a:rPr lang="de-DE" sz="2000" dirty="0" err="1"/>
+              <a:t>el</a:t>
+            </a:r>
+            <a:r>
+              <a:rPr lang="de-DE" sz="2000" dirty="0"/>
+              <a:t>&gt;</a:t>
+            </a:r>
+          </a:p>
+          <a:p>
+            <a:pPr marL="0" indent="0">
+              <a:buNone/>
+            </a:pPr>
+            <a:endParaRPr lang="de-DE" sz="2000" dirty="0"/>
+          </a:p>
+          <a:p>
+            <a:pPr marL="285750" indent="-285750"/>
+            <a:r>
+              <a:rPr lang="de-DE" sz="2000" dirty="0"/>
+              <a:t>Namensraumknoten: &lt;</a:t>
+            </a:r>
+            <a:r>
+              <a:rPr lang="de-DE" sz="2000" b="1" dirty="0" err="1">
+                <a:solidFill>
+                  <a:srgbClr val="FF0000"/>
+                </a:solidFill>
+              </a:rPr>
+              <a:t>tei</a:t>
+            </a:r>
+            <a:r>
+              <a:rPr lang="de-DE" sz="2000" dirty="0" err="1"/>
+              <a:t>:lb</a:t>
+            </a:r>
+            <a:r>
+              <a:rPr lang="de-DE" sz="2000" dirty="0"/>
+              <a:t>/&gt;</a:t>
+            </a:r>
+          </a:p>
+          <a:p>
+            <a:pPr marL="285750" indent="-285750"/>
+            <a:endParaRPr lang="de-DE" sz="2000" dirty="0"/>
+          </a:p>
+          <a:p>
+            <a:pPr marL="285750" indent="-285750"/>
+            <a:r>
+              <a:rPr lang="de-DE" sz="2000" dirty="0"/>
+              <a:t>Processing-</a:t>
+            </a:r>
+            <a:r>
+              <a:rPr lang="de-DE" sz="2000" dirty="0" err="1"/>
+              <a:t>Instruction</a:t>
+            </a:r>
+            <a:r>
+              <a:rPr lang="de-DE" sz="2000" dirty="0"/>
+              <a:t>-Knoten &lt;? … ?&gt;</a:t>
+            </a:r>
+          </a:p>
+          <a:p>
+            <a:pPr marL="0" indent="0">
+              <a:buNone/>
+            </a:pPr>
+            <a:endParaRPr lang="de-DE" sz="2000" dirty="0"/>
+          </a:p>
+          <a:p>
+            <a:pPr marL="285750" indent="-285750"/>
+            <a:r>
+              <a:rPr lang="de-DE" sz="2000" dirty="0"/>
+              <a:t>Kommentarknoten &lt;!-- … --&gt;</a:t>
+            </a:r>
+          </a:p>
+        </p:txBody>
+      </p:sp>
+      <p:pic>
+        <p:nvPicPr>
+          <p:cNvPr id="32" name="Grafik 31">
+            <a:extLst>
+              <a:ext uri="{FF2B5EF4-FFF2-40B4-BE49-F238E27FC236}">
+                <a16:creationId xmlns:a16="http://schemas.microsoft.com/office/drawing/2014/main" id="{BD203AA7-12A1-4B70-8C2C-F803560905D1}"/>
+              </a:ext>
+            </a:extLst>
+          </p:cNvPr>
+          <p:cNvPicPr>
+            <a:picLocks noChangeAspect="1"/>
+          </p:cNvPicPr>
+          <p:nvPr/>
+        </p:nvPicPr>
+        <p:blipFill>
+          <a:blip r:embed="rId2"/>
+          <a:stretch>
+            <a:fillRect/>
+          </a:stretch>
+        </p:blipFill>
+        <p:spPr>
+          <a:xfrm>
+            <a:off x="5651874" y="2352502"/>
+            <a:ext cx="5575849" cy="3824461"/>
+          </a:xfrm>
+          <a:prstGeom prst="rect">
+            <a:avLst/>
+          </a:prstGeom>
+        </p:spPr>
+      </p:pic>
+      <p:sp>
+        <p:nvSpPr>
+          <p:cNvPr id="33" name="Ellipse 32">
+            <a:extLst>
+              <a:ext uri="{FF2B5EF4-FFF2-40B4-BE49-F238E27FC236}">
+                <a16:creationId xmlns:a16="http://schemas.microsoft.com/office/drawing/2014/main" id="{10AA8DD4-A177-418A-A53F-C62B671D4FC8}"/>
+              </a:ext>
+            </a:extLst>
+          </p:cNvPr>
+          <p:cNvSpPr/>
+          <p:nvPr/>
+        </p:nvSpPr>
+        <p:spPr>
+          <a:xfrm>
+            <a:off x="5494713" y="2477193"/>
+            <a:ext cx="723207" cy="465512"/>
+          </a:xfrm>
+          <a:prstGeom prst="ellipse">
+            <a:avLst/>
+          </a:prstGeom>
+        </p:spPr>
+        <p:style>
+          <a:lnRef idx="2">
+            <a:schemeClr val="accent1">
+              <a:shade val="50000"/>
+            </a:schemeClr>
+          </a:lnRef>
+          <a:fillRef idx="1">
+            <a:schemeClr val="accent1"/>
+          </a:fillRef>
+          <a:effectRef idx="0">
+            <a:schemeClr val="accent1"/>
+          </a:effectRef>
+          <a:fontRef idx="minor">
+            <a:schemeClr val="lt1"/>
+          </a:fontRef>
+        </p:style>
+        <p:txBody>
+          <a:bodyPr rtlCol="0" anchor="ctr"/>
+          <a:lstStyle/>
+          <a:p>
+            <a:pPr algn="ctr"/>
+            <a:endParaRPr lang="de-DE"/>
+          </a:p>
+        </p:txBody>
+      </p:sp>
+      <p:sp>
+        <p:nvSpPr>
+          <p:cNvPr id="34" name="Ellipse 33">
+            <a:extLst>
+              <a:ext uri="{FF2B5EF4-FFF2-40B4-BE49-F238E27FC236}">
+                <a16:creationId xmlns:a16="http://schemas.microsoft.com/office/drawing/2014/main" id="{5E3B15C9-1FF7-44B0-B403-BDC92DACA295}"/>
+              </a:ext>
+            </a:extLst>
+          </p:cNvPr>
+          <p:cNvSpPr/>
+          <p:nvPr/>
+        </p:nvSpPr>
+        <p:spPr>
+          <a:xfrm>
+            <a:off x="7467600" y="3095105"/>
+            <a:ext cx="723207" cy="465512"/>
+          </a:xfrm>
+          <a:prstGeom prst="ellipse">
+            <a:avLst/>
+          </a:prstGeom>
+        </p:spPr>
+        <p:style>
+          <a:lnRef idx="2">
+            <a:schemeClr val="accent1">
+              <a:shade val="50000"/>
+            </a:schemeClr>
+          </a:lnRef>
+          <a:fillRef idx="1">
+            <a:schemeClr val="accent1"/>
+          </a:fillRef>
+          <a:effectRef idx="0">
+            <a:schemeClr val="accent1"/>
+          </a:effectRef>
+          <a:fontRef idx="minor">
+            <a:schemeClr val="lt1"/>
+          </a:fontRef>
+        </p:style>
+        <p:txBody>
+          <a:bodyPr rtlCol="0" anchor="ctr"/>
+          <a:lstStyle/>
+          <a:p>
+            <a:pPr algn="ctr"/>
+            <a:endParaRPr lang="de-DE"/>
+          </a:p>
+        </p:txBody>
+      </p:sp>
+      <p:sp>
+        <p:nvSpPr>
+          <p:cNvPr id="35" name="Ellipse 34">
+            <a:extLst>
+              <a:ext uri="{FF2B5EF4-FFF2-40B4-BE49-F238E27FC236}">
+                <a16:creationId xmlns:a16="http://schemas.microsoft.com/office/drawing/2014/main" id="{CFD767F3-E4B4-4E7F-B98D-A68FFCC4C1F3}"/>
+              </a:ext>
+            </a:extLst>
+          </p:cNvPr>
+          <p:cNvSpPr/>
+          <p:nvPr/>
+        </p:nvSpPr>
+        <p:spPr>
+          <a:xfrm>
+            <a:off x="9071176" y="5400801"/>
+            <a:ext cx="1195042" cy="465512"/>
+          </a:xfrm>
+          <a:prstGeom prst="ellipse">
+            <a:avLst/>
+          </a:prstGeom>
+        </p:spPr>
+        <p:style>
+          <a:lnRef idx="2">
+            <a:schemeClr val="accent1">
+              <a:shade val="50000"/>
+            </a:schemeClr>
+          </a:lnRef>
+          <a:fillRef idx="1">
+            <a:schemeClr val="accent1"/>
+          </a:fillRef>
+          <a:effectRef idx="0">
+            <a:schemeClr val="accent1"/>
+          </a:effectRef>
+          <a:fontRef idx="minor">
+            <a:schemeClr val="lt1"/>
+          </a:fontRef>
+        </p:style>
+        <p:txBody>
+          <a:bodyPr rtlCol="0" anchor="ctr"/>
+          <a:lstStyle/>
+          <a:p>
+            <a:pPr algn="ctr"/>
+            <a:endParaRPr lang="de-DE"/>
+          </a:p>
+        </p:txBody>
+      </p:sp>
+      <p:sp>
+        <p:nvSpPr>
+          <p:cNvPr id="36" name="Ellipse 35">
+            <a:extLst>
+              <a:ext uri="{FF2B5EF4-FFF2-40B4-BE49-F238E27FC236}">
+                <a16:creationId xmlns:a16="http://schemas.microsoft.com/office/drawing/2014/main" id="{9C38614A-0F0C-4D5B-BDBC-BE59814017B9}"/>
+              </a:ext>
+            </a:extLst>
+          </p:cNvPr>
+          <p:cNvSpPr/>
+          <p:nvPr/>
+        </p:nvSpPr>
+        <p:spPr>
+          <a:xfrm>
+            <a:off x="9002684" y="4279970"/>
+            <a:ext cx="2351116" cy="465512"/>
+          </a:xfrm>
+          <a:prstGeom prst="ellipse">
+            <a:avLst/>
+          </a:prstGeom>
+          <a:noFill/>
+          <a:ln>
+            <a:solidFill>
+              <a:srgbClr val="FF0000"/>
+            </a:solidFill>
+          </a:ln>
+        </p:spPr>
+        <p:style>
+          <a:lnRef idx="2">
+            <a:schemeClr val="accent1">
+              <a:shade val="50000"/>
+            </a:schemeClr>
+          </a:lnRef>
+          <a:fillRef idx="1">
+            <a:schemeClr val="accent1"/>
+          </a:fillRef>
+          <a:effectRef idx="0">
+            <a:schemeClr val="accent1"/>
+          </a:effectRef>
+          <a:fontRef idx="minor">
+            <a:schemeClr val="lt1"/>
+          </a:fontRef>
+        </p:style>
+        <p:txBody>
+          <a:bodyPr rtlCol="0" anchor="ctr"/>
+          <a:lstStyle/>
+          <a:p>
+            <a:pPr algn="ctr"/>
+            <a:endParaRPr lang="de-DE"/>
+          </a:p>
+        </p:txBody>
+      </p:sp>
+      <p:sp>
+        <p:nvSpPr>
+          <p:cNvPr id="37" name="Ellipse 36">
+            <a:extLst>
+              <a:ext uri="{FF2B5EF4-FFF2-40B4-BE49-F238E27FC236}">
+                <a16:creationId xmlns:a16="http://schemas.microsoft.com/office/drawing/2014/main" id="{7114EE4F-4DDE-4EEB-B3D1-D462A9CE64DB}"/>
+              </a:ext>
+            </a:extLst>
+          </p:cNvPr>
+          <p:cNvSpPr/>
+          <p:nvPr/>
+        </p:nvSpPr>
+        <p:spPr>
+          <a:xfrm>
+            <a:off x="5932428" y="2176969"/>
+            <a:ext cx="723207" cy="465512"/>
+          </a:xfrm>
+          <a:prstGeom prst="ellipse">
+            <a:avLst/>
+          </a:prstGeom>
+        </p:spPr>
+        <p:style>
+          <a:lnRef idx="2">
+            <a:schemeClr val="accent1">
+              <a:shade val="50000"/>
+            </a:schemeClr>
+          </a:lnRef>
+          <a:fillRef idx="1">
+            <a:schemeClr val="accent1"/>
+          </a:fillRef>
+          <a:effectRef idx="0">
+            <a:schemeClr val="accent1"/>
+          </a:effectRef>
+          <a:fontRef idx="minor">
+            <a:schemeClr val="lt1"/>
+          </a:fontRef>
+        </p:style>
+        <p:txBody>
+          <a:bodyPr rtlCol="0" anchor="ctr"/>
+          <a:lstStyle/>
+          <a:p>
+            <a:pPr algn="ctr"/>
+            <a:endParaRPr lang="de-DE"/>
+          </a:p>
+        </p:txBody>
+      </p:sp>
+      <p:sp>
+        <p:nvSpPr>
+          <p:cNvPr id="38" name="Ellipse 37">
+            <a:extLst>
+              <a:ext uri="{FF2B5EF4-FFF2-40B4-BE49-F238E27FC236}">
+                <a16:creationId xmlns:a16="http://schemas.microsoft.com/office/drawing/2014/main" id="{9380C692-B662-4635-A27E-9712D2BD0E6B}"/>
+              </a:ext>
+            </a:extLst>
+          </p:cNvPr>
+          <p:cNvSpPr/>
+          <p:nvPr/>
+        </p:nvSpPr>
+        <p:spPr>
+          <a:xfrm>
+            <a:off x="9071175" y="3240577"/>
+            <a:ext cx="723207" cy="465512"/>
+          </a:xfrm>
+          <a:prstGeom prst="ellipse">
+            <a:avLst/>
+          </a:prstGeom>
+        </p:spPr>
+        <p:style>
+          <a:lnRef idx="2">
+            <a:schemeClr val="accent1">
+              <a:shade val="50000"/>
+            </a:schemeClr>
+          </a:lnRef>
+          <a:fillRef idx="1">
+            <a:schemeClr val="accent1"/>
+          </a:fillRef>
+          <a:effectRef idx="0">
+            <a:schemeClr val="accent1"/>
+          </a:effectRef>
+          <a:fontRef idx="minor">
+            <a:schemeClr val="lt1"/>
+          </a:fontRef>
+        </p:style>
+        <p:txBody>
+          <a:bodyPr rtlCol="0" anchor="ctr"/>
+          <a:lstStyle/>
+          <a:p>
+            <a:pPr algn="ctr"/>
+            <a:endParaRPr lang="de-DE"/>
           </a:p>
         </p:txBody>
       </p:sp>
